--- a/doc/slides/GEC21/monitoring-meeting-gec21.pptx
+++ b/doc/slides/GEC21/monitoring-meeting-gec21.pptx
@@ -3841,15 +3841,7 @@
             <a:pPr algn="r"/>
             <a:r>
               <a:rPr lang="en-US" dirty="0" smtClean="0"/>
-              <a:t>GEC21, </a:t>
-            </a:r>
-            <a:r>
-              <a:rPr lang="en-US" dirty="0" smtClean="0"/>
-              <a:t>October </a:t>
-            </a:r>
-            <a:r>
-              <a:rPr lang="en-US" dirty="0" smtClean="0"/>
-              <a:t>22, 2014</a:t>
+              <a:t>GEC21, October 22, 2014</a:t>
             </a:r>
           </a:p>
           <a:p>
@@ -3866,7 +3858,6 @@
               <a:rPr lang="en-US" sz="1600" dirty="0" smtClean="0"/>
               <a:t>t the GPO Office, Hoosier Room, IMU Main Level, 4-5:30 PM</a:t>
             </a:r>
-            <a:endParaRPr lang="en-US" sz="1600" dirty="0" smtClean="0"/>
           </a:p>
         </p:txBody>
       </p:sp>
@@ -3924,15 +3915,7 @@
           <a:p>
             <a:r>
               <a:rPr lang="en-US" sz="2800" dirty="0" smtClean="0"/>
-              <a:t>JSON data response: </a:t>
-            </a:r>
-            <a:r>
-              <a:rPr lang="en-US" sz="2800" dirty="0" smtClean="0"/>
-              <a:t>id </a:t>
-            </a:r>
-            <a:r>
-              <a:rPr lang="en-US" sz="2800" dirty="0" smtClean="0"/>
-              <a:t>field</a:t>
+              <a:t>JSON data response: id field</a:t>
             </a:r>
             <a:endParaRPr lang="en-US" sz="2800" dirty="0"/>
           </a:p>
@@ -3947,7 +3930,7 @@
         <p:spPr>
           <a:xfrm>
             <a:off x="445218" y="1219200"/>
-            <a:ext cx="6739144" cy="3108544"/>
+            <a:ext cx="7514497" cy="3139321"/>
           </a:xfrm>
           <a:prstGeom prst="rect">
             <a:avLst/>
@@ -3976,15 +3959,7 @@
                   <a:srgbClr val="000000"/>
                 </a:solidFill>
               </a:rPr>
-              <a:t> </a:t>
-            </a:r>
-            <a:r>
-              <a:rPr lang="en-US" sz="1400" dirty="0" smtClean="0">
-                <a:solidFill>
-                  <a:srgbClr val="000000"/>
-                </a:solidFill>
-              </a:rPr>
-              <a:t>{</a:t>
+              <a:t> {</a:t>
             </a:r>
             <a:r>
               <a:rPr lang="en-US" sz="1400" dirty="0">
@@ -4183,7 +4158,7 @@
                 </a:solidFill>
                 <a:hlinkClick r:id="rId2"/>
               </a:rPr>
-              <a:t>/ion.internet2</a:t>
+              <a:t>/</a:t>
             </a:r>
             <a:r>
               <a:rPr lang="en-US" sz="1400" dirty="0">
@@ -4192,6 +4167,24 @@
                 </a:solidFill>
                 <a:hlinkClick r:id="rId2"/>
               </a:rPr>
+              <a:t>rtr.wash.</a:t>
+            </a:r>
+            <a:r>
+              <a:rPr lang="en-US" sz="1400" dirty="0" smtClean="0">
+                <a:solidFill>
+                  <a:srgbClr val="000000"/>
+                </a:solidFill>
+                <a:hlinkClick r:id="rId2"/>
+              </a:rPr>
+              <a:t>ion.internet2</a:t>
+            </a:r>
+            <a:r>
+              <a:rPr lang="en-US" sz="1400" dirty="0">
+                <a:solidFill>
+                  <a:srgbClr val="000000"/>
+                </a:solidFill>
+                <a:hlinkClick r:id="rId2"/>
+              </a:rPr>
               <a:t>.edu/xe-0/2/</a:t>
             </a:r>
             <a:r>
@@ -4211,11 +4204,6 @@
               </a:rPr>
               <a:t>”</a:t>
             </a:r>
-            <a:endParaRPr lang="en-US" sz="1400" dirty="0" smtClean="0">
-              <a:solidFill>
-                <a:srgbClr val="000000"/>
-              </a:solidFill>
-            </a:endParaRPr>
           </a:p>
           <a:p>
             <a:r>
@@ -4235,7 +4223,7 @@
               <a:t>id":"</a:t>
             </a:r>
             <a:r>
-              <a:rPr lang="en-US" sz="1400" dirty="0">
+              <a:rPr lang="en-US" sz="1400" dirty="0" smtClean="0">
                 <a:solidFill>
                   <a:srgbClr val="FF0000"/>
                 </a:solidFill>
@@ -4243,12 +4231,20 @@
               <a:t>rx_bps:</a:t>
             </a:r>
             <a:r>
-              <a:rPr lang="en-US" sz="1400" dirty="0">
-                <a:solidFill>
-                  <a:srgbClr val="000000"/>
-                </a:solidFill>
-              </a:rPr>
-              <a:t>ion.internet2.edu+interface+rtr.wash.ion.internet2.edu:xe-0/2/2"</a:t>
+              <a:rPr lang="en-US" sz="1400" dirty="0" smtClean="0">
+                <a:solidFill>
+                  <a:srgbClr val="000000"/>
+                </a:solidFill>
+              </a:rPr>
+              <a:t>rtr.wash.ion.internet2</a:t>
+            </a:r>
+            <a:r>
+              <a:rPr lang="en-US" sz="1400" dirty="0">
+                <a:solidFill>
+                  <a:srgbClr val="000000"/>
+                </a:solidFill>
+              </a:rPr>
+              <a:t>.edu:xe-0/2/2"</a:t>
             </a:r>
             <a:r>
               <a:rPr lang="en-US" sz="1400" dirty="0" smtClean="0">
@@ -4335,33 +4331,24 @@
                 </a:solidFill>
                 <a:hlinkClick r:id="rId3"/>
               </a:rPr>
-              <a:t>“http</a:t>
-            </a:r>
-            <a:r>
-              <a:rPr lang="en-US" sz="1400" dirty="0" smtClean="0">
+              <a:t>“http:</a:t>
+            </a:r>
+            <a:r>
+              <a:rPr lang="en-US" sz="1400" dirty="0">
                 <a:solidFill>
                   <a:srgbClr val="000000"/>
                 </a:solidFill>
                 <a:hlinkClick r:id="rId3"/>
               </a:rPr>
-              <a:t>:</a:t>
-            </a:r>
-            <a:r>
-              <a:rPr lang="en-US" sz="1400" dirty="0">
+              <a:t>//www.gpolab.bbn.com/monitoring/schema/20140828/data</a:t>
+            </a:r>
+            <a:r>
+              <a:rPr lang="en-US" sz="1400" dirty="0" smtClean="0">
                 <a:solidFill>
                   <a:srgbClr val="000000"/>
                 </a:solidFill>
                 <a:hlinkClick r:id="rId3"/>
               </a:rPr>
-              <a:t>//www.gpolab.bbn.com/monitoring/schema/20140828/data</a:t>
-            </a:r>
-            <a:r>
-              <a:rPr lang="en-US" sz="1400" dirty="0" smtClean="0">
-                <a:solidFill>
-                  <a:srgbClr val="000000"/>
-                </a:solidFill>
-                <a:hlinkClick r:id="rId3"/>
-              </a:rPr>
               <a:t>#</a:t>
             </a:r>
             <a:r>
@@ -4372,28 +4359,15 @@
               </a:rPr>
               <a:t>”</a:t>
             </a:r>
-            <a:endParaRPr lang="en-US" sz="1400" dirty="0" smtClean="0">
-              <a:solidFill>
-                <a:srgbClr val="000000"/>
-              </a:solidFill>
-            </a:endParaRPr>
-          </a:p>
-          <a:p>
-            <a:r>
-              <a:rPr lang="en-US" sz="1400" dirty="0" smtClean="0">
-                <a:solidFill>
-                  <a:srgbClr val="000000"/>
-                </a:solidFill>
-              </a:rPr>
-              <a:t>  }</a:t>
-            </a:r>
-            <a:r>
-              <a:rPr lang="en-US" sz="1400" dirty="0" smtClean="0">
-                <a:solidFill>
-                  <a:srgbClr val="000000"/>
-                </a:solidFill>
-              </a:rPr>
-              <a:t>,</a:t>
+          </a:p>
+          <a:p>
+            <a:r>
+              <a:rPr lang="en-US" sz="1400" dirty="0" smtClean="0">
+                <a:solidFill>
+                  <a:srgbClr val="000000"/>
+                </a:solidFill>
+              </a:rPr>
+              <a:t>  },</a:t>
             </a:r>
           </a:p>
           <a:p>
@@ -4570,15 +4544,7 @@
           <a:p>
             <a:r>
               <a:rPr lang="en-US" sz="2800" dirty="0" smtClean="0"/>
-              <a:t>JSON data response: $schema</a:t>
-            </a:r>
-            <a:r>
-              <a:rPr lang="en-US" sz="2800" dirty="0" smtClean="0"/>
-              <a:t> </a:t>
-            </a:r>
-            <a:r>
-              <a:rPr lang="en-US" sz="2800" dirty="0" smtClean="0"/>
-              <a:t>field</a:t>
+              <a:t>JSON data response: $schema field</a:t>
             </a:r>
             <a:endParaRPr lang="en-US" sz="2800" dirty="0"/>
           </a:p>
@@ -4593,7 +4559,7 @@
         <p:spPr>
           <a:xfrm>
             <a:off x="445218" y="1219200"/>
-            <a:ext cx="6739144" cy="3108544"/>
+            <a:ext cx="7514497" cy="3139321"/>
           </a:xfrm>
           <a:prstGeom prst="rect">
             <a:avLst/>
@@ -4622,15 +4588,7 @@
                   <a:srgbClr val="000000"/>
                 </a:solidFill>
               </a:rPr>
-              <a:t> </a:t>
-            </a:r>
-            <a:r>
-              <a:rPr lang="en-US" sz="1400" dirty="0" smtClean="0">
-                <a:solidFill>
-                  <a:srgbClr val="000000"/>
-                </a:solidFill>
-              </a:rPr>
-              <a:t>{</a:t>
+              <a:t> {</a:t>
             </a:r>
             <a:r>
               <a:rPr lang="en-US" sz="1400" dirty="0">
@@ -4829,7 +4787,7 @@
                 </a:solidFill>
                 <a:hlinkClick r:id="rId2"/>
               </a:rPr>
-              <a:t>/ion.internet2</a:t>
+              <a:t>/</a:t>
             </a:r>
             <a:r>
               <a:rPr lang="en-US" sz="1400" dirty="0">
@@ -4838,6 +4796,24 @@
                 </a:solidFill>
                 <a:hlinkClick r:id="rId2"/>
               </a:rPr>
+              <a:t>rtr.wash.</a:t>
+            </a:r>
+            <a:r>
+              <a:rPr lang="en-US" sz="1400" dirty="0" smtClean="0">
+                <a:solidFill>
+                  <a:srgbClr val="000000"/>
+                </a:solidFill>
+                <a:hlinkClick r:id="rId2"/>
+              </a:rPr>
+              <a:t>ion.internet2</a:t>
+            </a:r>
+            <a:r>
+              <a:rPr lang="en-US" sz="1400" dirty="0">
+                <a:solidFill>
+                  <a:srgbClr val="000000"/>
+                </a:solidFill>
+                <a:hlinkClick r:id="rId2"/>
+              </a:rPr>
               <a:t>.edu/xe-0/2/</a:t>
             </a:r>
             <a:r>
@@ -4857,11 +4833,6 @@
               </a:rPr>
               <a:t>”</a:t>
             </a:r>
-            <a:endParaRPr lang="en-US" sz="1400" dirty="0" smtClean="0">
-              <a:solidFill>
-                <a:srgbClr val="000000"/>
-              </a:solidFill>
-            </a:endParaRPr>
           </a:p>
           <a:p>
             <a:r>
@@ -4878,7 +4849,23 @@
                   <a:srgbClr val="000000"/>
                 </a:solidFill>
               </a:rPr>
-              <a:t>id":"rx_bps:ion.internet2.edu+interface+rtr.wash.ion.internet2.edu:xe-0/2/2"</a:t>
+              <a:t>id":"</a:t>
+            </a:r>
+            <a:r>
+              <a:rPr lang="en-US" sz="1400" dirty="0" smtClean="0">
+                <a:solidFill>
+                  <a:srgbClr val="000000"/>
+                </a:solidFill>
+              </a:rPr>
+              <a:t>rx_bps:rtr.wash.ion.internet2</a:t>
+            </a:r>
+            <a:r>
+              <a:rPr lang="en-US" sz="1400" dirty="0">
+                <a:solidFill>
+                  <a:srgbClr val="000000"/>
+                </a:solidFill>
+              </a:rPr>
+              <a:t>.edu:xe-0/2/2"</a:t>
             </a:r>
             <a:r>
               <a:rPr lang="en-US" sz="1400" dirty="0" smtClean="0">
@@ -4981,33 +4968,24 @@
                 </a:solidFill>
                 <a:hlinkClick r:id="rId3"/>
               </a:rPr>
-              <a:t>“http</a:t>
-            </a:r>
-            <a:r>
-              <a:rPr lang="en-US" sz="1400" dirty="0" smtClean="0">
+              <a:t>“http:</a:t>
+            </a:r>
+            <a:r>
+              <a:rPr lang="en-US" sz="1400" dirty="0">
                 <a:solidFill>
                   <a:srgbClr val="000000"/>
                 </a:solidFill>
                 <a:hlinkClick r:id="rId3"/>
               </a:rPr>
-              <a:t>:</a:t>
-            </a:r>
-            <a:r>
-              <a:rPr lang="en-US" sz="1400" dirty="0">
+              <a:t>//www.gpolab.bbn.com/monitoring/schema/20140828/data</a:t>
+            </a:r>
+            <a:r>
+              <a:rPr lang="en-US" sz="1400" dirty="0" smtClean="0">
                 <a:solidFill>
                   <a:srgbClr val="000000"/>
                 </a:solidFill>
                 <a:hlinkClick r:id="rId3"/>
               </a:rPr>
-              <a:t>//www.gpolab.bbn.com/monitoring/schema/20140828/data</a:t>
-            </a:r>
-            <a:r>
-              <a:rPr lang="en-US" sz="1400" dirty="0" smtClean="0">
-                <a:solidFill>
-                  <a:srgbClr val="000000"/>
-                </a:solidFill>
-                <a:hlinkClick r:id="rId3"/>
-              </a:rPr>
               <a:t>#</a:t>
             </a:r>
             <a:r>
@@ -5018,28 +4996,15 @@
               </a:rPr>
               <a:t>”</a:t>
             </a:r>
-            <a:endParaRPr lang="en-US" sz="1400" dirty="0" smtClean="0">
-              <a:solidFill>
-                <a:srgbClr val="000000"/>
-              </a:solidFill>
-            </a:endParaRPr>
-          </a:p>
-          <a:p>
-            <a:r>
-              <a:rPr lang="en-US" sz="1400" dirty="0" smtClean="0">
-                <a:solidFill>
-                  <a:srgbClr val="000000"/>
-                </a:solidFill>
-              </a:rPr>
-              <a:t>  }</a:t>
-            </a:r>
-            <a:r>
-              <a:rPr lang="en-US" sz="1400" dirty="0" smtClean="0">
-                <a:solidFill>
-                  <a:srgbClr val="000000"/>
-                </a:solidFill>
-              </a:rPr>
-              <a:t>,</a:t>
+          </a:p>
+          <a:p>
+            <a:r>
+              <a:rPr lang="en-US" sz="1400" dirty="0" smtClean="0">
+                <a:solidFill>
+                  <a:srgbClr val="000000"/>
+                </a:solidFill>
+              </a:rPr>
+              <a:t>  },</a:t>
             </a:r>
           </a:p>
           <a:p>
@@ -5458,11 +5423,15 @@
             </a:r>
             <a:r>
               <a:rPr lang="en-US" dirty="0" smtClean="0"/>
-              <a:t>:”ion.internet2</a:t>
+              <a:t>:</a:t>
+            </a:r>
+            <a:r>
+              <a:rPr lang="en-US" dirty="0" smtClean="0"/>
+              <a:t>”rtr.wash.ion.internet2</a:t>
             </a:r>
             <a:r>
               <a:rPr lang="en-US" dirty="0"/>
-              <a:t>.edu+interface+rtr.wash.ion.internet2.edu:xe-0/2/2"</a:t>
+              <a:t>.edu:xe-0/2/2"</a:t>
             </a:r>
             <a:r>
               <a:rPr lang="en-US" dirty="0" smtClean="0"/>
@@ -5648,11 +5617,7 @@
             </a:pPr>
             <a:r>
               <a:rPr lang="en-US" sz="2000" dirty="0" smtClean="0"/>
-              <a:t>Bidirectional </a:t>
-            </a:r>
-            <a:r>
-              <a:rPr lang="en-US" sz="2000" dirty="0" smtClean="0"/>
-              <a:t>navigation</a:t>
+              <a:t>Bidirectional navigation</a:t>
             </a:r>
           </a:p>
           <a:p>
@@ -5672,11 +5637,7 @@
             </a:pPr>
             <a:r>
               <a:rPr lang="en-US" dirty="0" smtClean="0"/>
-              <a:t>Allows lightweight navigation of the monitoring data without needing to collect and store all of the data </a:t>
-            </a:r>
-            <a:r>
-              <a:rPr lang="en-US" dirty="0" smtClean="0"/>
-              <a:t>first</a:t>
+              <a:t>Allows lightweight navigation of the monitoring data without needing to collect and store all of the data first</a:t>
             </a:r>
           </a:p>
           <a:p>
@@ -5688,7 +5649,6 @@
               <a:rPr lang="en-US" dirty="0" smtClean="0"/>
               <a:t>This is a sweeping change that dwarfs any of the other JSON schema changes that have been discussed</a:t>
             </a:r>
-            <a:endParaRPr lang="en-US" dirty="0" smtClean="0"/>
           </a:p>
           <a:p>
             <a:pPr marL="742950" lvl="1" indent="-285750">
@@ -5740,11 +5700,7 @@
             </a:r>
             <a:r>
               <a:rPr lang="en-US" dirty="0" smtClean="0"/>
-              <a:t> supporting multiple </a:t>
-            </a:r>
-            <a:r>
-              <a:rPr lang="en-US" dirty="0" smtClean="0"/>
-              <a:t>aggregates</a:t>
+              <a:t> supporting multiple aggregates</a:t>
             </a:r>
           </a:p>
           <a:p>
@@ -5761,11 +5717,7 @@
             </a:pPr>
             <a:r>
               <a:rPr lang="en-US" sz="2000" dirty="0" smtClean="0"/>
-              <a:t>Objects could specify what measurements they </a:t>
-            </a:r>
-            <a:r>
-              <a:rPr lang="en-US" sz="2000" dirty="0" smtClean="0"/>
-              <a:t>support</a:t>
+              <a:t>Objects could specify what measurements they support</a:t>
             </a:r>
           </a:p>
           <a:p>
@@ -6175,6 +6127,15 @@
             <a:endParaRPr lang="en-US" dirty="0" smtClean="0"/>
           </a:p>
           <a:p>
+            <a:endParaRPr lang="en-US" dirty="0" smtClean="0"/>
+          </a:p>
+          <a:p>
+            <a:r>
+              <a:rPr lang="en-US" dirty="0" smtClean="0"/>
+              <a:t>Removing stale or obsolete data from the database</a:t>
+            </a:r>
+          </a:p>
+          <a:p>
             <a:endParaRPr lang="en-US" dirty="0"/>
           </a:p>
           <a:p>
@@ -6366,19 +6327,7 @@
           <a:p>
             <a:r>
               <a:rPr lang="en-US" dirty="0" smtClean="0"/>
-              <a:t>Possible </a:t>
-            </a:r>
-            <a:r>
-              <a:rPr lang="en-US" dirty="0" smtClean="0"/>
-              <a:t>Database</a:t>
-            </a:r>
-            <a:r>
-              <a:rPr lang="en-US" dirty="0" smtClean="0"/>
-              <a:t> </a:t>
-            </a:r>
-            <a:r>
-              <a:rPr lang="en-US" dirty="0" smtClean="0"/>
-              <a:t>Schema Changes</a:t>
+              <a:t>Possible Database Schema Changes</a:t>
             </a:r>
             <a:endParaRPr lang="en-US" dirty="0"/>
           </a:p>
@@ -6782,11 +6731,7 @@
           <a:p>
             <a:r>
               <a:rPr lang="en-US" dirty="0" smtClean="0"/>
-              <a:t>Using </a:t>
-            </a:r>
-            <a:r>
-              <a:rPr lang="en-US" dirty="0" smtClean="0"/>
-              <a:t>the </a:t>
+              <a:t>Using the </a:t>
             </a:r>
             <a:r>
               <a:rPr lang="en-US" dirty="0" err="1" smtClean="0"/>
@@ -6794,11 +6739,7 @@
             </a:r>
             <a:r>
               <a:rPr lang="en-US" dirty="0" smtClean="0"/>
-              <a:t> table as </a:t>
-            </a:r>
-            <a:r>
-              <a:rPr lang="en-US" dirty="0" smtClean="0"/>
-              <a:t>a representative example:</a:t>
+              <a:t> table as a representative example:</a:t>
             </a:r>
             <a:endParaRPr lang="en-US" dirty="0"/>
           </a:p>
@@ -6941,7 +6882,7 @@
         <p:spPr>
           <a:xfrm>
             <a:off x="445218" y="1219200"/>
-            <a:ext cx="8540056" cy="3970318"/>
+            <a:ext cx="8450851" cy="3600986"/>
           </a:xfrm>
           <a:prstGeom prst="rect">
             <a:avLst/>
@@ -6955,33 +6896,25 @@
           <a:lstStyle/>
           <a:p>
             <a:r>
-              <a:rPr lang="en-US" dirty="0" smtClean="0"/>
+              <a:rPr lang="en-US" sz="1600" dirty="0" smtClean="0"/>
               <a:t>[</a:t>
             </a:r>
           </a:p>
           <a:p>
             <a:r>
-              <a:rPr lang="en-US" dirty="0"/>
+              <a:rPr lang="en-US" sz="1600" dirty="0"/>
               <a:t> </a:t>
             </a:r>
             <a:r>
-              <a:rPr lang="en-US" dirty="0" smtClean="0">
-                <a:solidFill>
-                  <a:srgbClr val="000000"/>
-                </a:solidFill>
-              </a:rPr>
-              <a:t> </a:t>
-            </a:r>
-            <a:r>
-              <a:rPr lang="en-US" dirty="0" smtClean="0">
-                <a:solidFill>
-                  <a:srgbClr val="000000"/>
-                </a:solidFill>
-              </a:rPr>
-              <a:t>{</a:t>
-            </a:r>
-            <a:r>
-              <a:rPr lang="en-US" dirty="0">
+              <a:rPr lang="en-US" sz="1600" dirty="0" smtClean="0">
+                <a:solidFill>
+                  <a:srgbClr val="000000"/>
+                </a:solidFill>
+              </a:rPr>
+              <a:t> {</a:t>
+            </a:r>
+            <a:r>
+              <a:rPr lang="en-US" sz="1600" dirty="0">
                 <a:solidFill>
                   <a:srgbClr val="000000"/>
                 </a:solidFill>
@@ -6989,7 +6922,7 @@
               <a:t>"</a:t>
             </a:r>
             <a:r>
-              <a:rPr lang="en-US" dirty="0" err="1">
+              <a:rPr lang="en-US" sz="1600" dirty="0" err="1">
                 <a:solidFill>
                   <a:srgbClr val="000000"/>
                 </a:solidFill>
@@ -6997,7 +6930,7 @@
               <a:t>tsdata</a:t>
             </a:r>
             <a:r>
-              <a:rPr lang="en-US" dirty="0">
+              <a:rPr lang="en-US" sz="1600" dirty="0">
                 <a:solidFill>
                   <a:srgbClr val="000000"/>
                 </a:solidFill>
@@ -7007,7 +6940,7 @@
           </a:p>
           <a:p>
             <a:r>
-              <a:rPr lang="en-US" dirty="0">
+              <a:rPr lang="en-US" sz="1600" dirty="0">
                 <a:solidFill>
                   <a:srgbClr val="000000"/>
                 </a:solidFill>
@@ -7015,14 +6948,14 @@
               <a:t>        {"ts":1412124480000000,"v":7917}</a:t>
             </a:r>
             <a:r>
-              <a:rPr lang="en-US" dirty="0" smtClean="0">
+              <a:rPr lang="en-US" sz="1600" dirty="0" smtClean="0">
                 <a:solidFill>
                   <a:srgbClr val="000000"/>
                 </a:solidFill>
               </a:rPr>
               <a:t>,</a:t>
             </a:r>
-            <a:endParaRPr lang="en-US" dirty="0">
+            <a:endParaRPr lang="en-US" sz="1600" dirty="0">
               <a:solidFill>
                 <a:srgbClr val="000000"/>
               </a:solidFill>
@@ -7030,7 +6963,7 @@
           </a:p>
           <a:p>
             <a:r>
-              <a:rPr lang="en-US" dirty="0">
+              <a:rPr lang="en-US" sz="1600" dirty="0">
                 <a:solidFill>
                   <a:srgbClr val="000000"/>
                 </a:solidFill>
@@ -7040,7 +6973,7 @@
           </a:p>
           <a:p>
             <a:r>
-              <a:rPr lang="en-US" dirty="0">
+              <a:rPr lang="en-US" sz="1600" dirty="0">
                 <a:solidFill>
                   <a:srgbClr val="000000"/>
                 </a:solidFill>
@@ -7050,7 +6983,7 @@
           </a:p>
           <a:p>
             <a:r>
-              <a:rPr lang="en-US" dirty="0">
+              <a:rPr lang="en-US" sz="1600" dirty="0">
                 <a:solidFill>
                   <a:srgbClr val="000000"/>
                 </a:solidFill>
@@ -7058,7 +6991,7 @@
               <a:t>    "</a:t>
             </a:r>
             <a:r>
-              <a:rPr lang="en-US" dirty="0" err="1">
+              <a:rPr lang="en-US" sz="1600" dirty="0" err="1">
                 <a:solidFill>
                   <a:srgbClr val="000000"/>
                 </a:solidFill>
@@ -7066,7 +6999,7 @@
               <a:t>eventType</a:t>
             </a:r>
             <a:r>
-              <a:rPr lang="en-US" dirty="0">
+              <a:rPr lang="en-US" sz="1600" dirty="0">
                 <a:solidFill>
                   <a:srgbClr val="000000"/>
                 </a:solidFill>
@@ -7074,7 +7007,7 @@
               <a:t>":"</a:t>
             </a:r>
             <a:r>
-              <a:rPr lang="en-US" dirty="0" err="1" smtClean="0">
+              <a:rPr lang="en-US" sz="1600" dirty="0" err="1" smtClean="0">
                 <a:solidFill>
                   <a:srgbClr val="000000"/>
                 </a:solidFill>
@@ -7082,14 +7015,14 @@
               <a:t>ops_monitoring:rx_bps</a:t>
             </a:r>
             <a:r>
-              <a:rPr lang="en-US" dirty="0" smtClean="0">
+              <a:rPr lang="en-US" sz="1600" dirty="0" smtClean="0">
                 <a:solidFill>
                   <a:srgbClr val="000000"/>
                 </a:solidFill>
               </a:rPr>
               <a:t>”,</a:t>
             </a:r>
-            <a:endParaRPr lang="en-US" dirty="0">
+            <a:endParaRPr lang="en-US" sz="1600" dirty="0">
               <a:solidFill>
                 <a:srgbClr val="000000"/>
               </a:solidFill>
@@ -7097,7 +7030,7 @@
           </a:p>
           <a:p>
             <a:r>
-              <a:rPr lang="en-US" dirty="0">
+              <a:rPr lang="en-US" sz="1600" dirty="0">
                 <a:solidFill>
                   <a:srgbClr val="000000"/>
                 </a:solidFill>
@@ -7105,7 +7038,7 @@
               <a:t>    "subject"</a:t>
             </a:r>
             <a:r>
-              <a:rPr lang="en-US" dirty="0" smtClean="0">
+              <a:rPr lang="en-US" sz="1600" dirty="0" smtClean="0">
                 <a:solidFill>
                   <a:srgbClr val="000000"/>
                 </a:solidFill>
@@ -7113,7 +7046,7 @@
               <a:t>: </a:t>
             </a:r>
             <a:r>
-              <a:rPr lang="en-US" dirty="0" smtClean="0">
+              <a:rPr lang="en-US" sz="1600" dirty="0" smtClean="0">
                 <a:solidFill>
                   <a:srgbClr val="000000"/>
                 </a:solidFill>
@@ -7122,7 +7055,7 @@
               <a:t>“https</a:t>
             </a:r>
             <a:r>
-              <a:rPr lang="en-US" dirty="0">
+              <a:rPr lang="en-US" sz="1600" dirty="0">
                 <a:solidFill>
                   <a:srgbClr val="000000"/>
                 </a:solidFill>
@@ -7131,13 +7064,13 @@
               <a:t>://gmoc-</a:t>
             </a:r>
             <a:r>
-              <a:rPr lang="en-US" dirty="0" smtClean="0">
+              <a:rPr lang="en-US" sz="1600" dirty="0" smtClean="0">
                 <a:hlinkClick r:id="rId2"/>
               </a:rPr>
               <a:t>db.grnoc.iu.edu</a:t>
             </a:r>
             <a:r>
-              <a:rPr lang="en-US" dirty="0" smtClean="0">
+              <a:rPr lang="en-US" sz="1600" dirty="0" smtClean="0">
                 <a:solidFill>
                   <a:srgbClr val="000000"/>
                 </a:solidFill>
@@ -7146,7 +7079,7 @@
               <a:t>/</a:t>
             </a:r>
             <a:r>
-              <a:rPr lang="en-US" dirty="0">
+              <a:rPr lang="en-US" sz="1600" dirty="0">
                 <a:solidFill>
                   <a:srgbClr val="000000"/>
                 </a:solidFill>
@@ -7155,16 +7088,16 @@
               <a:t>info/interface</a:t>
             </a:r>
             <a:r>
-              <a:rPr lang="en-US" dirty="0" smtClean="0">
+              <a:rPr lang="en-US" sz="1600" dirty="0" smtClean="0">
                 <a:solidFill>
                   <a:srgbClr val="000000"/>
                 </a:solidFill>
                 <a:hlinkClick r:id="rId2"/>
               </a:rPr>
-              <a:t>/ion.internet2</a:t>
-            </a:r>
-            <a:r>
-              <a:rPr lang="en-US" dirty="0">
+              <a:t>/rtr.wash.ion.internet2</a:t>
+            </a:r>
+            <a:r>
+              <a:rPr lang="en-US" sz="1600" dirty="0">
                 <a:solidFill>
                   <a:srgbClr val="000000"/>
                 </a:solidFill>
@@ -7173,7 +7106,7 @@
               <a:t>.edu/xe-0/2/</a:t>
             </a:r>
             <a:r>
-              <a:rPr lang="en-US" dirty="0" smtClean="0">
+              <a:rPr lang="en-US" sz="1600" dirty="0" smtClean="0">
                 <a:solidFill>
                   <a:srgbClr val="000000"/>
                 </a:solidFill>
@@ -7182,22 +7115,17 @@
               <a:t>2</a:t>
             </a:r>
             <a:r>
-              <a:rPr lang="en-US" dirty="0" smtClean="0">
+              <a:rPr lang="en-US" sz="1600" dirty="0" smtClean="0">
                 <a:solidFill>
                   <a:srgbClr val="000000"/>
                 </a:solidFill>
               </a:rPr>
               <a:t>”</a:t>
             </a:r>
-            <a:endParaRPr lang="en-US" dirty="0" smtClean="0">
-              <a:solidFill>
-                <a:srgbClr val="000000"/>
-              </a:solidFill>
-            </a:endParaRPr>
-          </a:p>
-          <a:p>
-            <a:r>
-              <a:rPr lang="en-US" dirty="0" smtClean="0">
+          </a:p>
+          <a:p>
+            <a:r>
+              <a:rPr lang="en-US" sz="1600" dirty="0" smtClean="0">
                 <a:solidFill>
                   <a:srgbClr val="000000"/>
                 </a:solidFill>
@@ -7205,15 +7133,31 @@
               <a:t>    "</a:t>
             </a:r>
             <a:r>
-              <a:rPr lang="en-US" dirty="0">
-                <a:solidFill>
-                  <a:srgbClr val="000000"/>
-                </a:solidFill>
-              </a:rPr>
-              <a:t>id":"rx_bps:ion.internet2.edu+interface+rtr.wash.ion.internet2.edu:xe-0/2/2"</a:t>
-            </a:r>
-            <a:r>
-              <a:rPr lang="en-US" dirty="0" smtClean="0">
+              <a:rPr lang="en-US" sz="1600" dirty="0">
+                <a:solidFill>
+                  <a:srgbClr val="000000"/>
+                </a:solidFill>
+              </a:rPr>
+              <a:t>id":"</a:t>
+            </a:r>
+            <a:r>
+              <a:rPr lang="en-US" sz="1600" dirty="0" smtClean="0">
+                <a:solidFill>
+                  <a:srgbClr val="000000"/>
+                </a:solidFill>
+              </a:rPr>
+              <a:t>rx_bps:rtr.wash.ion.internet2</a:t>
+            </a:r>
+            <a:r>
+              <a:rPr lang="en-US" sz="1600" dirty="0">
+                <a:solidFill>
+                  <a:srgbClr val="000000"/>
+                </a:solidFill>
+              </a:rPr>
+              <a:t>.edu:xe-0/2/2"</a:t>
+            </a:r>
+            <a:r>
+              <a:rPr lang="en-US" sz="1600" dirty="0" smtClean="0">
                 <a:solidFill>
                   <a:srgbClr val="000000"/>
                 </a:solidFill>
@@ -7223,7 +7167,7 @@
           </a:p>
           <a:p>
             <a:r>
-              <a:rPr lang="en-US" dirty="0" smtClean="0">
+              <a:rPr lang="en-US" sz="1600" dirty="0" smtClean="0">
                 <a:solidFill>
                   <a:srgbClr val="000000"/>
                 </a:solidFill>
@@ -7231,7 +7175,7 @@
               <a:t>    "</a:t>
             </a:r>
             <a:r>
-              <a:rPr lang="en-US" dirty="0" err="1">
+              <a:rPr lang="en-US" sz="1600" dirty="0" err="1">
                 <a:solidFill>
                   <a:srgbClr val="000000"/>
                 </a:solidFill>
@@ -7239,7 +7183,7 @@
               <a:t>description":"bits</a:t>
             </a:r>
             <a:r>
-              <a:rPr lang="en-US" dirty="0">
+              <a:rPr lang="en-US" sz="1600" dirty="0">
                 <a:solidFill>
                   <a:srgbClr val="000000"/>
                 </a:solidFill>
@@ -7249,7 +7193,7 @@
           </a:p>
           <a:p>
             <a:r>
-              <a:rPr lang="en-US" dirty="0">
+              <a:rPr lang="en-US" sz="1600" dirty="0">
                 <a:solidFill>
                   <a:srgbClr val="000000"/>
                 </a:solidFill>
@@ -7257,7 +7201,7 @@
               <a:t>    "</a:t>
             </a:r>
             <a:r>
-              <a:rPr lang="en-US" dirty="0" err="1">
+              <a:rPr lang="en-US" sz="1600" dirty="0" err="1">
                 <a:solidFill>
                   <a:srgbClr val="000000"/>
                 </a:solidFill>
@@ -7265,7 +7209,7 @@
               <a:t>units":"float</a:t>
             </a:r>
             <a:r>
-              <a:rPr lang="en-US" dirty="0">
+              <a:rPr lang="en-US" sz="1600" dirty="0">
                 <a:solidFill>
                   <a:srgbClr val="000000"/>
                 </a:solidFill>
@@ -7275,7 +7219,7 @@
           </a:p>
           <a:p>
             <a:r>
-              <a:rPr lang="en-US" dirty="0">
+              <a:rPr lang="en-US" sz="1600" dirty="0">
                 <a:solidFill>
                   <a:srgbClr val="000000"/>
                 </a:solidFill>
@@ -7283,7 +7227,7 @@
               <a:t>    "$schema"</a:t>
             </a:r>
             <a:r>
-              <a:rPr lang="en-US" dirty="0" smtClean="0">
+              <a:rPr lang="en-US" sz="1600" dirty="0" smtClean="0">
                 <a:solidFill>
                   <a:srgbClr val="000000"/>
                 </a:solidFill>
@@ -7291,98 +7235,76 @@
               <a:t>: </a:t>
             </a:r>
             <a:r>
-              <a:rPr lang="en-US" dirty="0" smtClean="0">
+              <a:rPr lang="en-US" sz="1600" dirty="0" smtClean="0">
                 <a:solidFill>
                   <a:srgbClr val="000000"/>
                 </a:solidFill>
                 <a:hlinkClick r:id="rId3"/>
               </a:rPr>
-              <a:t>“http</a:t>
-            </a:r>
-            <a:r>
-              <a:rPr lang="en-US" dirty="0" smtClean="0">
+              <a:t>“http:</a:t>
+            </a:r>
+            <a:r>
+              <a:rPr lang="en-US" sz="1600" dirty="0">
                 <a:solidFill>
                   <a:srgbClr val="000000"/>
                 </a:solidFill>
                 <a:hlinkClick r:id="rId3"/>
               </a:rPr>
-              <a:t>:</a:t>
-            </a:r>
-            <a:r>
-              <a:rPr lang="en-US" dirty="0">
+              <a:t>//www.gpolab.bbn.com/monitoring/schema/20140828/data</a:t>
+            </a:r>
+            <a:r>
+              <a:rPr lang="en-US" sz="1600" dirty="0" smtClean="0">
                 <a:solidFill>
                   <a:srgbClr val="000000"/>
                 </a:solidFill>
                 <a:hlinkClick r:id="rId3"/>
               </a:rPr>
-              <a:t>//www.gpolab.bbn.com/monitoring/schema/20140828/data</a:t>
-            </a:r>
-            <a:r>
-              <a:rPr lang="en-US" dirty="0" smtClean="0">
-                <a:solidFill>
-                  <a:srgbClr val="000000"/>
-                </a:solidFill>
-                <a:hlinkClick r:id="rId3"/>
-              </a:rPr>
               <a:t>#</a:t>
             </a:r>
             <a:r>
-              <a:rPr lang="en-US" dirty="0" smtClean="0">
+              <a:rPr lang="en-US" sz="1600" dirty="0" smtClean="0">
                 <a:solidFill>
                   <a:srgbClr val="000000"/>
                 </a:solidFill>
               </a:rPr>
               <a:t>”</a:t>
             </a:r>
-            <a:endParaRPr lang="en-US" dirty="0" smtClean="0">
-              <a:solidFill>
-                <a:srgbClr val="000000"/>
-              </a:solidFill>
-            </a:endParaRPr>
-          </a:p>
-          <a:p>
-            <a:r>
-              <a:rPr lang="en-US" dirty="0" smtClean="0">
-                <a:solidFill>
-                  <a:srgbClr val="000000"/>
-                </a:solidFill>
-              </a:rPr>
-              <a:t>  }</a:t>
-            </a:r>
-            <a:r>
-              <a:rPr lang="en-US" dirty="0" smtClean="0">
-                <a:solidFill>
-                  <a:srgbClr val="000000"/>
-                </a:solidFill>
-              </a:rPr>
-              <a:t>,</a:t>
-            </a:r>
-          </a:p>
-          <a:p>
-            <a:r>
-              <a:rPr lang="en-US" dirty="0"/>
+          </a:p>
+          <a:p>
+            <a:r>
+              <a:rPr lang="en-US" sz="1600" dirty="0" smtClean="0">
+                <a:solidFill>
+                  <a:srgbClr val="000000"/>
+                </a:solidFill>
+              </a:rPr>
+              <a:t>  },</a:t>
+            </a:r>
+          </a:p>
+          <a:p>
+            <a:r>
+              <a:rPr lang="en-US" sz="1600" dirty="0"/>
               <a:t> </a:t>
             </a:r>
             <a:r>
-              <a:rPr lang="en-US" dirty="0" smtClean="0"/>
+              <a:rPr lang="en-US" sz="1600" dirty="0" smtClean="0"/>
               <a:t> {“</a:t>
             </a:r>
             <a:r>
-              <a:rPr lang="en-US" dirty="0" err="1" smtClean="0"/>
+              <a:rPr lang="en-US" sz="1600" dirty="0" err="1" smtClean="0"/>
               <a:t>tsdata</a:t>
             </a:r>
             <a:r>
-              <a:rPr lang="en-US" dirty="0" smtClean="0"/>
+              <a:rPr lang="en-US" sz="1600" dirty="0" smtClean="0"/>
               <a:t>”:[….] }</a:t>
             </a:r>
-            <a:endParaRPr lang="en-US" dirty="0"/>
-          </a:p>
-          <a:p>
-            <a:r>
-              <a:rPr lang="en-US" dirty="0" smtClean="0"/>
+            <a:endParaRPr lang="en-US" sz="1600" dirty="0"/>
+          </a:p>
+          <a:p>
+            <a:r>
+              <a:rPr lang="en-US" sz="1600" dirty="0" smtClean="0"/>
               <a:t>]</a:t>
             </a:r>
-            <a:endParaRPr lang="en-US" dirty="0"/>
+            <a:endParaRPr lang="en-US" sz="1600" dirty="0"/>
           </a:p>
         </p:txBody>
       </p:sp>
@@ -7463,11 +7385,7 @@
           <a:p>
             <a:r>
               <a:rPr lang="en-US" dirty="0" smtClean="0"/>
-              <a:t>JSON data response: top-leve</a:t>
-            </a:r>
-            <a:r>
-              <a:rPr lang="en-US" dirty="0" smtClean="0"/>
-              <a:t>l list</a:t>
+              <a:t>JSON data response: top-level list</a:t>
             </a:r>
             <a:endParaRPr lang="en-US" dirty="0"/>
           </a:p>
@@ -7482,7 +7400,7 @@
         <p:spPr>
           <a:xfrm>
             <a:off x="445218" y="1219200"/>
-            <a:ext cx="6779282" cy="3231654"/>
+            <a:ext cx="7514497" cy="3262432"/>
           </a:xfrm>
           <a:prstGeom prst="rect">
             <a:avLst/>
@@ -7552,15 +7470,7 @@
                   <a:srgbClr val="000000"/>
                 </a:solidFill>
               </a:rPr>
-              <a:t> </a:t>
-            </a:r>
-            <a:r>
-              <a:rPr lang="en-US" sz="1400" dirty="0" smtClean="0">
-                <a:solidFill>
-                  <a:srgbClr val="000000"/>
-                </a:solidFill>
-              </a:rPr>
-              <a:t>{</a:t>
+              <a:t> {</a:t>
             </a:r>
             <a:r>
               <a:rPr lang="en-US" sz="1400" dirty="0">
@@ -7743,7 +7653,7 @@
                 </a:solidFill>
                 <a:hlinkClick r:id="rId2"/>
               </a:rPr>
-              <a:t>/ion.internet2</a:t>
+              <a:t>/</a:t>
             </a:r>
             <a:r>
               <a:rPr lang="en-US" sz="1400" dirty="0">
@@ -7752,6 +7662,24 @@
                 </a:solidFill>
                 <a:hlinkClick r:id="rId2"/>
               </a:rPr>
+              <a:t>rtr.wash.</a:t>
+            </a:r>
+            <a:r>
+              <a:rPr lang="en-US" sz="1400" dirty="0" smtClean="0">
+                <a:solidFill>
+                  <a:srgbClr val="000000"/>
+                </a:solidFill>
+                <a:hlinkClick r:id="rId2"/>
+              </a:rPr>
+              <a:t>ion.internet2</a:t>
+            </a:r>
+            <a:r>
+              <a:rPr lang="en-US" sz="1400" dirty="0">
+                <a:solidFill>
+                  <a:srgbClr val="000000"/>
+                </a:solidFill>
+                <a:hlinkClick r:id="rId2"/>
+              </a:rPr>
               <a:t>.edu/xe-0/2/</a:t>
             </a:r>
             <a:r>
@@ -7771,11 +7699,6 @@
               </a:rPr>
               <a:t>”</a:t>
             </a:r>
-            <a:endParaRPr lang="en-US" sz="1400" dirty="0" smtClean="0">
-              <a:solidFill>
-                <a:srgbClr val="000000"/>
-              </a:solidFill>
-            </a:endParaRPr>
           </a:p>
           <a:p>
             <a:r>
@@ -7792,7 +7715,23 @@
                   <a:srgbClr val="000000"/>
                 </a:solidFill>
               </a:rPr>
-              <a:t>id":"rx_bps:ion.internet2.edu+interface+rtr.wash.ion.internet2.edu:xe-0/2/2"</a:t>
+              <a:t>id":"</a:t>
+            </a:r>
+            <a:r>
+              <a:rPr lang="en-US" sz="1400" dirty="0" smtClean="0">
+                <a:solidFill>
+                  <a:srgbClr val="000000"/>
+                </a:solidFill>
+              </a:rPr>
+              <a:t>rx_bps:rtr.wash.ion.internet2</a:t>
+            </a:r>
+            <a:r>
+              <a:rPr lang="en-US" sz="1400" dirty="0">
+                <a:solidFill>
+                  <a:srgbClr val="000000"/>
+                </a:solidFill>
+              </a:rPr>
+              <a:t>.edu:xe-0/2/2"</a:t>
             </a:r>
             <a:r>
               <a:rPr lang="en-US" sz="1400" dirty="0" smtClean="0">
@@ -7879,33 +7818,24 @@
                 </a:solidFill>
                 <a:hlinkClick r:id="rId3"/>
               </a:rPr>
-              <a:t>“http</a:t>
-            </a:r>
-            <a:r>
-              <a:rPr lang="en-US" sz="1400" dirty="0" smtClean="0">
+              <a:t>“http:</a:t>
+            </a:r>
+            <a:r>
+              <a:rPr lang="en-US" sz="1400" dirty="0">
                 <a:solidFill>
                   <a:srgbClr val="000000"/>
                 </a:solidFill>
                 <a:hlinkClick r:id="rId3"/>
               </a:rPr>
-              <a:t>:</a:t>
-            </a:r>
-            <a:r>
-              <a:rPr lang="en-US" sz="1400" dirty="0">
+              <a:t>//www.gpolab.bbn.com/monitoring/schema/20140828/data</a:t>
+            </a:r>
+            <a:r>
+              <a:rPr lang="en-US" sz="1400" dirty="0" smtClean="0">
                 <a:solidFill>
                   <a:srgbClr val="000000"/>
                 </a:solidFill>
                 <a:hlinkClick r:id="rId3"/>
               </a:rPr>
-              <a:t>//www.gpolab.bbn.com/monitoring/schema/20140828/data</a:t>
-            </a:r>
-            <a:r>
-              <a:rPr lang="en-US" sz="1400" dirty="0" smtClean="0">
-                <a:solidFill>
-                  <a:srgbClr val="000000"/>
-                </a:solidFill>
-                <a:hlinkClick r:id="rId3"/>
-              </a:rPr>
               <a:t>#</a:t>
             </a:r>
             <a:r>
@@ -7916,28 +7846,15 @@
               </a:rPr>
               <a:t>”</a:t>
             </a:r>
-            <a:endParaRPr lang="en-US" sz="1400" dirty="0" smtClean="0">
-              <a:solidFill>
-                <a:srgbClr val="000000"/>
-              </a:solidFill>
-            </a:endParaRPr>
-          </a:p>
-          <a:p>
-            <a:r>
-              <a:rPr lang="en-US" sz="1400" dirty="0" smtClean="0">
-                <a:solidFill>
-                  <a:srgbClr val="000000"/>
-                </a:solidFill>
-              </a:rPr>
-              <a:t>  }</a:t>
-            </a:r>
-            <a:r>
-              <a:rPr lang="en-US" sz="1400" dirty="0" smtClean="0">
-                <a:solidFill>
-                  <a:srgbClr val="000000"/>
-                </a:solidFill>
-              </a:rPr>
-              <a:t>,</a:t>
+          </a:p>
+          <a:p>
+            <a:r>
+              <a:rPr lang="en-US" sz="1400" dirty="0" smtClean="0">
+                <a:solidFill>
+                  <a:srgbClr val="000000"/>
+                </a:solidFill>
+              </a:rPr>
+              <a:t>  },</a:t>
             </a:r>
           </a:p>
           <a:p>
@@ -8045,11 +7962,7 @@
           <a:p>
             <a:r>
               <a:rPr lang="en-US" dirty="0" smtClean="0"/>
-              <a:t>JSON data response: top-leve</a:t>
-            </a:r>
-            <a:r>
-              <a:rPr lang="en-US" dirty="0" smtClean="0"/>
-              <a:t>l list FIX</a:t>
+              <a:t>JSON data response: top-level list FIX</a:t>
             </a:r>
             <a:endParaRPr lang="en-US" dirty="0"/>
           </a:p>
@@ -8064,7 +7977,7 @@
         <p:spPr>
           <a:xfrm>
             <a:off x="445218" y="1219200"/>
-            <a:ext cx="6838906" cy="3939540"/>
+            <a:ext cx="7614259" cy="3970318"/>
           </a:xfrm>
           <a:prstGeom prst="rect">
             <a:avLst/>
@@ -8183,7 +8096,6 @@
               <a:rPr lang="en-US" sz="1400" dirty="0" smtClean="0"/>
               <a:t>”: [</a:t>
             </a:r>
-            <a:endParaRPr lang="en-US" sz="1400" dirty="0" smtClean="0"/>
           </a:p>
           <a:p>
             <a:r>
@@ -8200,15 +8112,7 @@
                   <a:srgbClr val="000000"/>
                 </a:solidFill>
               </a:rPr>
-              <a:t>   </a:t>
-            </a:r>
-            <a:r>
-              <a:rPr lang="en-US" sz="1400" dirty="0" smtClean="0">
-                <a:solidFill>
-                  <a:srgbClr val="000000"/>
-                </a:solidFill>
-              </a:rPr>
-              <a:t>{</a:t>
+              <a:t>   {</a:t>
             </a:r>
           </a:p>
           <a:p>
@@ -8226,15 +8130,7 @@
                   <a:srgbClr val="000000"/>
                 </a:solidFill>
               </a:rPr>
-              <a:t>     </a:t>
-            </a:r>
-            <a:r>
-              <a:rPr lang="en-US" sz="1400" dirty="0" smtClean="0">
-                <a:solidFill>
-                  <a:srgbClr val="000000"/>
-                </a:solidFill>
-              </a:rPr>
-              <a:t>"</a:t>
+              <a:t>     "</a:t>
             </a:r>
             <a:r>
               <a:rPr lang="en-US" sz="1400" dirty="0" err="1">
@@ -8433,7 +8329,7 @@
                 </a:solidFill>
                 <a:hlinkClick r:id="rId3"/>
               </a:rPr>
-              <a:t>/ion.internet2</a:t>
+              <a:t>/</a:t>
             </a:r>
             <a:r>
               <a:rPr lang="en-US" sz="1400" dirty="0">
@@ -8442,6 +8338,24 @@
                 </a:solidFill>
                 <a:hlinkClick r:id="rId3"/>
               </a:rPr>
+              <a:t>rtr.wash.</a:t>
+            </a:r>
+            <a:r>
+              <a:rPr lang="en-US" sz="1400" dirty="0" smtClean="0">
+                <a:solidFill>
+                  <a:srgbClr val="000000"/>
+                </a:solidFill>
+                <a:hlinkClick r:id="rId3"/>
+              </a:rPr>
+              <a:t>ion.internet2</a:t>
+            </a:r>
+            <a:r>
+              <a:rPr lang="en-US" sz="1400" dirty="0">
+                <a:solidFill>
+                  <a:srgbClr val="000000"/>
+                </a:solidFill>
+                <a:hlinkClick r:id="rId3"/>
+              </a:rPr>
               <a:t>.edu/xe-0/2/</a:t>
             </a:r>
             <a:r>
@@ -8461,11 +8375,6 @@
               </a:rPr>
               <a:t>”</a:t>
             </a:r>
-            <a:endParaRPr lang="en-US" sz="1400" dirty="0" smtClean="0">
-              <a:solidFill>
-                <a:srgbClr val="000000"/>
-              </a:solidFill>
-            </a:endParaRPr>
           </a:p>
           <a:p>
             <a:r>
@@ -8482,7 +8391,23 @@
                   <a:srgbClr val="000000"/>
                 </a:solidFill>
               </a:rPr>
-              <a:t>id":"rx_bps:ion.internet2.edu+interface+rtr.wash.ion.internet2.edu:xe-0/2/2"</a:t>
+              <a:t>id":"</a:t>
+            </a:r>
+            <a:r>
+              <a:rPr lang="en-US" sz="1400" dirty="0" smtClean="0">
+                <a:solidFill>
+                  <a:srgbClr val="000000"/>
+                </a:solidFill>
+              </a:rPr>
+              <a:t>rx_bps:rtr.wash.ion.internet2</a:t>
+            </a:r>
+            <a:r>
+              <a:rPr lang="en-US" sz="1400" dirty="0">
+                <a:solidFill>
+                  <a:srgbClr val="000000"/>
+                </a:solidFill>
+              </a:rPr>
+              <a:t>.edu:xe-0/2/2"</a:t>
             </a:r>
             <a:r>
               <a:rPr lang="en-US" sz="1400" dirty="0" smtClean="0">
@@ -8576,23 +8501,7 @@
                   <a:srgbClr val="000000"/>
                 </a:solidFill>
               </a:rPr>
-              <a:t>   </a:t>
-            </a:r>
-            <a:r>
-              <a:rPr lang="en-US" sz="1400" dirty="0" smtClean="0">
-                <a:solidFill>
-                  <a:srgbClr val="000000"/>
-                </a:solidFill>
-              </a:rPr>
-              <a:t>}</a:t>
-            </a:r>
-            <a:r>
-              <a:rPr lang="en-US" sz="1400" dirty="0" smtClean="0">
-                <a:solidFill>
-                  <a:srgbClr val="000000"/>
-                </a:solidFill>
-              </a:rPr>
-              <a:t>,</a:t>
+              <a:t>   },</a:t>
             </a:r>
           </a:p>
           <a:p>
@@ -8602,11 +8511,7 @@
             </a:r>
             <a:r>
               <a:rPr lang="en-US" sz="1400" dirty="0" smtClean="0"/>
-              <a:t>   </a:t>
-            </a:r>
-            <a:r>
-              <a:rPr lang="en-US" sz="1400" dirty="0" smtClean="0"/>
-              <a:t>{“</a:t>
+              <a:t>   {“</a:t>
             </a:r>
             <a:r>
               <a:rPr lang="en-US" sz="1400" dirty="0" err="1" smtClean="0"/>
@@ -8751,7 +8656,7 @@
         <p:spPr>
           <a:xfrm>
             <a:off x="445218" y="1219200"/>
-            <a:ext cx="6739144" cy="3108544"/>
+            <a:ext cx="7514497" cy="3139321"/>
           </a:xfrm>
           <a:prstGeom prst="rect">
             <a:avLst/>
@@ -8780,15 +8685,7 @@
                   <a:srgbClr val="000000"/>
                 </a:solidFill>
               </a:rPr>
-              <a:t> </a:t>
-            </a:r>
-            <a:r>
-              <a:rPr lang="en-US" sz="1400" dirty="0" smtClean="0">
-                <a:solidFill>
-                  <a:srgbClr val="000000"/>
-                </a:solidFill>
-              </a:rPr>
-              <a:t>{</a:t>
+              <a:t> {</a:t>
             </a:r>
             <a:r>
               <a:rPr lang="en-US" sz="1400" dirty="0">
@@ -9019,7 +8916,7 @@
                 </a:solidFill>
                 <a:hlinkClick r:id="rId2"/>
               </a:rPr>
-              <a:t>/ion.internet2</a:t>
+              <a:t>/</a:t>
             </a:r>
             <a:r>
               <a:rPr lang="en-US" sz="1400" dirty="0">
@@ -9028,6 +8925,24 @@
                 </a:solidFill>
                 <a:hlinkClick r:id="rId2"/>
               </a:rPr>
+              <a:t>rtr.wash.</a:t>
+            </a:r>
+            <a:r>
+              <a:rPr lang="en-US" sz="1400" dirty="0" smtClean="0">
+                <a:solidFill>
+                  <a:srgbClr val="000000"/>
+                </a:solidFill>
+                <a:hlinkClick r:id="rId2"/>
+              </a:rPr>
+              <a:t>ion.internet2</a:t>
+            </a:r>
+            <a:r>
+              <a:rPr lang="en-US" sz="1400" dirty="0">
+                <a:solidFill>
+                  <a:srgbClr val="000000"/>
+                </a:solidFill>
+                <a:hlinkClick r:id="rId2"/>
+              </a:rPr>
               <a:t>.edu/xe-0/2/</a:t>
             </a:r>
             <a:r>
@@ -9047,11 +8962,6 @@
               </a:rPr>
               <a:t>”</a:t>
             </a:r>
-            <a:endParaRPr lang="en-US" sz="1400" dirty="0" smtClean="0">
-              <a:solidFill>
-                <a:srgbClr val="000000"/>
-              </a:solidFill>
-            </a:endParaRPr>
           </a:p>
           <a:p>
             <a:r>
@@ -9068,7 +8978,23 @@
                   <a:srgbClr val="000000"/>
                 </a:solidFill>
               </a:rPr>
-              <a:t>id":"rx_bps:ion.internet2.edu+interface+rtr.wash.ion.internet2.edu:xe-0/2/2"</a:t>
+              <a:t>id":"</a:t>
+            </a:r>
+            <a:r>
+              <a:rPr lang="en-US" sz="1400" dirty="0" smtClean="0">
+                <a:solidFill>
+                  <a:srgbClr val="000000"/>
+                </a:solidFill>
+              </a:rPr>
+              <a:t>rx_bps:rtr.wash.ion.internet2</a:t>
+            </a:r>
+            <a:r>
+              <a:rPr lang="en-US" sz="1400" dirty="0">
+                <a:solidFill>
+                  <a:srgbClr val="000000"/>
+                </a:solidFill>
+              </a:rPr>
+              <a:t>.edu:xe-0/2/2"</a:t>
             </a:r>
             <a:r>
               <a:rPr lang="en-US" sz="1400" dirty="0" smtClean="0">
@@ -9155,33 +9081,24 @@
                 </a:solidFill>
                 <a:hlinkClick r:id="rId3"/>
               </a:rPr>
-              <a:t>“http</a:t>
-            </a:r>
-            <a:r>
-              <a:rPr lang="en-US" sz="1400" dirty="0" smtClean="0">
+              <a:t>“http:</a:t>
+            </a:r>
+            <a:r>
+              <a:rPr lang="en-US" sz="1400" dirty="0">
                 <a:solidFill>
                   <a:srgbClr val="000000"/>
                 </a:solidFill>
                 <a:hlinkClick r:id="rId3"/>
               </a:rPr>
-              <a:t>:</a:t>
-            </a:r>
-            <a:r>
-              <a:rPr lang="en-US" sz="1400" dirty="0">
+              <a:t>//www.gpolab.bbn.com/monitoring/schema/20140828/data</a:t>
+            </a:r>
+            <a:r>
+              <a:rPr lang="en-US" sz="1400" dirty="0" smtClean="0">
                 <a:solidFill>
                   <a:srgbClr val="000000"/>
                 </a:solidFill>
                 <a:hlinkClick r:id="rId3"/>
               </a:rPr>
-              <a:t>//www.gpolab.bbn.com/monitoring/schema/20140828/data</a:t>
-            </a:r>
-            <a:r>
-              <a:rPr lang="en-US" sz="1400" dirty="0" smtClean="0">
-                <a:solidFill>
-                  <a:srgbClr val="000000"/>
-                </a:solidFill>
-                <a:hlinkClick r:id="rId3"/>
-              </a:rPr>
               <a:t>#</a:t>
             </a:r>
             <a:r>
@@ -9192,28 +9109,15 @@
               </a:rPr>
               <a:t>”</a:t>
             </a:r>
-            <a:endParaRPr lang="en-US" sz="1400" dirty="0" smtClean="0">
-              <a:solidFill>
-                <a:srgbClr val="000000"/>
-              </a:solidFill>
-            </a:endParaRPr>
-          </a:p>
-          <a:p>
-            <a:r>
-              <a:rPr lang="en-US" sz="1400" dirty="0" smtClean="0">
-                <a:solidFill>
-                  <a:srgbClr val="000000"/>
-                </a:solidFill>
-              </a:rPr>
-              <a:t>  }</a:t>
-            </a:r>
-            <a:r>
-              <a:rPr lang="en-US" sz="1400" dirty="0" smtClean="0">
-                <a:solidFill>
-                  <a:srgbClr val="000000"/>
-                </a:solidFill>
-              </a:rPr>
-              <a:t>,</a:t>
+          </a:p>
+          <a:p>
+            <a:r>
+              <a:rPr lang="en-US" sz="1400" dirty="0" smtClean="0">
+                <a:solidFill>
+                  <a:srgbClr val="000000"/>
+                </a:solidFill>
+              </a:rPr>
+              <a:t>  },</a:t>
             </a:r>
           </a:p>
           <a:p>
@@ -9400,7 +9304,7 @@
         <p:spPr>
           <a:xfrm>
             <a:off x="445218" y="1219200"/>
-            <a:ext cx="6739144" cy="3108544"/>
+            <a:ext cx="7514497" cy="3139321"/>
           </a:xfrm>
           <a:prstGeom prst="rect">
             <a:avLst/>
@@ -9429,15 +9333,7 @@
                   <a:srgbClr val="000000"/>
                 </a:solidFill>
               </a:rPr>
-              <a:t> </a:t>
-            </a:r>
-            <a:r>
-              <a:rPr lang="en-US" sz="1400" dirty="0" smtClean="0">
-                <a:solidFill>
-                  <a:srgbClr val="000000"/>
-                </a:solidFill>
-              </a:rPr>
-              <a:t>{</a:t>
+              <a:t> {</a:t>
             </a:r>
             <a:r>
               <a:rPr lang="en-US" sz="1400" dirty="0">
@@ -9624,7 +9520,7 @@
                 </a:solidFill>
                 <a:hlinkClick r:id="rId2"/>
               </a:rPr>
-              <a:t>/ion.internet2</a:t>
+              <a:t>/</a:t>
             </a:r>
             <a:r>
               <a:rPr lang="en-US" sz="1400" dirty="0">
@@ -9633,6 +9529,24 @@
                 </a:solidFill>
                 <a:hlinkClick r:id="rId2"/>
               </a:rPr>
+              <a:t>rtr.wash.</a:t>
+            </a:r>
+            <a:r>
+              <a:rPr lang="en-US" sz="1400" dirty="0" smtClean="0">
+                <a:solidFill>
+                  <a:srgbClr val="000000"/>
+                </a:solidFill>
+                <a:hlinkClick r:id="rId2"/>
+              </a:rPr>
+              <a:t>ion.internet2</a:t>
+            </a:r>
+            <a:r>
+              <a:rPr lang="en-US" sz="1400" dirty="0">
+                <a:solidFill>
+                  <a:srgbClr val="000000"/>
+                </a:solidFill>
+                <a:hlinkClick r:id="rId2"/>
+              </a:rPr>
               <a:t>.edu/xe-0/2/</a:t>
             </a:r>
             <a:r>
@@ -9652,11 +9566,6 @@
               </a:rPr>
               <a:t>”</a:t>
             </a:r>
-            <a:endParaRPr lang="en-US" sz="1400" dirty="0" smtClean="0">
-              <a:solidFill>
-                <a:srgbClr val="000000"/>
-              </a:solidFill>
-            </a:endParaRPr>
           </a:p>
           <a:p>
             <a:r>
@@ -9673,7 +9582,23 @@
                   <a:srgbClr val="000000"/>
                 </a:solidFill>
               </a:rPr>
-              <a:t>id":"rx_bps:ion.internet2.edu+interface+rtr.wash.ion.internet2.edu:xe-0/2/2"</a:t>
+              <a:t>id":"</a:t>
+            </a:r>
+            <a:r>
+              <a:rPr lang="en-US" sz="1400" dirty="0" smtClean="0">
+                <a:solidFill>
+                  <a:srgbClr val="000000"/>
+                </a:solidFill>
+              </a:rPr>
+              <a:t>rx_bps:rtr.wash.ion.internet2</a:t>
+            </a:r>
+            <a:r>
+              <a:rPr lang="en-US" sz="1400" dirty="0">
+                <a:solidFill>
+                  <a:srgbClr val="000000"/>
+                </a:solidFill>
+              </a:rPr>
+              <a:t>.edu:xe-0/2/2"</a:t>
             </a:r>
             <a:r>
               <a:rPr lang="en-US" sz="1400" dirty="0" smtClean="0">
@@ -9760,33 +9685,24 @@
                 </a:solidFill>
                 <a:hlinkClick r:id="rId3"/>
               </a:rPr>
-              <a:t>“http</a:t>
-            </a:r>
-            <a:r>
-              <a:rPr lang="en-US" sz="1400" dirty="0" smtClean="0">
+              <a:t>“http:</a:t>
+            </a:r>
+            <a:r>
+              <a:rPr lang="en-US" sz="1400" dirty="0">
                 <a:solidFill>
                   <a:srgbClr val="000000"/>
                 </a:solidFill>
                 <a:hlinkClick r:id="rId3"/>
               </a:rPr>
-              <a:t>:</a:t>
-            </a:r>
-            <a:r>
-              <a:rPr lang="en-US" sz="1400" dirty="0">
+              <a:t>//www.gpolab.bbn.com/monitoring/schema/20140828/data</a:t>
+            </a:r>
+            <a:r>
+              <a:rPr lang="en-US" sz="1400" dirty="0" smtClean="0">
                 <a:solidFill>
                   <a:srgbClr val="000000"/>
                 </a:solidFill>
                 <a:hlinkClick r:id="rId3"/>
               </a:rPr>
-              <a:t>//www.gpolab.bbn.com/monitoring/schema/20140828/data</a:t>
-            </a:r>
-            <a:r>
-              <a:rPr lang="en-US" sz="1400" dirty="0" smtClean="0">
-                <a:solidFill>
-                  <a:srgbClr val="000000"/>
-                </a:solidFill>
-                <a:hlinkClick r:id="rId3"/>
-              </a:rPr>
               <a:t>#</a:t>
             </a:r>
             <a:r>
@@ -9797,28 +9713,15 @@
               </a:rPr>
               <a:t>”</a:t>
             </a:r>
-            <a:endParaRPr lang="en-US" sz="1400" dirty="0" smtClean="0">
-              <a:solidFill>
-                <a:srgbClr val="000000"/>
-              </a:solidFill>
-            </a:endParaRPr>
-          </a:p>
-          <a:p>
-            <a:r>
-              <a:rPr lang="en-US" sz="1400" dirty="0" smtClean="0">
-                <a:solidFill>
-                  <a:srgbClr val="000000"/>
-                </a:solidFill>
-              </a:rPr>
-              <a:t>  }</a:t>
-            </a:r>
-            <a:r>
-              <a:rPr lang="en-US" sz="1400" dirty="0" smtClean="0">
-                <a:solidFill>
-                  <a:srgbClr val="000000"/>
-                </a:solidFill>
-              </a:rPr>
-              <a:t>,</a:t>
+          </a:p>
+          <a:p>
+            <a:r>
+              <a:rPr lang="en-US" sz="1400" dirty="0" smtClean="0">
+                <a:solidFill>
+                  <a:srgbClr val="000000"/>
+                </a:solidFill>
+              </a:rPr>
+              <a:t>  },</a:t>
             </a:r>
           </a:p>
           <a:p>
@@ -9991,7 +9894,7 @@
         <p:spPr>
           <a:xfrm>
             <a:off x="445218" y="1219200"/>
-            <a:ext cx="6739144" cy="3108544"/>
+            <a:ext cx="7514497" cy="3139321"/>
           </a:xfrm>
           <a:prstGeom prst="rect">
             <a:avLst/>
@@ -10020,15 +9923,7 @@
                   <a:srgbClr val="000000"/>
                 </a:solidFill>
               </a:rPr>
-              <a:t> </a:t>
-            </a:r>
-            <a:r>
-              <a:rPr lang="en-US" sz="1400" dirty="0" smtClean="0">
-                <a:solidFill>
-                  <a:srgbClr val="000000"/>
-                </a:solidFill>
-              </a:rPr>
-              <a:t>{</a:t>
+              <a:t> {</a:t>
             </a:r>
             <a:r>
               <a:rPr lang="en-US" sz="1400" dirty="0">
@@ -10231,7 +10126,7 @@
                 </a:solidFill>
                 <a:hlinkClick r:id="rId2"/>
               </a:rPr>
-              <a:t>/ion.internet2</a:t>
+              <a:t>/</a:t>
             </a:r>
             <a:r>
               <a:rPr lang="en-US" sz="1400" dirty="0">
@@ -10240,6 +10135,24 @@
                 </a:solidFill>
                 <a:hlinkClick r:id="rId2"/>
               </a:rPr>
+              <a:t>rtr.wash.</a:t>
+            </a:r>
+            <a:r>
+              <a:rPr lang="en-US" sz="1400" dirty="0" smtClean="0">
+                <a:solidFill>
+                  <a:srgbClr val="000000"/>
+                </a:solidFill>
+                <a:hlinkClick r:id="rId2"/>
+              </a:rPr>
+              <a:t>ion.internet2</a:t>
+            </a:r>
+            <a:r>
+              <a:rPr lang="en-US" sz="1400" dirty="0">
+                <a:solidFill>
+                  <a:srgbClr val="000000"/>
+                </a:solidFill>
+                <a:hlinkClick r:id="rId2"/>
+              </a:rPr>
               <a:t>.edu/xe-0/2/</a:t>
             </a:r>
             <a:r>
@@ -10259,11 +10172,6 @@
               </a:rPr>
               <a:t>”</a:t>
             </a:r>
-            <a:endParaRPr lang="en-US" sz="1400" dirty="0" smtClean="0">
-              <a:solidFill>
-                <a:srgbClr val="000000"/>
-              </a:solidFill>
-            </a:endParaRPr>
           </a:p>
           <a:p>
             <a:r>
@@ -10280,7 +10188,23 @@
                   <a:srgbClr val="000000"/>
                 </a:solidFill>
               </a:rPr>
-              <a:t>id":"rx_bps:ion.internet2.edu+interface+rtr.wash.ion.internet2.edu:xe-0/2/2"</a:t>
+              <a:t>id":"</a:t>
+            </a:r>
+            <a:r>
+              <a:rPr lang="en-US" sz="1400" dirty="0" smtClean="0">
+                <a:solidFill>
+                  <a:srgbClr val="000000"/>
+                </a:solidFill>
+              </a:rPr>
+              <a:t>rx_bps:rtr.wash.ion.internet2</a:t>
+            </a:r>
+            <a:r>
+              <a:rPr lang="en-US" sz="1400" dirty="0">
+                <a:solidFill>
+                  <a:srgbClr val="000000"/>
+                </a:solidFill>
+              </a:rPr>
+              <a:t>.edu:xe-0/2/2"</a:t>
             </a:r>
             <a:r>
               <a:rPr lang="en-US" sz="1400" dirty="0" smtClean="0">
@@ -10367,33 +10291,24 @@
                 </a:solidFill>
                 <a:hlinkClick r:id="rId3"/>
               </a:rPr>
-              <a:t>“http</a:t>
-            </a:r>
-            <a:r>
-              <a:rPr lang="en-US" sz="1400" dirty="0" smtClean="0">
+              <a:t>“http:</a:t>
+            </a:r>
+            <a:r>
+              <a:rPr lang="en-US" sz="1400" dirty="0">
                 <a:solidFill>
                   <a:srgbClr val="000000"/>
                 </a:solidFill>
                 <a:hlinkClick r:id="rId3"/>
               </a:rPr>
-              <a:t>:</a:t>
-            </a:r>
-            <a:r>
-              <a:rPr lang="en-US" sz="1400" dirty="0">
+              <a:t>//www.gpolab.bbn.com/monitoring/schema/20140828/data</a:t>
+            </a:r>
+            <a:r>
+              <a:rPr lang="en-US" sz="1400" dirty="0" smtClean="0">
                 <a:solidFill>
                   <a:srgbClr val="000000"/>
                 </a:solidFill>
                 <a:hlinkClick r:id="rId3"/>
               </a:rPr>
-              <a:t>//www.gpolab.bbn.com/monitoring/schema/20140828/data</a:t>
-            </a:r>
-            <a:r>
-              <a:rPr lang="en-US" sz="1400" dirty="0" smtClean="0">
-                <a:solidFill>
-                  <a:srgbClr val="000000"/>
-                </a:solidFill>
-                <a:hlinkClick r:id="rId3"/>
-              </a:rPr>
               <a:t>#</a:t>
             </a:r>
             <a:r>
@@ -10404,28 +10319,15 @@
               </a:rPr>
               <a:t>”</a:t>
             </a:r>
-            <a:endParaRPr lang="en-US" sz="1400" dirty="0" smtClean="0">
-              <a:solidFill>
-                <a:srgbClr val="000000"/>
-              </a:solidFill>
-            </a:endParaRPr>
-          </a:p>
-          <a:p>
-            <a:r>
-              <a:rPr lang="en-US" sz="1400" dirty="0" smtClean="0">
-                <a:solidFill>
-                  <a:srgbClr val="000000"/>
-                </a:solidFill>
-              </a:rPr>
-              <a:t>  }</a:t>
-            </a:r>
-            <a:r>
-              <a:rPr lang="en-US" sz="1400" dirty="0" smtClean="0">
-                <a:solidFill>
-                  <a:srgbClr val="000000"/>
-                </a:solidFill>
-              </a:rPr>
-              <a:t>,</a:t>
+          </a:p>
+          <a:p>
+            <a:r>
+              <a:rPr lang="en-US" sz="1400" dirty="0" smtClean="0">
+                <a:solidFill>
+                  <a:srgbClr val="000000"/>
+                </a:solidFill>
+              </a:rPr>
+              <a:t>  },</a:t>
             </a:r>
           </a:p>
           <a:p>

--- a/doc/slides/GEC21/monitoring-meeting-gec21.pptx
+++ b/doc/slides/GEC21/monitoring-meeting-gec21.pptx
@@ -13,19 +13,19 @@
   <p:sldIdLst>
     <p:sldId id="256" r:id="rId2"/>
     <p:sldId id="277" r:id="rId3"/>
-    <p:sldId id="272" r:id="rId4"/>
-    <p:sldId id="281" r:id="rId5"/>
-    <p:sldId id="279" r:id="rId6"/>
-    <p:sldId id="280" r:id="rId7"/>
-    <p:sldId id="278" r:id="rId8"/>
-    <p:sldId id="282" r:id="rId9"/>
-    <p:sldId id="283" r:id="rId10"/>
-    <p:sldId id="284" r:id="rId11"/>
-    <p:sldId id="285" r:id="rId12"/>
-    <p:sldId id="276" r:id="rId13"/>
-    <p:sldId id="274" r:id="rId14"/>
-    <p:sldId id="273" r:id="rId15"/>
-    <p:sldId id="286" r:id="rId16"/>
+    <p:sldId id="286" r:id="rId4"/>
+    <p:sldId id="272" r:id="rId5"/>
+    <p:sldId id="281" r:id="rId6"/>
+    <p:sldId id="279" r:id="rId7"/>
+    <p:sldId id="280" r:id="rId8"/>
+    <p:sldId id="278" r:id="rId9"/>
+    <p:sldId id="282" r:id="rId10"/>
+    <p:sldId id="283" r:id="rId11"/>
+    <p:sldId id="284" r:id="rId12"/>
+    <p:sldId id="285" r:id="rId13"/>
+    <p:sldId id="276" r:id="rId14"/>
+    <p:sldId id="274" r:id="rId15"/>
+    <p:sldId id="273" r:id="rId16"/>
   </p:sldIdLst>
   <p:sldSz cx="9144000" cy="6858000" type="screen4x3"/>
   <p:notesSz cx="6997700" cy="9271000"/>
@@ -3915,7 +3915,7 @@
           <a:p>
             <a:r>
               <a:rPr lang="en-US" sz="2800" dirty="0" smtClean="0"/>
-              <a:t>JSON data response: id field</a:t>
+              <a:t>JSON data response: subject field</a:t>
             </a:r>
             <a:endParaRPr lang="en-US" sz="2800" dirty="0"/>
           </a:p>
@@ -4090,16 +4090,20 @@
               <a:t>    "</a:t>
             </a:r>
             <a:r>
-              <a:rPr lang="en-US" sz="1400" dirty="0"/>
-              <a:t>subje</a:t>
-            </a:r>
-            <a:r>
-              <a:rPr lang="en-US" sz="1400" dirty="0">
-                <a:solidFill>
-                  <a:srgbClr val="000000"/>
-                </a:solidFill>
-              </a:rPr>
-              <a:t>ct"</a:t>
+              <a:rPr lang="en-US" sz="1400" dirty="0">
+                <a:solidFill>
+                  <a:srgbClr val="FF0000"/>
+                </a:solidFill>
+              </a:rPr>
+              <a:t>subject</a:t>
+            </a:r>
+            <a:r>
+              <a:rPr lang="en-US" sz="1400" dirty="0">
+                <a:solidFill>
+                  <a:srgbClr val="000000"/>
+                </a:solidFill>
+              </a:rPr>
+              <a:t>"</a:t>
             </a:r>
             <a:r>
               <a:rPr lang="en-US" sz="1400" dirty="0" smtClean="0">
@@ -4225,18 +4229,10 @@
             <a:r>
               <a:rPr lang="en-US" sz="1400" dirty="0" smtClean="0">
                 <a:solidFill>
-                  <a:srgbClr val="FF0000"/>
-                </a:solidFill>
-              </a:rPr>
-              <a:t>rx_bps:</a:t>
-            </a:r>
-            <a:r>
-              <a:rPr lang="en-US" sz="1400" dirty="0" smtClean="0">
-                <a:solidFill>
-                  <a:srgbClr val="000000"/>
-                </a:solidFill>
-              </a:rPr>
-              <a:t>rtr.wash.ion.internet2</a:t>
+                  <a:srgbClr val="000000"/>
+                </a:solidFill>
+              </a:rPr>
+              <a:t>rx_bps:rtr.wash.ion.internet2</a:t>
             </a:r>
             <a:r>
               <a:rPr lang="en-US" sz="1400" dirty="0">
@@ -4426,52 +4422,25 @@
             </a:pPr>
             <a:r>
               <a:rPr lang="en-US" dirty="0" smtClean="0"/>
-              <a:t>The id field does not need to start with the event (</a:t>
+              <a:t>Our schema convention is to use the _</a:t>
             </a:r>
             <a:r>
               <a:rPr lang="en-US" dirty="0" err="1" smtClean="0"/>
-              <a:t>rx_bps</a:t>
+              <a:t>href</a:t>
             </a:r>
             <a:r>
               <a:rPr lang="en-US" dirty="0" smtClean="0"/>
-              <a:t> here)</a:t>
-            </a:r>
-          </a:p>
-          <a:p>
-            <a:pPr marL="742950" lvl="1" indent="-285750">
+              <a:t> suffix for fields that contain URLs, so add that here</a:t>
+            </a:r>
+          </a:p>
+          <a:p>
+            <a:pPr marL="285750" indent="-285750">
               <a:buFont typeface="Arial"/>
               <a:buChar char="•"/>
             </a:pPr>
             <a:r>
               <a:rPr lang="en-US" dirty="0" smtClean="0"/>
-              <a:t>The event is already available as </a:t>
-            </a:r>
-            <a:r>
-              <a:rPr lang="en-US" dirty="0" err="1" smtClean="0"/>
-              <a:t>eventType</a:t>
-            </a:r>
-            <a:endParaRPr lang="en-US" dirty="0" smtClean="0"/>
-          </a:p>
-          <a:p>
-            <a:pPr marL="742950" lvl="1" indent="-285750">
-              <a:buFont typeface="Arial"/>
-              <a:buChar char="•"/>
-            </a:pPr>
-            <a:r>
-              <a:rPr lang="en-US" dirty="0"/>
-              <a:t>i</a:t>
-            </a:r>
-            <a:r>
-              <a:rPr lang="en-US" dirty="0" smtClean="0"/>
-              <a:t>d no longer directly references the</a:t>
-            </a:r>
-            <a:r>
-              <a:rPr lang="en-US" dirty="0"/>
-              <a:t> </a:t>
-            </a:r>
-            <a:r>
-              <a:rPr lang="en-US" dirty="0" smtClean="0"/>
-              <a:t>relevant object; this is confusing</a:t>
+              <a:t>Diverges from UNIS schema, but we have been moving away from UNIS</a:t>
             </a:r>
           </a:p>
           <a:p>
@@ -4500,7 +4469,7 @@
     </p:spTree>
     <p:extLst>
       <p:ext uri="{BB962C8B-B14F-4D97-AF65-F5344CB8AC3E}">
-        <p14:creationId xmlns:p14="http://schemas.microsoft.com/office/powerpoint/2010/main" val="2538847958"/>
+        <p14:creationId xmlns:p14="http://schemas.microsoft.com/office/powerpoint/2010/main" val="1925145888"/>
       </p:ext>
     </p:extLst>
   </p:cSld>
@@ -4544,7 +4513,7 @@
           <a:p>
             <a:r>
               <a:rPr lang="en-US" sz="2800" dirty="0" smtClean="0"/>
-              <a:t>JSON data response: $schema field</a:t>
+              <a:t>JSON data response: id field</a:t>
             </a:r>
             <a:endParaRPr lang="en-US" sz="2800" dirty="0"/>
           </a:p>
@@ -4854,10 +4823,18 @@
             <a:r>
               <a:rPr lang="en-US" sz="1400" dirty="0" smtClean="0">
                 <a:solidFill>
-                  <a:srgbClr val="000000"/>
-                </a:solidFill>
-              </a:rPr>
-              <a:t>rx_bps:rtr.wash.ion.internet2</a:t>
+                  <a:srgbClr val="FF0000"/>
+                </a:solidFill>
+              </a:rPr>
+              <a:t>rx_bps:</a:t>
+            </a:r>
+            <a:r>
+              <a:rPr lang="en-US" sz="1400" dirty="0" smtClean="0">
+                <a:solidFill>
+                  <a:srgbClr val="000000"/>
+                </a:solidFill>
+              </a:rPr>
+              <a:t>rtr.wash.ion.internet2</a:t>
             </a:r>
             <a:r>
               <a:rPr lang="en-US" sz="1400" dirty="0">
@@ -4935,23 +4912,7 @@
                   <a:srgbClr val="000000"/>
                 </a:solidFill>
               </a:rPr>
-              <a:t>    "</a:t>
-            </a:r>
-            <a:r>
-              <a:rPr lang="en-US" sz="1400" dirty="0">
-                <a:solidFill>
-                  <a:srgbClr val="FF0000"/>
-                </a:solidFill>
-              </a:rPr>
-              <a:t>$schema</a:t>
-            </a:r>
-            <a:r>
-              <a:rPr lang="en-US" sz="1400" dirty="0">
-                <a:solidFill>
-                  <a:srgbClr val="000000"/>
-                </a:solidFill>
-              </a:rPr>
-              <a:t>"</a:t>
+              <a:t>    "$schema"</a:t>
             </a:r>
             <a:r>
               <a:rPr lang="en-US" sz="1400" dirty="0" smtClean="0">
@@ -5044,7 +5005,7 @@
         <p:spPr>
           <a:xfrm>
             <a:off x="533400" y="4495800"/>
-            <a:ext cx="8382000" cy="1200329"/>
+            <a:ext cx="8382000" cy="1477328"/>
           </a:xfrm>
           <a:prstGeom prst="rect">
             <a:avLst/>
@@ -5063,22 +5024,52 @@
             </a:pPr>
             <a:r>
               <a:rPr lang="en-US" dirty="0" smtClean="0"/>
-              <a:t>Don’t need to repeat $schema in every block of </a:t>
+              <a:t>The id field does not need to start with the event (</a:t>
             </a:r>
             <a:r>
               <a:rPr lang="en-US" dirty="0" err="1" smtClean="0"/>
-              <a:t>tsdata</a:t>
-            </a:r>
-            <a:endParaRPr lang="en-US" dirty="0" smtClean="0"/>
-          </a:p>
-          <a:p>
-            <a:pPr marL="285750" indent="-285750">
+              <a:t>rx_bps</a:t>
+            </a:r>
+            <a:r>
+              <a:rPr lang="en-US" dirty="0" smtClean="0"/>
+              <a:t> here)</a:t>
+            </a:r>
+          </a:p>
+          <a:p>
+            <a:pPr marL="742950" lvl="1" indent="-285750">
               <a:buFont typeface="Arial"/>
               <a:buChar char="•"/>
             </a:pPr>
             <a:r>
               <a:rPr lang="en-US" dirty="0" smtClean="0"/>
-              <a:t>Already addressed in top-level list fix in a previous slide</a:t>
+              <a:t>The event is already available as </a:t>
+            </a:r>
+            <a:r>
+              <a:rPr lang="en-US" dirty="0" err="1" smtClean="0"/>
+              <a:t>eventType</a:t>
+            </a:r>
+            <a:endParaRPr lang="en-US" dirty="0" smtClean="0"/>
+          </a:p>
+          <a:p>
+            <a:pPr marL="742950" lvl="1" indent="-285750">
+              <a:buFont typeface="Arial"/>
+              <a:buChar char="•"/>
+            </a:pPr>
+            <a:r>
+              <a:rPr lang="en-US" dirty="0"/>
+              <a:t>i</a:t>
+            </a:r>
+            <a:r>
+              <a:rPr lang="en-US" dirty="0" smtClean="0"/>
+              <a:t>d no longer directly references the</a:t>
+            </a:r>
+            <a:r>
+              <a:rPr lang="en-US" dirty="0"/>
+              <a:t> </a:t>
+            </a:r>
+            <a:r>
+              <a:rPr lang="en-US" dirty="0" smtClean="0"/>
+              <a:t>relevant object; this is confusing</a:t>
             </a:r>
           </a:p>
           <a:p>
@@ -5107,7 +5098,7 @@
     </p:spTree>
     <p:extLst>
       <p:ext uri="{BB962C8B-B14F-4D97-AF65-F5344CB8AC3E}">
-        <p14:creationId xmlns:p14="http://schemas.microsoft.com/office/powerpoint/2010/main" val="750769397"/>
+        <p14:creationId xmlns:p14="http://schemas.microsoft.com/office/powerpoint/2010/main" val="2538847958"/>
       </p:ext>
     </p:extLst>
   </p:cSld>
@@ -5150,10 +5141,10 @@
           <a:lstStyle/>
           <a:p>
             <a:r>
-              <a:rPr lang="en-US" dirty="0" smtClean="0"/>
-              <a:t>Revised JSON response to data query</a:t>
-            </a:r>
-            <a:endParaRPr lang="en-US" dirty="0"/>
+              <a:rPr lang="en-US" sz="2800" dirty="0" smtClean="0"/>
+              <a:t>JSON data response: $schema field</a:t>
+            </a:r>
+            <a:endParaRPr lang="en-US" sz="2800" dirty="0"/>
           </a:p>
         </p:txBody>
       </p:sp>
@@ -5165,8 +5156,8 @@
         </p:nvSpPr>
         <p:spPr>
           <a:xfrm>
-            <a:off x="679480" y="1599485"/>
-            <a:ext cx="8007320" cy="4801315"/>
+            <a:off x="445218" y="1219200"/>
+            <a:ext cx="7514497" cy="3139321"/>
           </a:xfrm>
           <a:prstGeom prst="rect">
             <a:avLst/>
@@ -5180,329 +5171,465 @@
           <a:lstStyle/>
           <a:p>
             <a:r>
-              <a:rPr lang="en-US" dirty="0" smtClean="0"/>
-              <a:t>{</a:t>
-            </a:r>
-          </a:p>
-          <a:p>
-            <a:r>
-              <a:rPr lang="en-US" dirty="0"/>
+              <a:rPr lang="en-US" sz="1400" dirty="0" smtClean="0"/>
+              <a:t>[</a:t>
+            </a:r>
+          </a:p>
+          <a:p>
+            <a:r>
+              <a:rPr lang="en-US" sz="1400" dirty="0"/>
               <a:t> </a:t>
             </a:r>
             <a:r>
-              <a:rPr lang="en-US" dirty="0" smtClean="0"/>
-              <a:t> "</a:t>
-            </a:r>
-            <a:r>
-              <a:rPr lang="en-US" dirty="0"/>
-              <a:t>$</a:t>
-            </a:r>
-            <a:r>
-              <a:rPr lang="en-US" dirty="0" err="1"/>
-              <a:t>schema"</a:t>
-            </a:r>
-            <a:r>
-              <a:rPr lang="en-US" dirty="0" err="1" smtClean="0"/>
-              <a:t>:</a:t>
-            </a:r>
-            <a:r>
-              <a:rPr lang="en-US" dirty="0" err="1" smtClean="0">
-                <a:hlinkClick r:id="rId2"/>
-              </a:rPr>
-              <a:t>http</a:t>
-            </a:r>
-            <a:r>
-              <a:rPr lang="en-US" dirty="0">
-                <a:hlinkClick r:id="rId2"/>
-              </a:rPr>
-              <a:t>://www.gpolab.bbn.com/monitoring/schema/20140828/data</a:t>
-            </a:r>
-            <a:r>
-              <a:rPr lang="en-US" dirty="0" smtClean="0">
-                <a:hlinkClick r:id="rId2"/>
-              </a:rPr>
-              <a:t>#</a:t>
-            </a:r>
-            <a:endParaRPr lang="en-US" dirty="0" smtClean="0"/>
-          </a:p>
-          <a:p>
-            <a:r>
-              <a:rPr lang="en-US" dirty="0" smtClean="0"/>
-              <a:t>  “measurements”: [</a:t>
-            </a:r>
-          </a:p>
-          <a:p>
-            <a:r>
-              <a:rPr lang="en-US" dirty="0" smtClean="0"/>
-              <a:t>    {</a:t>
-            </a:r>
-          </a:p>
-          <a:p>
-            <a:r>
-              <a:rPr lang="en-US" dirty="0" smtClean="0"/>
-              <a:t>        "</a:t>
-            </a:r>
-            <a:r>
-              <a:rPr lang="en-US" dirty="0" err="1"/>
+              <a:rPr lang="en-US" sz="1400" dirty="0" smtClean="0">
+                <a:solidFill>
+                  <a:srgbClr val="000000"/>
+                </a:solidFill>
+              </a:rPr>
+              <a:t> {</a:t>
+            </a:r>
+            <a:r>
+              <a:rPr lang="en-US" sz="1400" dirty="0">
+                <a:solidFill>
+                  <a:srgbClr val="000000"/>
+                </a:solidFill>
+              </a:rPr>
+              <a:t>"</a:t>
+            </a:r>
+            <a:r>
+              <a:rPr lang="en-US" sz="1400" dirty="0" err="1">
+                <a:solidFill>
+                  <a:srgbClr val="000000"/>
+                </a:solidFill>
+              </a:rPr>
               <a:t>tsdata</a:t>
             </a:r>
             <a:r>
-              <a:rPr lang="en-US" dirty="0"/>
+              <a:rPr lang="en-US" sz="1400" dirty="0">
+                <a:solidFill>
+                  <a:srgbClr val="000000"/>
+                </a:solidFill>
+              </a:rPr>
               <a:t>":[</a:t>
             </a:r>
           </a:p>
           <a:p>
             <a:r>
-              <a:rPr lang="en-US" dirty="0"/>
-              <a:t>  </a:t>
-            </a:r>
-            <a:r>
-              <a:rPr lang="en-US" dirty="0" smtClean="0"/>
-              <a:t>            </a:t>
-            </a:r>
-            <a:r>
-              <a:rPr lang="en-US" dirty="0"/>
-              <a:t>{"ts":</a:t>
-            </a:r>
-            <a:r>
-              <a:rPr lang="en-US" dirty="0" smtClean="0"/>
-              <a:t>1412124480000,</a:t>
-            </a:r>
-            <a:r>
-              <a:rPr lang="en-US" dirty="0"/>
-              <a:t>"v":7917}</a:t>
-            </a:r>
-            <a:r>
-              <a:rPr lang="en-US" dirty="0" smtClean="0"/>
+              <a:rPr lang="en-US" sz="1400" dirty="0">
+                <a:solidFill>
+                  <a:srgbClr val="000000"/>
+                </a:solidFill>
+              </a:rPr>
+              <a:t>        {"ts":</a:t>
+            </a:r>
+            <a:r>
+              <a:rPr lang="en-US" sz="1400" dirty="0"/>
+              <a:t>1412124480000000,"v":7917}</a:t>
+            </a:r>
+            <a:r>
+              <a:rPr lang="en-US" sz="1400" dirty="0" smtClean="0"/>
               <a:t>,</a:t>
             </a:r>
-            <a:endParaRPr lang="en-US" dirty="0">
+            <a:endParaRPr lang="en-US" sz="1400" dirty="0"/>
+          </a:p>
+          <a:p>
+            <a:r>
+              <a:rPr lang="en-US" sz="1400" dirty="0"/>
+              <a:t>        {"ts":1412124600000000,"v":7026},</a:t>
+            </a:r>
+          </a:p>
+          <a:p>
+            <a:r>
+              <a:rPr lang="en-US" sz="1400" dirty="0"/>
+              <a:t>        {"ts":1412125320000000,"</a:t>
+            </a:r>
+            <a:r>
+              <a:rPr lang="en-US" sz="1400" dirty="0">
+                <a:solidFill>
+                  <a:srgbClr val="000000"/>
+                </a:solidFill>
+              </a:rPr>
+              <a:t>v":8731}],</a:t>
+            </a:r>
+          </a:p>
+          <a:p>
+            <a:r>
+              <a:rPr lang="en-US" sz="1400" dirty="0">
+                <a:solidFill>
+                  <a:srgbClr val="000000"/>
+                </a:solidFill>
+              </a:rPr>
+              <a:t>    "</a:t>
+            </a:r>
+            <a:r>
+              <a:rPr lang="en-US" sz="1400" dirty="0" err="1">
+                <a:solidFill>
+                  <a:srgbClr val="000000"/>
+                </a:solidFill>
+              </a:rPr>
+              <a:t>eventType</a:t>
+            </a:r>
+            <a:r>
+              <a:rPr lang="en-US" sz="1400" dirty="0">
+                <a:solidFill>
+                  <a:srgbClr val="000000"/>
+                </a:solidFill>
+              </a:rPr>
+              <a:t>":</a:t>
+            </a:r>
+            <a:r>
+              <a:rPr lang="en-US" sz="1400" dirty="0"/>
+              <a:t>"</a:t>
+            </a:r>
+            <a:r>
+              <a:rPr lang="en-US" sz="1400" dirty="0" err="1" smtClean="0"/>
+              <a:t>ops_monitori</a:t>
+            </a:r>
+            <a:r>
+              <a:rPr lang="en-US" sz="1400" dirty="0" err="1" smtClean="0">
+                <a:solidFill>
+                  <a:srgbClr val="000000"/>
+                </a:solidFill>
+              </a:rPr>
+              <a:t>ng:rx_bps</a:t>
+            </a:r>
+            <a:r>
+              <a:rPr lang="en-US" sz="1400" dirty="0" smtClean="0">
+                <a:solidFill>
+                  <a:srgbClr val="000000"/>
+                </a:solidFill>
+              </a:rPr>
+              <a:t>”,</a:t>
+            </a:r>
+            <a:endParaRPr lang="en-US" sz="1400" dirty="0">
               <a:solidFill>
-                <a:srgbClr val="FF0000"/>
+                <a:srgbClr val="000000"/>
               </a:solidFill>
             </a:endParaRPr>
           </a:p>
           <a:p>
             <a:r>
-              <a:rPr lang="en-US" dirty="0"/>
-              <a:t>  </a:t>
-            </a:r>
-            <a:r>
-              <a:rPr lang="en-US" dirty="0" smtClean="0"/>
-              <a:t>            </a:t>
-            </a:r>
-            <a:r>
-              <a:rPr lang="en-US" dirty="0"/>
-              <a:t>{"ts":</a:t>
-            </a:r>
-            <a:r>
-              <a:rPr lang="en-US" dirty="0" smtClean="0"/>
-              <a:t>1412124600000,</a:t>
-            </a:r>
-            <a:r>
-              <a:rPr lang="en-US" dirty="0"/>
-              <a:t>"v":7026},</a:t>
-            </a:r>
-          </a:p>
-          <a:p>
-            <a:r>
-              <a:rPr lang="en-US" dirty="0"/>
-              <a:t>  </a:t>
-            </a:r>
-            <a:r>
-              <a:rPr lang="en-US" dirty="0" smtClean="0"/>
-              <a:t>            </a:t>
-            </a:r>
-            <a:r>
-              <a:rPr lang="en-US" dirty="0"/>
-              <a:t>{"ts":</a:t>
-            </a:r>
-            <a:r>
-              <a:rPr lang="en-US" dirty="0" smtClean="0"/>
-              <a:t>1412125320000,</a:t>
-            </a:r>
-            <a:r>
-              <a:rPr lang="en-US" dirty="0"/>
-              <a:t>"v":8731}],</a:t>
-            </a:r>
-          </a:p>
-          <a:p>
-            <a:r>
-              <a:rPr lang="en-US" dirty="0" smtClean="0"/>
-              <a:t>          </a:t>
-            </a:r>
-            <a:r>
-              <a:rPr lang="en-US" dirty="0"/>
+              <a:rPr lang="en-US" sz="1400" dirty="0">
+                <a:solidFill>
+                  <a:srgbClr val="000000"/>
+                </a:solidFill>
+              </a:rPr>
+              <a:t>    "</a:t>
+            </a:r>
+            <a:r>
+              <a:rPr lang="en-US" sz="1400" dirty="0"/>
+              <a:t>subje</a:t>
+            </a:r>
+            <a:r>
+              <a:rPr lang="en-US" sz="1400" dirty="0">
+                <a:solidFill>
+                  <a:srgbClr val="000000"/>
+                </a:solidFill>
+              </a:rPr>
+              <a:t>ct"</a:t>
+            </a:r>
+            <a:r>
+              <a:rPr lang="en-US" sz="1400" dirty="0" smtClean="0">
+                <a:solidFill>
+                  <a:srgbClr val="000000"/>
+                </a:solidFill>
+              </a:rPr>
+              <a:t>: </a:t>
+            </a:r>
+            <a:r>
+              <a:rPr lang="en-US" sz="1400" dirty="0" smtClean="0">
+                <a:solidFill>
+                  <a:srgbClr val="000000"/>
+                </a:solidFill>
+                <a:hlinkClick r:id="rId2"/>
+              </a:rPr>
+              <a:t>“https</a:t>
+            </a:r>
+            <a:r>
+              <a:rPr lang="en-US" sz="1400" dirty="0">
+                <a:solidFill>
+                  <a:srgbClr val="000000"/>
+                </a:solidFill>
+                <a:hlinkClick r:id="rId2"/>
+              </a:rPr>
+              <a:t>://gmoc-</a:t>
+            </a:r>
+            <a:r>
+              <a:rPr lang="en-US" sz="1400" dirty="0" smtClean="0">
+                <a:hlinkClick r:id="rId2"/>
+              </a:rPr>
+              <a:t>db.grnoc.iu.edu</a:t>
+            </a:r>
+            <a:r>
+              <a:rPr lang="en-US" sz="1400" dirty="0" smtClean="0">
+                <a:solidFill>
+                  <a:srgbClr val="000000"/>
+                </a:solidFill>
+                <a:hlinkClick r:id="rId2"/>
+              </a:rPr>
+              <a:t>/</a:t>
+            </a:r>
+            <a:r>
+              <a:rPr lang="en-US" sz="1400" dirty="0">
+                <a:solidFill>
+                  <a:srgbClr val="000000"/>
+                </a:solidFill>
+                <a:hlinkClick r:id="rId2"/>
+              </a:rPr>
+              <a:t>info/interface</a:t>
+            </a:r>
+            <a:r>
+              <a:rPr lang="en-US" sz="1400" dirty="0" smtClean="0">
+                <a:solidFill>
+                  <a:srgbClr val="000000"/>
+                </a:solidFill>
+                <a:hlinkClick r:id="rId2"/>
+              </a:rPr>
+              <a:t>/</a:t>
+            </a:r>
+            <a:r>
+              <a:rPr lang="en-US" sz="1400" dirty="0">
+                <a:solidFill>
+                  <a:srgbClr val="000000"/>
+                </a:solidFill>
+                <a:hlinkClick r:id="rId2"/>
+              </a:rPr>
+              <a:t>rtr.wash.</a:t>
+            </a:r>
+            <a:r>
+              <a:rPr lang="en-US" sz="1400" dirty="0" smtClean="0">
+                <a:solidFill>
+                  <a:srgbClr val="000000"/>
+                </a:solidFill>
+                <a:hlinkClick r:id="rId2"/>
+              </a:rPr>
+              <a:t>ion.internet2</a:t>
+            </a:r>
+            <a:r>
+              <a:rPr lang="en-US" sz="1400" dirty="0">
+                <a:solidFill>
+                  <a:srgbClr val="000000"/>
+                </a:solidFill>
+                <a:hlinkClick r:id="rId2"/>
+              </a:rPr>
+              <a:t>.edu/xe-0/2/</a:t>
+            </a:r>
+            <a:r>
+              <a:rPr lang="en-US" sz="1400" dirty="0" smtClean="0">
+                <a:solidFill>
+                  <a:srgbClr val="000000"/>
+                </a:solidFill>
+                <a:hlinkClick r:id="rId2"/>
+              </a:rPr>
+              <a:t>2</a:t>
+            </a:r>
+            <a:r>
+              <a:rPr lang="en-US" sz="1400" dirty="0" smtClean="0">
+                <a:solidFill>
+                  <a:srgbClr val="000000"/>
+                </a:solidFill>
+              </a:rPr>
+              <a:t>”</a:t>
+            </a:r>
+          </a:p>
+          <a:p>
+            <a:r>
+              <a:rPr lang="en-US" sz="1400" dirty="0" smtClean="0">
+                <a:solidFill>
+                  <a:srgbClr val="000000"/>
+                </a:solidFill>
+              </a:rPr>
+              <a:t>    "</a:t>
+            </a:r>
+            <a:r>
+              <a:rPr lang="en-US" sz="1400" dirty="0">
+                <a:solidFill>
+                  <a:srgbClr val="000000"/>
+                </a:solidFill>
+              </a:rPr>
+              <a:t>id":"</a:t>
+            </a:r>
+            <a:r>
+              <a:rPr lang="en-US" sz="1400" dirty="0" smtClean="0">
+                <a:solidFill>
+                  <a:srgbClr val="000000"/>
+                </a:solidFill>
+              </a:rPr>
+              <a:t>rx_bps:rtr.wash.ion.internet2</a:t>
+            </a:r>
+            <a:r>
+              <a:rPr lang="en-US" sz="1400" dirty="0">
+                <a:solidFill>
+                  <a:srgbClr val="000000"/>
+                </a:solidFill>
+              </a:rPr>
+              <a:t>.edu:xe-0/2/2"</a:t>
+            </a:r>
+            <a:r>
+              <a:rPr lang="en-US" sz="1400" dirty="0" smtClean="0">
+                <a:solidFill>
+                  <a:srgbClr val="000000"/>
+                </a:solidFill>
+              </a:rPr>
+              <a:t>,</a:t>
+            </a:r>
+          </a:p>
+          <a:p>
+            <a:r>
+              <a:rPr lang="en-US" sz="1400" dirty="0" smtClean="0">
+                <a:solidFill>
+                  <a:srgbClr val="000000"/>
+                </a:solidFill>
+              </a:rPr>
+              <a:t>    "</a:t>
+            </a:r>
+            <a:r>
+              <a:rPr lang="en-US" sz="1400" dirty="0" err="1">
+                <a:solidFill>
+                  <a:srgbClr val="000000"/>
+                </a:solidFill>
+              </a:rPr>
+              <a:t>description":"bits</a:t>
+            </a:r>
+            <a:r>
+              <a:rPr lang="en-US" sz="1400" dirty="0">
+                <a:solidFill>
+                  <a:srgbClr val="000000"/>
+                </a:solidFill>
+              </a:rPr>
+              <a:t> per second received on this interface",</a:t>
+            </a:r>
+          </a:p>
+          <a:p>
+            <a:r>
+              <a:rPr lang="en-US" sz="1400" dirty="0">
+                <a:solidFill>
+                  <a:srgbClr val="000000"/>
+                </a:solidFill>
+              </a:rPr>
+              <a:t>    "</a:t>
+            </a:r>
+            <a:r>
+              <a:rPr lang="en-US" sz="1400" dirty="0" err="1">
+                <a:solidFill>
+                  <a:srgbClr val="000000"/>
+                </a:solidFill>
+              </a:rPr>
+              <a:t>units":"float</a:t>
+            </a:r>
+            <a:r>
+              <a:rPr lang="en-US" sz="1400" dirty="0">
+                <a:solidFill>
+                  <a:srgbClr val="000000"/>
+                </a:solidFill>
+              </a:rPr>
+              <a:t>",</a:t>
+            </a:r>
+          </a:p>
+          <a:p>
+            <a:r>
+              <a:rPr lang="en-US" sz="1400" dirty="0">
+                <a:solidFill>
+                  <a:srgbClr val="000000"/>
+                </a:solidFill>
+              </a:rPr>
+              <a:t>    "</a:t>
+            </a:r>
+            <a:r>
+              <a:rPr lang="en-US" sz="1400" dirty="0">
+                <a:solidFill>
+                  <a:srgbClr val="FF0000"/>
+                </a:solidFill>
+              </a:rPr>
+              <a:t>$schema</a:t>
+            </a:r>
+            <a:r>
+              <a:rPr lang="en-US" sz="1400" dirty="0">
+                <a:solidFill>
+                  <a:srgbClr val="000000"/>
+                </a:solidFill>
+              </a:rPr>
               <a:t>"</a:t>
             </a:r>
             <a:r>
-              <a:rPr lang="en-US" dirty="0" err="1"/>
-              <a:t>eventType</a:t>
-            </a:r>
-            <a:r>
-              <a:rPr lang="en-US" dirty="0"/>
-              <a:t>"</a:t>
-            </a:r>
-            <a:r>
-              <a:rPr lang="en-US" dirty="0" smtClean="0"/>
-              <a:t>:”</a:t>
-            </a:r>
-            <a:r>
-              <a:rPr lang="en-US" dirty="0" err="1" smtClean="0"/>
-              <a:t>rx_bps</a:t>
-            </a:r>
-            <a:r>
-              <a:rPr lang="en-US" dirty="0" smtClean="0"/>
-              <a:t>”,</a:t>
-            </a:r>
-            <a:endParaRPr lang="en-US" dirty="0">
-              <a:solidFill>
-                <a:srgbClr val="FF0000"/>
-              </a:solidFill>
-            </a:endParaRPr>
-          </a:p>
-          <a:p>
-            <a:r>
-              <a:rPr lang="en-US" dirty="0" smtClean="0"/>
-              <a:t>          </a:t>
-            </a:r>
-            <a:r>
-              <a:rPr lang="en-US" dirty="0"/>
-              <a:t>"</a:t>
-            </a:r>
-            <a:r>
-              <a:rPr lang="en-US" dirty="0" smtClean="0">
-                <a:solidFill>
-                  <a:srgbClr val="000000"/>
-                </a:solidFill>
-              </a:rPr>
-              <a:t>subject_</a:t>
-            </a:r>
-            <a:r>
-              <a:rPr lang="en-US" dirty="0" err="1" smtClean="0">
-                <a:solidFill>
-                  <a:srgbClr val="000000"/>
-                </a:solidFill>
-              </a:rPr>
-              <a:t>href</a:t>
-            </a:r>
-            <a:r>
-              <a:rPr lang="en-US" dirty="0" smtClean="0"/>
-              <a:t>":https</a:t>
-            </a:r>
-            <a:r>
-              <a:rPr lang="en-US" dirty="0"/>
-              <a:t>://gmoc-</a:t>
-            </a:r>
-            <a:r>
-              <a:rPr lang="en-US" dirty="0" smtClean="0"/>
-              <a:t>db.grnoc.iu.edu/</a:t>
-            </a:r>
-            <a:r>
-              <a:rPr lang="en-US" dirty="0"/>
-              <a:t>info/interface</a:t>
-            </a:r>
-            <a:r>
-              <a:rPr lang="en-US" dirty="0" smtClean="0"/>
-              <a:t>/…”</a:t>
-            </a:r>
-            <a:endParaRPr lang="en-US" dirty="0" smtClean="0">
-              <a:solidFill>
-                <a:srgbClr val="FF0000"/>
-              </a:solidFill>
-            </a:endParaRPr>
-          </a:p>
-          <a:p>
-            <a:r>
-              <a:rPr lang="en-US" dirty="0" smtClean="0"/>
-              <a:t>          "</a:t>
-            </a:r>
-            <a:r>
-              <a:rPr lang="en-US" dirty="0"/>
-              <a:t>id"</a:t>
-            </a:r>
-            <a:r>
-              <a:rPr lang="en-US" dirty="0" smtClean="0"/>
-              <a:t>:</a:t>
-            </a:r>
-            <a:r>
-              <a:rPr lang="en-US" dirty="0" smtClean="0"/>
-              <a:t>”rtr.wash.ion.internet2</a:t>
-            </a:r>
-            <a:r>
-              <a:rPr lang="en-US" dirty="0"/>
-              <a:t>.edu:xe-0/2/2"</a:t>
-            </a:r>
-            <a:r>
-              <a:rPr lang="en-US" dirty="0" smtClean="0"/>
-              <a:t>,</a:t>
-            </a:r>
-          </a:p>
-          <a:p>
-            <a:r>
-              <a:rPr lang="en-US" dirty="0" smtClean="0"/>
-              <a:t>          "</a:t>
-            </a:r>
-            <a:r>
-              <a:rPr lang="en-US" dirty="0" err="1"/>
-              <a:t>description":"bits</a:t>
-            </a:r>
-            <a:r>
-              <a:rPr lang="en-US" dirty="0"/>
-              <a:t> per second received on this interface",</a:t>
-            </a:r>
-          </a:p>
-          <a:p>
-            <a:r>
-              <a:rPr lang="en-US" dirty="0" smtClean="0"/>
-              <a:t>          </a:t>
-            </a:r>
-            <a:r>
-              <a:rPr lang="en-US" dirty="0"/>
-              <a:t>"</a:t>
-            </a:r>
-            <a:r>
-              <a:rPr lang="en-US" dirty="0" err="1"/>
-              <a:t>units":"float</a:t>
-            </a:r>
-            <a:r>
-              <a:rPr lang="en-US" dirty="0"/>
-              <a:t>",</a:t>
-            </a:r>
-          </a:p>
-          <a:p>
-            <a:r>
-              <a:rPr lang="en-US" dirty="0" smtClean="0"/>
-              <a:t>    },</a:t>
-            </a:r>
-          </a:p>
-          <a:p>
-            <a:r>
-              <a:rPr lang="en-US" dirty="0" smtClean="0"/>
-              <a:t>    {“</a:t>
-            </a:r>
-            <a:r>
-              <a:rPr lang="en-US" dirty="0" err="1" smtClean="0"/>
+              <a:rPr lang="en-US" sz="1400" dirty="0" smtClean="0">
+                <a:solidFill>
+                  <a:srgbClr val="000000"/>
+                </a:solidFill>
+              </a:rPr>
+              <a:t>: </a:t>
+            </a:r>
+            <a:r>
+              <a:rPr lang="en-US" sz="1400" dirty="0" smtClean="0">
+                <a:solidFill>
+                  <a:srgbClr val="000000"/>
+                </a:solidFill>
+                <a:hlinkClick r:id="rId3"/>
+              </a:rPr>
+              <a:t>“http:</a:t>
+            </a:r>
+            <a:r>
+              <a:rPr lang="en-US" sz="1400" dirty="0">
+                <a:solidFill>
+                  <a:srgbClr val="000000"/>
+                </a:solidFill>
+                <a:hlinkClick r:id="rId3"/>
+              </a:rPr>
+              <a:t>//www.gpolab.bbn.com/monitoring/schema/20140828/data</a:t>
+            </a:r>
+            <a:r>
+              <a:rPr lang="en-US" sz="1400" dirty="0" smtClean="0">
+                <a:solidFill>
+                  <a:srgbClr val="000000"/>
+                </a:solidFill>
+                <a:hlinkClick r:id="rId3"/>
+              </a:rPr>
+              <a:t>#</a:t>
+            </a:r>
+            <a:r>
+              <a:rPr lang="en-US" sz="1400" dirty="0" smtClean="0">
+                <a:solidFill>
+                  <a:srgbClr val="000000"/>
+                </a:solidFill>
+              </a:rPr>
+              <a:t>”</a:t>
+            </a:r>
+          </a:p>
+          <a:p>
+            <a:r>
+              <a:rPr lang="en-US" sz="1400" dirty="0" smtClean="0">
+                <a:solidFill>
+                  <a:srgbClr val="000000"/>
+                </a:solidFill>
+              </a:rPr>
+              <a:t>  },</a:t>
+            </a:r>
+          </a:p>
+          <a:p>
+            <a:r>
+              <a:rPr lang="en-US" sz="1400" dirty="0"/>
+              <a:t> </a:t>
+            </a:r>
+            <a:r>
+              <a:rPr lang="en-US" sz="1400" dirty="0" smtClean="0"/>
+              <a:t> {“</a:t>
+            </a:r>
+            <a:r>
+              <a:rPr lang="en-US" sz="1400" dirty="0" err="1" smtClean="0"/>
               <a:t>tsdata</a:t>
             </a:r>
             <a:r>
-              <a:rPr lang="en-US" dirty="0" smtClean="0"/>
+              <a:rPr lang="en-US" sz="1400" dirty="0" smtClean="0"/>
               <a:t>”:[….] }</a:t>
             </a:r>
-            <a:endParaRPr lang="en-US" dirty="0"/>
-          </a:p>
-          <a:p>
-            <a:r>
-              <a:rPr lang="en-US" dirty="0" smtClean="0"/>
-              <a:t>  ]</a:t>
-            </a:r>
-          </a:p>
-          <a:p>
-            <a:r>
-              <a:rPr lang="en-US" dirty="0" smtClean="0"/>
-              <a:t>}</a:t>
-            </a:r>
-            <a:endParaRPr lang="en-US" dirty="0"/>
+            <a:endParaRPr lang="en-US" sz="1400" dirty="0"/>
+          </a:p>
+          <a:p>
+            <a:r>
+              <a:rPr lang="en-US" sz="1400" dirty="0" smtClean="0"/>
+              <a:t>]</a:t>
+            </a:r>
+            <a:endParaRPr lang="en-US" sz="1400" dirty="0"/>
           </a:p>
         </p:txBody>
       </p:sp>
@@ -5514,8 +5641,8 @@
         </p:nvSpPr>
         <p:spPr>
           <a:xfrm>
-            <a:off x="685800" y="1143000"/>
-            <a:ext cx="6240974" cy="369332"/>
+            <a:off x="533400" y="4495800"/>
+            <a:ext cx="8382000" cy="1200329"/>
           </a:xfrm>
           <a:prstGeom prst="rect">
             <a:avLst/>
@@ -5523,14 +5650,53 @@
           <a:noFill/>
         </p:spPr>
         <p:txBody>
-          <a:bodyPr wrap="none" rtlCol="0">
+          <a:bodyPr wrap="square" rtlCol="0">
             <a:spAutoFit/>
           </a:bodyPr>
           <a:lstStyle/>
           <a:p>
+            <a:pPr marL="285750" indent="-285750">
+              <a:buFont typeface="Arial"/>
+              <a:buChar char="•"/>
+            </a:pPr>
             <a:r>
               <a:rPr lang="en-US" dirty="0" smtClean="0"/>
-              <a:t>Combining all of these changes, we get something like this:</a:t>
+              <a:t>Don’t need to repeat $schema in every block of </a:t>
+            </a:r>
+            <a:r>
+              <a:rPr lang="en-US" dirty="0" err="1" smtClean="0"/>
+              <a:t>tsdata</a:t>
+            </a:r>
+            <a:endParaRPr lang="en-US" dirty="0" smtClean="0"/>
+          </a:p>
+          <a:p>
+            <a:pPr marL="285750" indent="-285750">
+              <a:buFont typeface="Arial"/>
+              <a:buChar char="•"/>
+            </a:pPr>
+            <a:r>
+              <a:rPr lang="en-US" dirty="0" smtClean="0"/>
+              <a:t>Already addressed in top-level list fix in a previous slide</a:t>
+            </a:r>
+          </a:p>
+          <a:p>
+            <a:pPr marL="285750" indent="-285750">
+              <a:buFont typeface="Arial"/>
+              <a:buChar char="•"/>
+            </a:pPr>
+            <a:r>
+              <a:rPr lang="en-US" dirty="0" smtClean="0"/>
+              <a:t>No impact on database population</a:t>
+            </a:r>
+          </a:p>
+          <a:p>
+            <a:pPr marL="285750" indent="-285750">
+              <a:buFont typeface="Arial"/>
+              <a:buChar char="•"/>
+            </a:pPr>
+            <a:r>
+              <a:rPr lang="en-US" dirty="0" smtClean="0"/>
+              <a:t>Collectors must parse new format</a:t>
             </a:r>
             <a:endParaRPr lang="en-US" dirty="0"/>
           </a:p>
@@ -5539,7 +5705,7 @@
     </p:spTree>
     <p:extLst>
       <p:ext uri="{BB962C8B-B14F-4D97-AF65-F5344CB8AC3E}">
-        <p14:creationId xmlns:p14="http://schemas.microsoft.com/office/powerpoint/2010/main" val="4185509169"/>
+        <p14:creationId xmlns:p14="http://schemas.microsoft.com/office/powerpoint/2010/main" val="750769397"/>
       </p:ext>
     </p:extLst>
   </p:cSld>
@@ -5582,23 +5748,23 @@
           <a:lstStyle/>
           <a:p>
             <a:r>
-              <a:rPr lang="en-US" sz="2800" dirty="0" smtClean="0"/>
-              <a:t>Other Possible JSON Schema Enhancements</a:t>
-            </a:r>
-            <a:endParaRPr lang="en-US" sz="2800" dirty="0"/>
+              <a:rPr lang="en-US" dirty="0" smtClean="0"/>
+              <a:t>Revised JSON response to data query</a:t>
+            </a:r>
+            <a:endParaRPr lang="en-US" dirty="0"/>
           </a:p>
         </p:txBody>
       </p:sp>
       <p:sp>
         <p:nvSpPr>
-          <p:cNvPr id="5" name="TextBox 4"/>
+          <p:cNvPr id="3" name="TextBox 2"/>
           <p:cNvSpPr txBox="1"/>
           <p:nvPr/>
         </p:nvSpPr>
         <p:spPr>
           <a:xfrm>
-            <a:off x="578187" y="1143000"/>
-            <a:ext cx="8032413" cy="5262980"/>
+            <a:off x="679480" y="1599485"/>
+            <a:ext cx="8007320" cy="4801315"/>
           </a:xfrm>
           <a:prstGeom prst="rect">
             <a:avLst/>
@@ -5606,181 +5772,368 @@
           <a:noFill/>
         </p:spPr>
         <p:txBody>
-          <a:bodyPr wrap="square" rtlCol="0">
+          <a:bodyPr wrap="none" rtlCol="0">
             <a:spAutoFit/>
           </a:bodyPr>
           <a:lstStyle/>
           <a:p>
-            <a:pPr marL="342900" indent="-342900">
-              <a:buFont typeface="Arial"/>
-              <a:buChar char="•"/>
-            </a:pPr>
-            <a:r>
-              <a:rPr lang="en-US" sz="2000" dirty="0" smtClean="0"/>
-              <a:t>Bidirectional navigation</a:t>
-            </a:r>
-          </a:p>
-          <a:p>
-            <a:pPr marL="742950" lvl="1" indent="-285750">
-              <a:buFont typeface="Arial"/>
-              <a:buChar char="•"/>
-            </a:pPr>
             <a:r>
               <a:rPr lang="en-US" dirty="0" smtClean="0"/>
-              <a:t>Nodes list their interfaces, but interfaces don’t specify their node.  Fix all such instances of this.</a:t>
-            </a:r>
-          </a:p>
-          <a:p>
-            <a:pPr marL="742950" lvl="1" indent="-285750">
-              <a:buFont typeface="Arial"/>
-              <a:buChar char="•"/>
-            </a:pPr>
+              <a:t>{</a:t>
+            </a:r>
+          </a:p>
+          <a:p>
+            <a:r>
+              <a:rPr lang="en-US" dirty="0"/>
+              <a:t> </a:t>
+            </a:r>
             <a:r>
               <a:rPr lang="en-US" dirty="0" smtClean="0"/>
-              <a:t>Allows lightweight navigation of the monitoring data without needing to collect and store all of the data first</a:t>
-            </a:r>
-          </a:p>
-          <a:p>
-            <a:pPr marL="742950" lvl="1" indent="-285750">
-              <a:buFont typeface="Arial"/>
-              <a:buChar char="•"/>
-            </a:pPr>
+              <a:t> "</a:t>
+            </a:r>
+            <a:r>
+              <a:rPr lang="en-US" dirty="0"/>
+              <a:t>$</a:t>
+            </a:r>
+            <a:r>
+              <a:rPr lang="en-US" dirty="0" err="1"/>
+              <a:t>schema"</a:t>
+            </a:r>
+            <a:r>
+              <a:rPr lang="en-US" dirty="0" err="1" smtClean="0"/>
+              <a:t>:</a:t>
+            </a:r>
+            <a:r>
+              <a:rPr lang="en-US" dirty="0" err="1" smtClean="0">
+                <a:hlinkClick r:id="rId2"/>
+              </a:rPr>
+              <a:t>http</a:t>
+            </a:r>
+            <a:r>
+              <a:rPr lang="en-US" dirty="0">
+                <a:hlinkClick r:id="rId2"/>
+              </a:rPr>
+              <a:t>://www.gpolab.bbn.com/monitoring/schema/20140828/data</a:t>
+            </a:r>
+            <a:r>
+              <a:rPr lang="en-US" dirty="0" smtClean="0">
+                <a:hlinkClick r:id="rId2"/>
+              </a:rPr>
+              <a:t>#</a:t>
+            </a:r>
+            <a:endParaRPr lang="en-US" dirty="0" smtClean="0"/>
+          </a:p>
+          <a:p>
             <a:r>
               <a:rPr lang="en-US" dirty="0" smtClean="0"/>
-              <a:t>This is a sweeping change that dwarfs any of the other JSON schema changes that have been discussed</a:t>
-            </a:r>
-          </a:p>
-          <a:p>
-            <a:pPr marL="742950" lvl="1" indent="-285750">
-              <a:buFont typeface="Arial"/>
-              <a:buChar char="•"/>
-            </a:pPr>
-            <a:endParaRPr lang="en-US" sz="2000" dirty="0" smtClean="0"/>
-          </a:p>
-          <a:p>
-            <a:pPr marL="285750" indent="-285750">
-              <a:buFont typeface="Arial"/>
-              <a:buChar char="•"/>
-            </a:pPr>
-            <a:r>
-              <a:rPr lang="en-US" sz="2000" dirty="0" smtClean="0"/>
-              <a:t>Wildcard for event types in data queries</a:t>
-            </a:r>
-          </a:p>
-          <a:p>
-            <a:pPr marL="742950" lvl="1" indent="-285750">
-              <a:buFont typeface="Arial"/>
-              <a:buChar char="•"/>
-            </a:pPr>
+              <a:t>  “measurements”: [</a:t>
+            </a:r>
+          </a:p>
+          <a:p>
             <a:r>
               <a:rPr lang="en-US" dirty="0" smtClean="0"/>
-              <a:t>Objects can already be </a:t>
+              <a:t>    {</a:t>
+            </a:r>
+          </a:p>
+          <a:p>
+            <a:r>
+              <a:rPr lang="en-US" dirty="0" smtClean="0"/>
+              <a:t>        "</a:t>
+            </a:r>
+            <a:r>
+              <a:rPr lang="en-US" dirty="0" err="1"/>
+              <a:t>tsdata</a:t>
+            </a:r>
+            <a:r>
+              <a:rPr lang="en-US" dirty="0"/>
+              <a:t>":[</a:t>
+            </a:r>
+          </a:p>
+          <a:p>
+            <a:r>
+              <a:rPr lang="en-US" dirty="0"/>
+              <a:t>  </a:t>
+            </a:r>
+            <a:r>
+              <a:rPr lang="en-US" dirty="0" smtClean="0"/>
+              <a:t>            </a:t>
+            </a:r>
+            <a:r>
+              <a:rPr lang="en-US" dirty="0"/>
+              <a:t>{"ts":</a:t>
+            </a:r>
+            <a:r>
+              <a:rPr lang="en-US" dirty="0" smtClean="0"/>
+              <a:t>1412124480000,</a:t>
+            </a:r>
+            <a:r>
+              <a:rPr lang="en-US" dirty="0"/>
+              <a:t>"v":7917}</a:t>
+            </a:r>
+            <a:r>
+              <a:rPr lang="en-US" dirty="0" smtClean="0"/>
+              <a:t>,</a:t>
+            </a:r>
+            <a:endParaRPr lang="en-US" dirty="0">
+              <a:solidFill>
+                <a:srgbClr val="FF0000"/>
+              </a:solidFill>
+            </a:endParaRPr>
+          </a:p>
+          <a:p>
+            <a:r>
+              <a:rPr lang="en-US" dirty="0"/>
+              <a:t>  </a:t>
+            </a:r>
+            <a:r>
+              <a:rPr lang="en-US" dirty="0" smtClean="0"/>
+              <a:t>            </a:t>
+            </a:r>
+            <a:r>
+              <a:rPr lang="en-US" dirty="0"/>
+              <a:t>{"ts":</a:t>
+            </a:r>
+            <a:r>
+              <a:rPr lang="en-US" dirty="0" smtClean="0"/>
+              <a:t>1412124600000,</a:t>
+            </a:r>
+            <a:r>
+              <a:rPr lang="en-US" dirty="0"/>
+              <a:t>"v":7026},</a:t>
+            </a:r>
+          </a:p>
+          <a:p>
+            <a:r>
+              <a:rPr lang="en-US" dirty="0"/>
+              <a:t>  </a:t>
+            </a:r>
+            <a:r>
+              <a:rPr lang="en-US" dirty="0" smtClean="0"/>
+              <a:t>            </a:t>
+            </a:r>
+            <a:r>
+              <a:rPr lang="en-US" dirty="0"/>
+              <a:t>{"ts":</a:t>
+            </a:r>
+            <a:r>
+              <a:rPr lang="en-US" dirty="0" smtClean="0"/>
+              <a:t>1412125320000,</a:t>
+            </a:r>
+            <a:r>
+              <a:rPr lang="en-US" dirty="0"/>
+              <a:t>"v":8731}],</a:t>
+            </a:r>
+          </a:p>
+          <a:p>
+            <a:r>
+              <a:rPr lang="en-US" dirty="0" smtClean="0"/>
+              <a:t>          </a:t>
+            </a:r>
+            <a:r>
+              <a:rPr lang="en-US" dirty="0"/>
+              <a:t>"</a:t>
+            </a:r>
+            <a:r>
+              <a:rPr lang="en-US" dirty="0" err="1"/>
+              <a:t>eventType</a:t>
+            </a:r>
+            <a:r>
+              <a:rPr lang="en-US" dirty="0"/>
+              <a:t>"</a:t>
+            </a:r>
+            <a:r>
+              <a:rPr lang="en-US" dirty="0" smtClean="0"/>
+              <a:t>:”</a:t>
             </a:r>
             <a:r>
               <a:rPr lang="en-US" dirty="0" err="1" smtClean="0"/>
-              <a:t>wildcarded</a:t>
+              <a:t>rx_bps</a:t>
             </a:r>
             <a:r>
               <a:rPr lang="en-US" dirty="0" smtClean="0"/>
-              <a:t>, so this completes the feature</a:t>
-            </a:r>
-          </a:p>
-          <a:p>
-            <a:pPr marL="742950" lvl="1" indent="-285750">
-              <a:buFont typeface="Arial"/>
-              <a:buChar char="•"/>
-            </a:pPr>
+              <a:t>”,</a:t>
+            </a:r>
+            <a:endParaRPr lang="en-US" dirty="0">
+              <a:solidFill>
+                <a:srgbClr val="FF0000"/>
+              </a:solidFill>
+            </a:endParaRPr>
+          </a:p>
+          <a:p>
             <a:r>
               <a:rPr lang="en-US" dirty="0" smtClean="0"/>
-              <a:t>Gotchas with </a:t>
+              <a:t>          </a:t>
+            </a:r>
+            <a:r>
+              <a:rPr lang="en-US" dirty="0"/>
+              <a:t>"</a:t>
+            </a:r>
+            <a:r>
+              <a:rPr lang="en-US" dirty="0" smtClean="0">
+                <a:solidFill>
+                  <a:srgbClr val="000000"/>
+                </a:solidFill>
+              </a:rPr>
+              <a:t>subject_</a:t>
+            </a:r>
+            <a:r>
+              <a:rPr lang="en-US" dirty="0" err="1" smtClean="0">
+                <a:solidFill>
+                  <a:srgbClr val="000000"/>
+                </a:solidFill>
+              </a:rPr>
+              <a:t>href</a:t>
+            </a:r>
+            <a:r>
+              <a:rPr lang="en-US" dirty="0" smtClean="0"/>
+              <a:t>":https</a:t>
+            </a:r>
+            <a:r>
+              <a:rPr lang="en-US" dirty="0"/>
+              <a:t>://gmoc-</a:t>
+            </a:r>
+            <a:r>
+              <a:rPr lang="en-US" dirty="0" smtClean="0"/>
+              <a:t>db.grnoc.iu.edu/</a:t>
+            </a:r>
+            <a:r>
+              <a:rPr lang="en-US" dirty="0"/>
+              <a:t>info/interface</a:t>
+            </a:r>
+            <a:r>
+              <a:rPr lang="en-US" dirty="0" smtClean="0"/>
+              <a:t>/…”</a:t>
+            </a:r>
+            <a:endParaRPr lang="en-US" dirty="0" smtClean="0">
+              <a:solidFill>
+                <a:srgbClr val="FF0000"/>
+              </a:solidFill>
+            </a:endParaRPr>
+          </a:p>
+          <a:p>
+            <a:r>
+              <a:rPr lang="en-US" dirty="0" smtClean="0"/>
+              <a:t>          "</a:t>
+            </a:r>
+            <a:r>
+              <a:rPr lang="en-US" dirty="0"/>
+              <a:t>id"</a:t>
+            </a:r>
+            <a:r>
+              <a:rPr lang="en-US" dirty="0" smtClean="0"/>
+              <a:t>:”rtr.wash.ion.internet2</a:t>
+            </a:r>
+            <a:r>
+              <a:rPr lang="en-US" dirty="0"/>
+              <a:t>.edu:xe-0/2/2"</a:t>
+            </a:r>
+            <a:r>
+              <a:rPr lang="en-US" dirty="0" smtClean="0"/>
+              <a:t>,</a:t>
+            </a:r>
+          </a:p>
+          <a:p>
+            <a:r>
+              <a:rPr lang="en-US" dirty="0" smtClean="0"/>
+              <a:t>          "</a:t>
+            </a:r>
+            <a:r>
+              <a:rPr lang="en-US" dirty="0" err="1"/>
+              <a:t>description":"bits</a:t>
+            </a:r>
+            <a:r>
+              <a:rPr lang="en-US" dirty="0"/>
+              <a:t> per second received on this interface",</a:t>
+            </a:r>
+          </a:p>
+          <a:p>
+            <a:r>
+              <a:rPr lang="en-US" dirty="0" smtClean="0"/>
+              <a:t>          </a:t>
+            </a:r>
+            <a:r>
+              <a:rPr lang="en-US" dirty="0"/>
+              <a:t>"</a:t>
+            </a:r>
+            <a:r>
+              <a:rPr lang="en-US" dirty="0" err="1"/>
+              <a:t>units":"float</a:t>
+            </a:r>
+            <a:r>
+              <a:rPr lang="en-US" dirty="0"/>
+              <a:t>",</a:t>
+            </a:r>
+          </a:p>
+          <a:p>
+            <a:r>
+              <a:rPr lang="en-US" dirty="0" smtClean="0"/>
+              <a:t>    },</a:t>
+            </a:r>
+          </a:p>
+          <a:p>
+            <a:r>
+              <a:rPr lang="en-US" dirty="0" smtClean="0"/>
+              <a:t>    {“</a:t>
             </a:r>
             <a:r>
               <a:rPr lang="en-US" dirty="0" err="1" smtClean="0"/>
-              <a:t>datastores</a:t>
+              <a:t>tsdata</a:t>
             </a:r>
             <a:r>
               <a:rPr lang="en-US" dirty="0" smtClean="0"/>
-              <a:t> supporting multiple aggregates</a:t>
-            </a:r>
-          </a:p>
-          <a:p>
-            <a:pPr marL="742950" lvl="1" indent="-285750">
-              <a:buFont typeface="Arial"/>
-              <a:buChar char="•"/>
-            </a:pPr>
-            <a:endParaRPr lang="en-US" dirty="0" smtClean="0"/>
-          </a:p>
-          <a:p>
-            <a:pPr marL="285750" indent="-285750">
-              <a:buFont typeface="Arial"/>
-              <a:buChar char="•"/>
-            </a:pPr>
-            <a:r>
-              <a:rPr lang="en-US" sz="2000" dirty="0" smtClean="0"/>
-              <a:t>Objects could specify what measurements they support</a:t>
-            </a:r>
-          </a:p>
-          <a:p>
-            <a:pPr marL="742950" lvl="1" indent="-285750">
-              <a:buFont typeface="Arial"/>
-              <a:buChar char="•"/>
-            </a:pPr>
+              <a:t>”:[….] }</a:t>
+            </a:r>
+            <a:endParaRPr lang="en-US" dirty="0"/>
+          </a:p>
+          <a:p>
             <a:r>
               <a:rPr lang="en-US" dirty="0" smtClean="0"/>
-              <a:t>Would make querying data more straightforward</a:t>
-            </a:r>
-          </a:p>
-          <a:p>
-            <a:pPr marL="742950" lvl="1" indent="-285750">
-              <a:buFont typeface="Arial"/>
-              <a:buChar char="•"/>
-            </a:pPr>
-            <a:endParaRPr lang="en-US" sz="2000" dirty="0" smtClean="0"/>
-          </a:p>
-          <a:p>
-            <a:pPr marL="285750" indent="-285750">
-              <a:buFont typeface="Arial"/>
-              <a:buChar char="•"/>
-            </a:pPr>
-            <a:r>
-              <a:rPr lang="en-US" sz="2000" dirty="0" smtClean="0"/>
-              <a:t>Node schema</a:t>
-            </a:r>
-          </a:p>
-          <a:p>
-            <a:pPr marL="742950" lvl="1" indent="-285750">
-              <a:buFont typeface="Arial"/>
-              <a:buChar char="•"/>
-            </a:pPr>
+              <a:t>  ]</a:t>
+            </a:r>
+          </a:p>
+          <a:p>
             <a:r>
               <a:rPr lang="en-US" dirty="0" smtClean="0"/>
-              <a:t>Associate VMs with the physical machines they’re running on</a:t>
-            </a:r>
-          </a:p>
-          <a:p>
-            <a:pPr marL="742950" lvl="1" indent="-285750">
-              <a:buFont typeface="Arial"/>
-              <a:buChar char="•"/>
-            </a:pPr>
+              <a:t>}</a:t>
+            </a:r>
+            <a:endParaRPr lang="en-US" dirty="0"/>
+          </a:p>
+        </p:txBody>
+      </p:sp>
+      <p:sp>
+        <p:nvSpPr>
+          <p:cNvPr id="4" name="TextBox 3"/>
+          <p:cNvSpPr txBox="1"/>
+          <p:nvPr/>
+        </p:nvSpPr>
+        <p:spPr>
+          <a:xfrm>
+            <a:off x="685800" y="1143000"/>
+            <a:ext cx="6240974" cy="369332"/>
+          </a:xfrm>
+          <a:prstGeom prst="rect">
+            <a:avLst/>
+          </a:prstGeom>
+          <a:noFill/>
+        </p:spPr>
+        <p:txBody>
+          <a:bodyPr wrap="none" rtlCol="0">
+            <a:spAutoFit/>
+          </a:bodyPr>
+          <a:lstStyle/>
+          <a:p>
             <a:r>
               <a:rPr lang="en-US" dirty="0" smtClean="0"/>
-              <a:t>Add a </a:t>
-            </a:r>
-            <a:r>
-              <a:rPr lang="en-US" dirty="0" err="1" smtClean="0"/>
-              <a:t>baremetal</a:t>
-            </a:r>
-            <a:r>
-              <a:rPr lang="en-US" dirty="0" smtClean="0"/>
-              <a:t> node type</a:t>
-            </a:r>
+              <a:t>Combining all of these changes, we get something like this:</a:t>
+            </a:r>
+            <a:endParaRPr lang="en-US" dirty="0"/>
           </a:p>
         </p:txBody>
       </p:sp>
     </p:spTree>
     <p:extLst>
       <p:ext uri="{BB962C8B-B14F-4D97-AF65-F5344CB8AC3E}">
-        <p14:creationId xmlns:p14="http://schemas.microsoft.com/office/powerpoint/2010/main" val="3052068901"/>
+        <p14:creationId xmlns:p14="http://schemas.microsoft.com/office/powerpoint/2010/main" val="4185509169"/>
       </p:ext>
     </p:extLst>
   </p:cSld>
@@ -5823,23 +6176,23 @@
           <a:lstStyle/>
           <a:p>
             <a:r>
-              <a:rPr lang="en-US" dirty="0" smtClean="0"/>
-              <a:t>Possible new features</a:t>
-            </a:r>
-            <a:endParaRPr lang="en-US" dirty="0"/>
+              <a:rPr lang="en-US" sz="2800" dirty="0" smtClean="0"/>
+              <a:t>Other Possible JSON Schema Enhancements</a:t>
+            </a:r>
+            <a:endParaRPr lang="en-US" sz="2800" dirty="0"/>
           </a:p>
         </p:txBody>
       </p:sp>
       <p:sp>
         <p:nvSpPr>
-          <p:cNvPr id="3" name="TextBox 2"/>
+          <p:cNvPr id="5" name="TextBox 4"/>
           <p:cNvSpPr txBox="1"/>
           <p:nvPr/>
         </p:nvSpPr>
         <p:spPr>
           <a:xfrm>
-            <a:off x="609601" y="1600200"/>
-            <a:ext cx="8382000" cy="4154984"/>
+            <a:off x="578187" y="1143000"/>
+            <a:ext cx="8032413" cy="5262980"/>
           </a:xfrm>
           <a:prstGeom prst="rect">
             <a:avLst/>
@@ -5852,17 +6205,60 @@
           </a:bodyPr>
           <a:lstStyle/>
           <a:p>
+            <a:pPr marL="342900" indent="-342900">
+              <a:buFont typeface="Arial"/>
+              <a:buChar char="•"/>
+            </a:pPr>
+            <a:r>
+              <a:rPr lang="en-US" sz="2000" dirty="0" smtClean="0"/>
+              <a:t>Bidirectional navigation</a:t>
+            </a:r>
+          </a:p>
+          <a:p>
+            <a:pPr marL="742950" lvl="1" indent="-285750">
+              <a:buFont typeface="Arial"/>
+              <a:buChar char="•"/>
+            </a:pPr>
+            <a:r>
+              <a:rPr lang="en-US" dirty="0" smtClean="0"/>
+              <a:t>Nodes list their interfaces, but interfaces don’t specify their node.  Fix all such instances of this.</a:t>
+            </a:r>
+          </a:p>
+          <a:p>
+            <a:pPr marL="742950" lvl="1" indent="-285750">
+              <a:buFont typeface="Arial"/>
+              <a:buChar char="•"/>
+            </a:pPr>
+            <a:r>
+              <a:rPr lang="en-US" dirty="0" smtClean="0"/>
+              <a:t>Allows lightweight navigation of the monitoring data without needing to collect and store all of the data first</a:t>
+            </a:r>
+          </a:p>
+          <a:p>
+            <a:pPr marL="742950" lvl="1" indent="-285750">
+              <a:buFont typeface="Arial"/>
+              <a:buChar char="•"/>
+            </a:pPr>
+            <a:r>
+              <a:rPr lang="en-US" dirty="0" smtClean="0"/>
+              <a:t>This is a sweeping change that dwarfs any of the other JSON schema changes that have been discussed</a:t>
+            </a:r>
+          </a:p>
+          <a:p>
+            <a:pPr marL="742950" lvl="1" indent="-285750">
+              <a:buFont typeface="Arial"/>
+              <a:buChar char="•"/>
+            </a:pPr>
+            <a:endParaRPr lang="en-US" sz="2000" dirty="0" smtClean="0"/>
+          </a:p>
+          <a:p>
             <a:pPr marL="285750" indent="-285750">
               <a:buFont typeface="Arial"/>
               <a:buChar char="•"/>
             </a:pPr>
             <a:r>
-              <a:rPr lang="en-US" sz="2800" dirty="0" err="1" smtClean="0"/>
-              <a:t>OpenFlow</a:t>
-            </a:r>
-            <a:r>
-              <a:rPr lang="en-US" sz="2800" dirty="0" smtClean="0"/>
-              <a:t> support</a:t>
+              <a:rPr lang="en-US" sz="2000" dirty="0" smtClean="0"/>
+              <a:t>Wildcard for event types in data queries</a:t>
             </a:r>
           </a:p>
           <a:p>
@@ -5871,52 +6267,16 @@
               <a:buChar char="•"/>
             </a:pPr>
             <a:r>
-              <a:rPr lang="en-US" sz="2000" dirty="0">
-                <a:solidFill>
-                  <a:srgbClr val="080808"/>
-                </a:solidFill>
-              </a:rPr>
-              <a:t>New </a:t>
-            </a:r>
-            <a:r>
-              <a:rPr lang="en-US" sz="2000" dirty="0" err="1">
-                <a:solidFill>
-                  <a:srgbClr val="080808"/>
-                </a:solidFill>
-              </a:rPr>
-              <a:t>flowspace</a:t>
-            </a:r>
-            <a:r>
-              <a:rPr lang="en-US" sz="2000" dirty="0">
-                <a:solidFill>
-                  <a:srgbClr val="080808"/>
-                </a:solidFill>
-              </a:rPr>
-              <a:t> resource type?  What’s in a </a:t>
-            </a:r>
-            <a:r>
-              <a:rPr lang="en-US" sz="2000" dirty="0" err="1">
-                <a:solidFill>
-                  <a:srgbClr val="080808"/>
-                </a:solidFill>
-              </a:rPr>
-              <a:t>flowspace</a:t>
-            </a:r>
-            <a:r>
-              <a:rPr lang="en-US" sz="2000" dirty="0">
-                <a:solidFill>
-                  <a:srgbClr val="080808"/>
-                </a:solidFill>
-              </a:rPr>
-              <a:t> resource</a:t>
-            </a:r>
-            <a:r>
-              <a:rPr lang="en-US" sz="2000" dirty="0" smtClean="0">
-                <a:solidFill>
-                  <a:srgbClr val="080808"/>
-                </a:solidFill>
-              </a:rPr>
-              <a:t>?</a:t>
+              <a:rPr lang="en-US" dirty="0" smtClean="0"/>
+              <a:t>Objects can already be </a:t>
+            </a:r>
+            <a:r>
+              <a:rPr lang="en-US" dirty="0" err="1" smtClean="0"/>
+              <a:t>wildcarded</a:t>
+            </a:r>
+            <a:r>
+              <a:rPr lang="en-US" dirty="0" smtClean="0"/>
+              <a:t>, so this completes the feature</a:t>
             </a:r>
           </a:p>
           <a:p>
@@ -5925,16 +6285,23 @@
               <a:buChar char="•"/>
             </a:pPr>
             <a:r>
-              <a:rPr lang="en-US" sz="2000" dirty="0" smtClean="0">
-                <a:solidFill>
-                  <a:srgbClr val="080808"/>
-                </a:solidFill>
-              </a:rPr>
-              <a:t>Adding this is a certainty, not just a possibility</a:t>
-            </a:r>
-          </a:p>
-          <a:p>
-            <a:pPr lvl="1"/>
+              <a:rPr lang="en-US" dirty="0" smtClean="0"/>
+              <a:t>Gotchas with </a:t>
+            </a:r>
+            <a:r>
+              <a:rPr lang="en-US" dirty="0" err="1" smtClean="0"/>
+              <a:t>datastores</a:t>
+            </a:r>
+            <a:r>
+              <a:rPr lang="en-US" dirty="0" smtClean="0"/>
+              <a:t> supporting multiple aggregates</a:t>
+            </a:r>
+          </a:p>
+          <a:p>
+            <a:pPr marL="742950" lvl="1" indent="-285750">
+              <a:buFont typeface="Arial"/>
+              <a:buChar char="•"/>
+            </a:pPr>
             <a:endParaRPr lang="en-US" dirty="0" smtClean="0"/>
           </a:p>
           <a:p>
@@ -5943,8 +6310,8 @@
               <a:buChar char="•"/>
             </a:pPr>
             <a:r>
-              <a:rPr lang="en-US" sz="2800" dirty="0" smtClean="0"/>
-              <a:t>Flexible install location</a:t>
+              <a:rPr lang="en-US" sz="2000" dirty="0" smtClean="0"/>
+              <a:t>Objects could specify what measurements they support</a:t>
             </a:r>
           </a:p>
           <a:p>
@@ -5953,43 +6320,16 @@
               <a:buChar char="•"/>
             </a:pPr>
             <a:r>
-              <a:rPr lang="en-US" sz="2000" dirty="0" smtClean="0"/>
-              <a:t>instead of requiring /</a:t>
-            </a:r>
-            <a:r>
-              <a:rPr lang="en-US" sz="2000" dirty="0" err="1" smtClean="0"/>
-              <a:t>usr</a:t>
-            </a:r>
-            <a:r>
-              <a:rPr lang="en-US" sz="2000" dirty="0" smtClean="0"/>
-              <a:t>/local/ops-monitoring</a:t>
-            </a:r>
-            <a:r>
-              <a:rPr lang="en-US" sz="2800" dirty="0" smtClean="0">
-                <a:solidFill>
-                  <a:srgbClr val="080808"/>
-                </a:solidFill>
-              </a:rPr>
-              <a:t>		</a:t>
-            </a:r>
-            <a:endParaRPr lang="en-US" sz="2000" dirty="0" smtClean="0">
-              <a:solidFill>
-                <a:srgbClr val="080808"/>
-              </a:solidFill>
-              <a:latin typeface="+mn-lt"/>
-            </a:endParaRPr>
+              <a:rPr lang="en-US" dirty="0" smtClean="0"/>
+              <a:t>Would make querying data more straightforward</a:t>
+            </a:r>
           </a:p>
           <a:p>
             <a:pPr marL="742950" lvl="1" indent="-285750">
               <a:buFont typeface="Arial"/>
               <a:buChar char="•"/>
             </a:pPr>
-            <a:endParaRPr lang="en-US" sz="2000" dirty="0">
-              <a:solidFill>
-                <a:srgbClr val="080808"/>
-              </a:solidFill>
-              <a:latin typeface="+mn-lt"/>
-            </a:endParaRPr>
+            <a:endParaRPr lang="en-US" sz="2000" dirty="0" smtClean="0"/>
           </a:p>
           <a:p>
             <a:pPr marL="285750" indent="-285750">
@@ -5997,48 +6337,44 @@
               <a:buChar char="•"/>
             </a:pPr>
             <a:r>
-              <a:rPr lang="en-US" sz="2800" dirty="0" smtClean="0"/>
-              <a:t>Release packaging (RPM, .deb, BSD </a:t>
-            </a:r>
-            <a:r>
-              <a:rPr lang="en-US" sz="2800" dirty="0" err="1" smtClean="0"/>
-              <a:t>pkg</a:t>
-            </a:r>
-            <a:r>
-              <a:rPr lang="en-US" sz="2800" dirty="0" smtClean="0"/>
-              <a:t>)</a:t>
-            </a:r>
-          </a:p>
-          <a:p>
-            <a:pPr marL="285750" indent="-285750">
+              <a:rPr lang="en-US" sz="2000" dirty="0" smtClean="0"/>
+              <a:t>Node schema</a:t>
+            </a:r>
+          </a:p>
+          <a:p>
+            <a:pPr marL="742950" lvl="1" indent="-285750">
               <a:buFont typeface="Arial"/>
               <a:buChar char="•"/>
             </a:pPr>
-            <a:endParaRPr lang="en-US" sz="2800" dirty="0"/>
-          </a:p>
-          <a:p>
-            <a:pPr marL="285750" indent="-285750">
+            <a:r>
+              <a:rPr lang="en-US" dirty="0" smtClean="0"/>
+              <a:t>Associate VMs with the physical machines they’re running on</a:t>
+            </a:r>
+          </a:p>
+          <a:p>
+            <a:pPr marL="742950" lvl="1" indent="-285750">
               <a:buFont typeface="Arial"/>
               <a:buChar char="•"/>
             </a:pPr>
             <a:r>
-              <a:rPr lang="en-US" sz="2800" dirty="0" smtClean="0"/>
-              <a:t>Documentation</a:t>
-            </a:r>
-          </a:p>
-          <a:p>
-            <a:pPr marL="285750" indent="-285750">
-              <a:buFont typeface="Arial"/>
-              <a:buChar char="•"/>
-            </a:pPr>
-            <a:endParaRPr lang="en-US" dirty="0" smtClean="0"/>
+              <a:rPr lang="en-US" dirty="0" smtClean="0"/>
+              <a:t>Add a </a:t>
+            </a:r>
+            <a:r>
+              <a:rPr lang="en-US" dirty="0" err="1" smtClean="0"/>
+              <a:t>baremetal</a:t>
+            </a:r>
+            <a:r>
+              <a:rPr lang="en-US" dirty="0" smtClean="0"/>
+              <a:t> node type</a:t>
+            </a:r>
           </a:p>
         </p:txBody>
       </p:sp>
     </p:spTree>
     <p:extLst>
       <p:ext uri="{BB962C8B-B14F-4D97-AF65-F5344CB8AC3E}">
-        <p14:creationId xmlns:p14="http://schemas.microsoft.com/office/powerpoint/2010/main" val="1247472464"/>
+        <p14:creationId xmlns:p14="http://schemas.microsoft.com/office/powerpoint/2010/main" val="3052068901"/>
       </p:ext>
     </p:extLst>
   </p:cSld>
@@ -6081,12 +6417,8 @@
           <a:lstStyle/>
           <a:p>
             <a:r>
-              <a:rPr lang="en-US" dirty="0"/>
-              <a:t>Discussion of existing monitoring </a:t>
-            </a:r>
-            <a:r>
               <a:rPr lang="en-US" dirty="0" smtClean="0"/>
-              <a:t>data</a:t>
+              <a:t>Possible new features</a:t>
             </a:r>
             <a:endParaRPr lang="en-US" dirty="0"/>
           </a:p>
@@ -6094,65 +6426,213 @@
       </p:sp>
       <p:sp>
         <p:nvSpPr>
-          <p:cNvPr id="3" name="Content Placeholder 2"/>
-          <p:cNvSpPr>
-            <a:spLocks noGrp="1"/>
-          </p:cNvSpPr>
-          <p:nvPr>
-            <p:ph idx="1"/>
-          </p:nvPr>
+          <p:cNvPr id="3" name="TextBox 2"/>
+          <p:cNvSpPr txBox="1"/>
+          <p:nvPr/>
         </p:nvSpPr>
-        <p:spPr/>
+        <p:spPr>
+          <a:xfrm>
+            <a:off x="609601" y="1600200"/>
+            <a:ext cx="8382000" cy="4154984"/>
+          </a:xfrm>
+          <a:prstGeom prst="rect">
+            <a:avLst/>
+          </a:prstGeom>
+          <a:noFill/>
+        </p:spPr>
         <p:txBody>
-          <a:bodyPr/>
+          <a:bodyPr wrap="square" rtlCol="0">
+            <a:spAutoFit/>
+          </a:bodyPr>
           <a:lstStyle/>
           <a:p>
-            <a:r>
-              <a:rPr lang="en-US" dirty="0" smtClean="0"/>
-              <a:t>Representation of inter-aggregate links</a:t>
-            </a:r>
-          </a:p>
-          <a:p>
+            <a:pPr marL="285750" indent="-285750">
+              <a:buFont typeface="Arial"/>
+              <a:buChar char="•"/>
+            </a:pPr>
+            <a:r>
+              <a:rPr lang="en-US" sz="2800" dirty="0" err="1" smtClean="0"/>
+              <a:t>OpenFlow</a:t>
+            </a:r>
+            <a:r>
+              <a:rPr lang="en-US" sz="2800" dirty="0" smtClean="0"/>
+              <a:t> support</a:t>
+            </a:r>
+          </a:p>
+          <a:p>
+            <a:pPr marL="742950" lvl="1" indent="-285750">
+              <a:buFont typeface="Arial"/>
+              <a:buChar char="•"/>
+            </a:pPr>
+            <a:r>
+              <a:rPr lang="en-US" sz="2000" dirty="0">
+                <a:solidFill>
+                  <a:srgbClr val="080808"/>
+                </a:solidFill>
+              </a:rPr>
+              <a:t>New </a:t>
+            </a:r>
+            <a:r>
+              <a:rPr lang="en-US" sz="2000" dirty="0" err="1">
+                <a:solidFill>
+                  <a:srgbClr val="080808"/>
+                </a:solidFill>
+              </a:rPr>
+              <a:t>flowspace</a:t>
+            </a:r>
+            <a:r>
+              <a:rPr lang="en-US" sz="2000" dirty="0">
+                <a:solidFill>
+                  <a:srgbClr val="080808"/>
+                </a:solidFill>
+              </a:rPr>
+              <a:t> resource type?  What’s in a </a:t>
+            </a:r>
+            <a:r>
+              <a:rPr lang="en-US" sz="2000" dirty="0" err="1">
+                <a:solidFill>
+                  <a:srgbClr val="080808"/>
+                </a:solidFill>
+              </a:rPr>
+              <a:t>flowspace</a:t>
+            </a:r>
+            <a:r>
+              <a:rPr lang="en-US" sz="2000" dirty="0">
+                <a:solidFill>
+                  <a:srgbClr val="080808"/>
+                </a:solidFill>
+              </a:rPr>
+              <a:t> resource</a:t>
+            </a:r>
+            <a:r>
+              <a:rPr lang="en-US" sz="2000" dirty="0" smtClean="0">
+                <a:solidFill>
+                  <a:srgbClr val="080808"/>
+                </a:solidFill>
+              </a:rPr>
+              <a:t>?</a:t>
+            </a:r>
+          </a:p>
+          <a:p>
+            <a:pPr marL="742950" lvl="1" indent="-285750">
+              <a:buFont typeface="Arial"/>
+              <a:buChar char="•"/>
+            </a:pPr>
+            <a:r>
+              <a:rPr lang="en-US" sz="2000" dirty="0" smtClean="0">
+                <a:solidFill>
+                  <a:srgbClr val="080808"/>
+                </a:solidFill>
+              </a:rPr>
+              <a:t>Adding this is a certainty, not just a possibility</a:t>
+            </a:r>
+          </a:p>
+          <a:p>
+            <a:pPr lvl="1"/>
             <a:endParaRPr lang="en-US" dirty="0" smtClean="0"/>
           </a:p>
           <a:p>
-            <a:r>
-              <a:rPr lang="en-US" dirty="0" smtClean="0"/>
-              <a:t>Providing statistics for </a:t>
-            </a:r>
-            <a:r>
-              <a:rPr lang="en-US" dirty="0" err="1" smtClean="0"/>
-              <a:t>interfacevlans</a:t>
-            </a:r>
+            <a:pPr marL="285750" indent="-285750">
+              <a:buFont typeface="Arial"/>
+              <a:buChar char="•"/>
+            </a:pPr>
+            <a:r>
+              <a:rPr lang="en-US" sz="2800" dirty="0" smtClean="0"/>
+              <a:t>Flexible install location</a:t>
+            </a:r>
+          </a:p>
+          <a:p>
+            <a:pPr marL="742950" lvl="1" indent="-285750">
+              <a:buFont typeface="Arial"/>
+              <a:buChar char="•"/>
+            </a:pPr>
+            <a:r>
+              <a:rPr lang="en-US" sz="2000" dirty="0" smtClean="0"/>
+              <a:t>instead of requiring /</a:t>
+            </a:r>
+            <a:r>
+              <a:rPr lang="en-US" sz="2000" dirty="0" err="1" smtClean="0"/>
+              <a:t>usr</a:t>
+            </a:r>
+            <a:r>
+              <a:rPr lang="en-US" sz="2000" dirty="0" smtClean="0"/>
+              <a:t>/local/ops-monitoring</a:t>
+            </a:r>
+            <a:r>
+              <a:rPr lang="en-US" sz="2800" dirty="0" smtClean="0">
+                <a:solidFill>
+                  <a:srgbClr val="080808"/>
+                </a:solidFill>
+              </a:rPr>
+              <a:t>		</a:t>
+            </a:r>
+            <a:endParaRPr lang="en-US" sz="2000" dirty="0" smtClean="0">
+              <a:solidFill>
+                <a:srgbClr val="080808"/>
+              </a:solidFill>
+              <a:latin typeface="+mn-lt"/>
+            </a:endParaRPr>
+          </a:p>
+          <a:p>
+            <a:pPr marL="742950" lvl="1" indent="-285750">
+              <a:buFont typeface="Arial"/>
+              <a:buChar char="•"/>
+            </a:pPr>
+            <a:endParaRPr lang="en-US" sz="2000" dirty="0">
+              <a:solidFill>
+                <a:srgbClr val="080808"/>
+              </a:solidFill>
+              <a:latin typeface="+mn-lt"/>
+            </a:endParaRPr>
+          </a:p>
+          <a:p>
+            <a:pPr marL="285750" indent="-285750">
+              <a:buFont typeface="Arial"/>
+              <a:buChar char="•"/>
+            </a:pPr>
+            <a:r>
+              <a:rPr lang="en-US" sz="2800" dirty="0" smtClean="0"/>
+              <a:t>Release packaging (RPM, .deb, BSD </a:t>
+            </a:r>
+            <a:r>
+              <a:rPr lang="en-US" sz="2800" dirty="0" err="1" smtClean="0"/>
+              <a:t>pkg</a:t>
+            </a:r>
+            <a:r>
+              <a:rPr lang="en-US" sz="2800" dirty="0" smtClean="0"/>
+              <a:t>)</a:t>
+            </a:r>
+          </a:p>
+          <a:p>
+            <a:pPr marL="285750" indent="-285750">
+              <a:buFont typeface="Arial"/>
+              <a:buChar char="•"/>
+            </a:pPr>
+            <a:endParaRPr lang="en-US" sz="2800" dirty="0"/>
+          </a:p>
+          <a:p>
+            <a:pPr marL="285750" indent="-285750">
+              <a:buFont typeface="Arial"/>
+              <a:buChar char="•"/>
+            </a:pPr>
+            <a:r>
+              <a:rPr lang="en-US" sz="2800" dirty="0" smtClean="0"/>
+              <a:t>Documentation</a:t>
+            </a:r>
+          </a:p>
+          <a:p>
+            <a:pPr marL="285750" indent="-285750">
+              <a:buFont typeface="Arial"/>
+              <a:buChar char="•"/>
+            </a:pPr>
             <a:endParaRPr lang="en-US" dirty="0" smtClean="0"/>
-          </a:p>
-          <a:p>
-            <a:endParaRPr lang="en-US" dirty="0" smtClean="0"/>
-          </a:p>
-          <a:p>
-            <a:r>
-              <a:rPr lang="en-US" dirty="0" smtClean="0"/>
-              <a:t>Removing stale or obsolete data from the database</a:t>
-            </a:r>
-          </a:p>
-          <a:p>
-            <a:endParaRPr lang="en-US" dirty="0"/>
-          </a:p>
-          <a:p>
-            <a:r>
-              <a:rPr lang="en-US" dirty="0" smtClean="0"/>
-              <a:t>Alerting in the presence of absent, stale, or incorrect data</a:t>
-            </a:r>
-          </a:p>
-          <a:p>
-            <a:endParaRPr lang="en-US" dirty="0"/>
           </a:p>
         </p:txBody>
       </p:sp>
     </p:spTree>
     <p:extLst>
       <p:ext uri="{BB962C8B-B14F-4D97-AF65-F5344CB8AC3E}">
-        <p14:creationId xmlns:p14="http://schemas.microsoft.com/office/powerpoint/2010/main" val="368490764"/>
+        <p14:creationId xmlns:p14="http://schemas.microsoft.com/office/powerpoint/2010/main" val="1247472464"/>
       </p:ext>
     </p:extLst>
   </p:cSld>
@@ -6218,8 +6698,44 @@
           <a:lstStyle/>
           <a:p>
             <a:r>
+              <a:rPr lang="en-US" dirty="0"/>
+              <a:t>Discussion of existing monitoring data</a:t>
+            </a:r>
+          </a:p>
+          <a:p>
+            <a:pPr lvl="1"/>
+            <a:r>
+              <a:rPr lang="en-US" dirty="0"/>
+              <a:t>Inter-aggregate links</a:t>
+            </a:r>
+          </a:p>
+          <a:p>
+            <a:pPr lvl="1"/>
+            <a:r>
+              <a:rPr lang="en-US" dirty="0"/>
+              <a:t>Stats for </a:t>
+            </a:r>
+            <a:r>
+              <a:rPr lang="en-US" dirty="0" err="1"/>
+              <a:t>interfacevlans</a:t>
+            </a:r>
+            <a:endParaRPr lang="en-US" dirty="0"/>
+          </a:p>
+          <a:p>
+            <a:pPr lvl="1"/>
+            <a:r>
+              <a:rPr lang="en-US" dirty="0"/>
+              <a:t>Alerting with messy data</a:t>
+            </a:r>
+          </a:p>
+          <a:p>
+            <a:r>
               <a:rPr lang="en-US" dirty="0" smtClean="0"/>
-              <a:t>Possible new development</a:t>
+              <a:t>Possible </a:t>
+            </a:r>
+            <a:r>
+              <a:rPr lang="en-US" dirty="0" smtClean="0"/>
+              <a:t>new development</a:t>
             </a:r>
           </a:p>
           <a:p>
@@ -6241,38 +6757,6 @@
             <a:r>
               <a:rPr lang="en-US" dirty="0" smtClean="0"/>
               <a:t>Other new features</a:t>
-            </a:r>
-          </a:p>
-          <a:p>
-            <a:r>
-              <a:rPr lang="en-US" dirty="0" smtClean="0"/>
-              <a:t>Discussion of existing monitoring data</a:t>
-            </a:r>
-          </a:p>
-          <a:p>
-            <a:pPr lvl="1"/>
-            <a:r>
-              <a:rPr lang="en-US" dirty="0" smtClean="0"/>
-              <a:t>Inter-aggregate links</a:t>
-            </a:r>
-          </a:p>
-          <a:p>
-            <a:pPr lvl="1"/>
-            <a:r>
-              <a:rPr lang="en-US" dirty="0" smtClean="0"/>
-              <a:t>Stats for </a:t>
-            </a:r>
-            <a:r>
-              <a:rPr lang="en-US" dirty="0" err="1" smtClean="0"/>
-              <a:t>interfacevlans</a:t>
-            </a:r>
-            <a:endParaRPr lang="en-US" dirty="0" smtClean="0"/>
-          </a:p>
-          <a:p>
-            <a:pPr lvl="1"/>
-            <a:r>
-              <a:rPr lang="en-US" dirty="0" smtClean="0"/>
-              <a:t>Alerting with messy data</a:t>
             </a:r>
           </a:p>
           <a:p>
@@ -6294,6 +6778,146 @@
 </file>
 
 <file path=ppt/slides/slide3.xml><?xml version="1.0" encoding="utf-8"?>
+<p:sld xmlns:a="http://schemas.openxmlformats.org/drawingml/2006/main" xmlns:r="http://schemas.openxmlformats.org/officeDocument/2006/relationships" xmlns:p="http://schemas.openxmlformats.org/presentationml/2006/main">
+  <p:cSld>
+    <p:spTree>
+      <p:nvGrpSpPr>
+        <p:cNvPr id="1" name=""/>
+        <p:cNvGrpSpPr/>
+        <p:nvPr/>
+      </p:nvGrpSpPr>
+      <p:grpSpPr>
+        <a:xfrm>
+          <a:off x="0" y="0"/>
+          <a:ext cx="0" cy="0"/>
+          <a:chOff x="0" y="0"/>
+          <a:chExt cx="0" cy="0"/>
+        </a:xfrm>
+      </p:grpSpPr>
+      <p:sp>
+        <p:nvSpPr>
+          <p:cNvPr id="2" name="Title 1"/>
+          <p:cNvSpPr>
+            <a:spLocks noGrp="1"/>
+          </p:cNvSpPr>
+          <p:nvPr>
+            <p:ph type="title"/>
+          </p:nvPr>
+        </p:nvSpPr>
+        <p:spPr/>
+        <p:txBody>
+          <a:bodyPr/>
+          <a:lstStyle/>
+          <a:p>
+            <a:r>
+              <a:rPr lang="en-US" dirty="0"/>
+              <a:t>Discussion of existing monitoring </a:t>
+            </a:r>
+            <a:r>
+              <a:rPr lang="en-US" dirty="0" smtClean="0"/>
+              <a:t>data</a:t>
+            </a:r>
+            <a:endParaRPr lang="en-US" dirty="0"/>
+          </a:p>
+        </p:txBody>
+      </p:sp>
+      <p:sp>
+        <p:nvSpPr>
+          <p:cNvPr id="3" name="Content Placeholder 2"/>
+          <p:cNvSpPr>
+            <a:spLocks noGrp="1"/>
+          </p:cNvSpPr>
+          <p:nvPr>
+            <p:ph idx="1"/>
+          </p:nvPr>
+        </p:nvSpPr>
+        <p:spPr/>
+        <p:txBody>
+          <a:bodyPr/>
+          <a:lstStyle/>
+          <a:p>
+            <a:r>
+              <a:rPr lang="en-US" dirty="0" smtClean="0"/>
+              <a:t>Completeness of the data</a:t>
+            </a:r>
+          </a:p>
+          <a:p>
+            <a:pPr lvl="1"/>
+            <a:r>
+              <a:rPr lang="en-US" dirty="0" smtClean="0"/>
+              <a:t>Need to be able to show the end-to-end path between two different racks</a:t>
+            </a:r>
+          </a:p>
+          <a:p>
+            <a:pPr lvl="1"/>
+            <a:r>
+              <a:rPr lang="en-US" dirty="0" smtClean="0"/>
+              <a:t>Attribute traffic back to users</a:t>
+            </a:r>
+            <a:endParaRPr lang="en-US" dirty="0" smtClean="0"/>
+          </a:p>
+          <a:p>
+            <a:r>
+              <a:rPr lang="en-US" dirty="0" smtClean="0"/>
+              <a:t>Representation </a:t>
+            </a:r>
+            <a:r>
+              <a:rPr lang="en-US" dirty="0" smtClean="0"/>
+              <a:t>of inter-aggregate </a:t>
+            </a:r>
+            <a:r>
+              <a:rPr lang="en-US" dirty="0" smtClean="0"/>
+              <a:t>links</a:t>
+            </a:r>
+            <a:endParaRPr lang="en-US" dirty="0" smtClean="0"/>
+          </a:p>
+          <a:p>
+            <a:r>
+              <a:rPr lang="en-US" dirty="0" smtClean="0"/>
+              <a:t>Removing stale or obsolete data from the </a:t>
+            </a:r>
+            <a:r>
+              <a:rPr lang="en-US" dirty="0" smtClean="0"/>
+              <a:t>database</a:t>
+            </a:r>
+            <a:endParaRPr lang="en-US" dirty="0"/>
+          </a:p>
+          <a:p>
+            <a:r>
+              <a:rPr lang="en-US" dirty="0" smtClean="0"/>
+              <a:t>Alerting in the presence of absent, stale, or incorrect data</a:t>
+            </a:r>
+          </a:p>
+          <a:p>
+            <a:r>
+              <a:rPr lang="en-US" dirty="0" smtClean="0"/>
+              <a:t>Providing statistics for </a:t>
+            </a:r>
+            <a:r>
+              <a:rPr lang="en-US" dirty="0" err="1" smtClean="0"/>
+              <a:t>interfacevlans</a:t>
+            </a:r>
+            <a:endParaRPr lang="en-US" dirty="0" smtClean="0"/>
+          </a:p>
+          <a:p>
+            <a:endParaRPr lang="en-US" dirty="0"/>
+          </a:p>
+        </p:txBody>
+      </p:sp>
+    </p:spTree>
+    <p:extLst>
+      <p:ext uri="{BB962C8B-B14F-4D97-AF65-F5344CB8AC3E}">
+        <p14:creationId xmlns:p14="http://schemas.microsoft.com/office/powerpoint/2010/main" val="368490764"/>
+      </p:ext>
+    </p:extLst>
+  </p:cSld>
+  <p:clrMapOvr>
+    <a:masterClrMapping/>
+  </p:clrMapOvr>
+</p:sld>
+</file>
+
+<file path=ppt/slides/slide4.xml><?xml version="1.0" encoding="utf-8"?>
 <p:sld xmlns:a="http://schemas.openxmlformats.org/drawingml/2006/main" xmlns:r="http://schemas.openxmlformats.org/officeDocument/2006/relationships" xmlns:p="http://schemas.openxmlformats.org/presentationml/2006/main">
   <p:cSld>
     <p:spTree>
@@ -6833,524 +7457,6 @@
 </p:sld>
 </file>
 
-<file path=ppt/slides/slide4.xml><?xml version="1.0" encoding="utf-8"?>
-<p:sld xmlns:a="http://schemas.openxmlformats.org/drawingml/2006/main" xmlns:r="http://schemas.openxmlformats.org/officeDocument/2006/relationships" xmlns:p="http://schemas.openxmlformats.org/presentationml/2006/main">
-  <p:cSld>
-    <p:spTree>
-      <p:nvGrpSpPr>
-        <p:cNvPr id="1" name=""/>
-        <p:cNvGrpSpPr/>
-        <p:nvPr/>
-      </p:nvGrpSpPr>
-      <p:grpSpPr>
-        <a:xfrm>
-          <a:off x="0" y="0"/>
-          <a:ext cx="0" cy="0"/>
-          <a:chOff x="0" y="0"/>
-          <a:chExt cx="0" cy="0"/>
-        </a:xfrm>
-      </p:grpSpPr>
-      <p:sp>
-        <p:nvSpPr>
-          <p:cNvPr id="2" name="Title 1"/>
-          <p:cNvSpPr>
-            <a:spLocks noGrp="1"/>
-          </p:cNvSpPr>
-          <p:nvPr>
-            <p:ph type="title"/>
-          </p:nvPr>
-        </p:nvSpPr>
-        <p:spPr/>
-        <p:txBody>
-          <a:bodyPr/>
-          <a:lstStyle/>
-          <a:p>
-            <a:r>
-              <a:rPr lang="en-US" dirty="0" smtClean="0"/>
-              <a:t>Sample JSON response to data query</a:t>
-            </a:r>
-            <a:endParaRPr lang="en-US" dirty="0"/>
-          </a:p>
-        </p:txBody>
-      </p:sp>
-      <p:sp>
-        <p:nvSpPr>
-          <p:cNvPr id="3" name="TextBox 2"/>
-          <p:cNvSpPr txBox="1"/>
-          <p:nvPr/>
-        </p:nvSpPr>
-        <p:spPr>
-          <a:xfrm>
-            <a:off x="445218" y="1219200"/>
-            <a:ext cx="8450851" cy="3600986"/>
-          </a:xfrm>
-          <a:prstGeom prst="rect">
-            <a:avLst/>
-          </a:prstGeom>
-          <a:noFill/>
-        </p:spPr>
-        <p:txBody>
-          <a:bodyPr wrap="none" rtlCol="0">
-            <a:spAutoFit/>
-          </a:bodyPr>
-          <a:lstStyle/>
-          <a:p>
-            <a:r>
-              <a:rPr lang="en-US" sz="1600" dirty="0" smtClean="0"/>
-              <a:t>[</a:t>
-            </a:r>
-          </a:p>
-          <a:p>
-            <a:r>
-              <a:rPr lang="en-US" sz="1600" dirty="0"/>
-              <a:t> </a:t>
-            </a:r>
-            <a:r>
-              <a:rPr lang="en-US" sz="1600" dirty="0" smtClean="0">
-                <a:solidFill>
-                  <a:srgbClr val="000000"/>
-                </a:solidFill>
-              </a:rPr>
-              <a:t> {</a:t>
-            </a:r>
-            <a:r>
-              <a:rPr lang="en-US" sz="1600" dirty="0">
-                <a:solidFill>
-                  <a:srgbClr val="000000"/>
-                </a:solidFill>
-              </a:rPr>
-              <a:t>"</a:t>
-            </a:r>
-            <a:r>
-              <a:rPr lang="en-US" sz="1600" dirty="0" err="1">
-                <a:solidFill>
-                  <a:srgbClr val="000000"/>
-                </a:solidFill>
-              </a:rPr>
-              <a:t>tsdata</a:t>
-            </a:r>
-            <a:r>
-              <a:rPr lang="en-US" sz="1600" dirty="0">
-                <a:solidFill>
-                  <a:srgbClr val="000000"/>
-                </a:solidFill>
-              </a:rPr>
-              <a:t>":[</a:t>
-            </a:r>
-          </a:p>
-          <a:p>
-            <a:r>
-              <a:rPr lang="en-US" sz="1600" dirty="0">
-                <a:solidFill>
-                  <a:srgbClr val="000000"/>
-                </a:solidFill>
-              </a:rPr>
-              <a:t>        {"ts":1412124480000000,"v":7917}</a:t>
-            </a:r>
-            <a:r>
-              <a:rPr lang="en-US" sz="1600" dirty="0" smtClean="0">
-                <a:solidFill>
-                  <a:srgbClr val="000000"/>
-                </a:solidFill>
-              </a:rPr>
-              <a:t>,</a:t>
-            </a:r>
-            <a:endParaRPr lang="en-US" sz="1600" dirty="0">
-              <a:solidFill>
-                <a:srgbClr val="000000"/>
-              </a:solidFill>
-            </a:endParaRPr>
-          </a:p>
-          <a:p>
-            <a:r>
-              <a:rPr lang="en-US" sz="1600" dirty="0">
-                <a:solidFill>
-                  <a:srgbClr val="000000"/>
-                </a:solidFill>
-              </a:rPr>
-              <a:t>        {"ts":1412124600000000,"v":7026},</a:t>
-            </a:r>
-          </a:p>
-          <a:p>
-            <a:r>
-              <a:rPr lang="en-US" sz="1600" dirty="0">
-                <a:solidFill>
-                  <a:srgbClr val="000000"/>
-                </a:solidFill>
-              </a:rPr>
-              <a:t>        {"ts":1412125320000000,"v":8731}],</a:t>
-            </a:r>
-          </a:p>
-          <a:p>
-            <a:r>
-              <a:rPr lang="en-US" sz="1600" dirty="0">
-                <a:solidFill>
-                  <a:srgbClr val="000000"/>
-                </a:solidFill>
-              </a:rPr>
-              <a:t>    "</a:t>
-            </a:r>
-            <a:r>
-              <a:rPr lang="en-US" sz="1600" dirty="0" err="1">
-                <a:solidFill>
-                  <a:srgbClr val="000000"/>
-                </a:solidFill>
-              </a:rPr>
-              <a:t>eventType</a:t>
-            </a:r>
-            <a:r>
-              <a:rPr lang="en-US" sz="1600" dirty="0">
-                <a:solidFill>
-                  <a:srgbClr val="000000"/>
-                </a:solidFill>
-              </a:rPr>
-              <a:t>":"</a:t>
-            </a:r>
-            <a:r>
-              <a:rPr lang="en-US" sz="1600" dirty="0" err="1" smtClean="0">
-                <a:solidFill>
-                  <a:srgbClr val="000000"/>
-                </a:solidFill>
-              </a:rPr>
-              <a:t>ops_monitoring:rx_bps</a:t>
-            </a:r>
-            <a:r>
-              <a:rPr lang="en-US" sz="1600" dirty="0" smtClean="0">
-                <a:solidFill>
-                  <a:srgbClr val="000000"/>
-                </a:solidFill>
-              </a:rPr>
-              <a:t>”,</a:t>
-            </a:r>
-            <a:endParaRPr lang="en-US" sz="1600" dirty="0">
-              <a:solidFill>
-                <a:srgbClr val="000000"/>
-              </a:solidFill>
-            </a:endParaRPr>
-          </a:p>
-          <a:p>
-            <a:r>
-              <a:rPr lang="en-US" sz="1600" dirty="0">
-                <a:solidFill>
-                  <a:srgbClr val="000000"/>
-                </a:solidFill>
-              </a:rPr>
-              <a:t>    "subject"</a:t>
-            </a:r>
-            <a:r>
-              <a:rPr lang="en-US" sz="1600" dirty="0" smtClean="0">
-                <a:solidFill>
-                  <a:srgbClr val="000000"/>
-                </a:solidFill>
-              </a:rPr>
-              <a:t>: </a:t>
-            </a:r>
-            <a:r>
-              <a:rPr lang="en-US" sz="1600" dirty="0" smtClean="0">
-                <a:solidFill>
-                  <a:srgbClr val="000000"/>
-                </a:solidFill>
-                <a:hlinkClick r:id="rId2"/>
-              </a:rPr>
-              <a:t>“https</a:t>
-            </a:r>
-            <a:r>
-              <a:rPr lang="en-US" sz="1600" dirty="0">
-                <a:solidFill>
-                  <a:srgbClr val="000000"/>
-                </a:solidFill>
-                <a:hlinkClick r:id="rId2"/>
-              </a:rPr>
-              <a:t>://gmoc-</a:t>
-            </a:r>
-            <a:r>
-              <a:rPr lang="en-US" sz="1600" dirty="0" smtClean="0">
-                <a:hlinkClick r:id="rId2"/>
-              </a:rPr>
-              <a:t>db.grnoc.iu.edu</a:t>
-            </a:r>
-            <a:r>
-              <a:rPr lang="en-US" sz="1600" dirty="0" smtClean="0">
-                <a:solidFill>
-                  <a:srgbClr val="000000"/>
-                </a:solidFill>
-                <a:hlinkClick r:id="rId2"/>
-              </a:rPr>
-              <a:t>/</a:t>
-            </a:r>
-            <a:r>
-              <a:rPr lang="en-US" sz="1600" dirty="0">
-                <a:solidFill>
-                  <a:srgbClr val="000000"/>
-                </a:solidFill>
-                <a:hlinkClick r:id="rId2"/>
-              </a:rPr>
-              <a:t>info/interface</a:t>
-            </a:r>
-            <a:r>
-              <a:rPr lang="en-US" sz="1600" dirty="0" smtClean="0">
-                <a:solidFill>
-                  <a:srgbClr val="000000"/>
-                </a:solidFill>
-                <a:hlinkClick r:id="rId2"/>
-              </a:rPr>
-              <a:t>/rtr.wash.ion.internet2</a:t>
-            </a:r>
-            <a:r>
-              <a:rPr lang="en-US" sz="1600" dirty="0">
-                <a:solidFill>
-                  <a:srgbClr val="000000"/>
-                </a:solidFill>
-                <a:hlinkClick r:id="rId2"/>
-              </a:rPr>
-              <a:t>.edu/xe-0/2/</a:t>
-            </a:r>
-            <a:r>
-              <a:rPr lang="en-US" sz="1600" dirty="0" smtClean="0">
-                <a:solidFill>
-                  <a:srgbClr val="000000"/>
-                </a:solidFill>
-                <a:hlinkClick r:id="rId2"/>
-              </a:rPr>
-              <a:t>2</a:t>
-            </a:r>
-            <a:r>
-              <a:rPr lang="en-US" sz="1600" dirty="0" smtClean="0">
-                <a:solidFill>
-                  <a:srgbClr val="000000"/>
-                </a:solidFill>
-              </a:rPr>
-              <a:t>”</a:t>
-            </a:r>
-          </a:p>
-          <a:p>
-            <a:r>
-              <a:rPr lang="en-US" sz="1600" dirty="0" smtClean="0">
-                <a:solidFill>
-                  <a:srgbClr val="000000"/>
-                </a:solidFill>
-              </a:rPr>
-              <a:t>    "</a:t>
-            </a:r>
-            <a:r>
-              <a:rPr lang="en-US" sz="1600" dirty="0">
-                <a:solidFill>
-                  <a:srgbClr val="000000"/>
-                </a:solidFill>
-              </a:rPr>
-              <a:t>id":"</a:t>
-            </a:r>
-            <a:r>
-              <a:rPr lang="en-US" sz="1600" dirty="0" smtClean="0">
-                <a:solidFill>
-                  <a:srgbClr val="000000"/>
-                </a:solidFill>
-              </a:rPr>
-              <a:t>rx_bps:rtr.wash.ion.internet2</a:t>
-            </a:r>
-            <a:r>
-              <a:rPr lang="en-US" sz="1600" dirty="0">
-                <a:solidFill>
-                  <a:srgbClr val="000000"/>
-                </a:solidFill>
-              </a:rPr>
-              <a:t>.edu:xe-0/2/2"</a:t>
-            </a:r>
-            <a:r>
-              <a:rPr lang="en-US" sz="1600" dirty="0" smtClean="0">
-                <a:solidFill>
-                  <a:srgbClr val="000000"/>
-                </a:solidFill>
-              </a:rPr>
-              <a:t>,</a:t>
-            </a:r>
-          </a:p>
-          <a:p>
-            <a:r>
-              <a:rPr lang="en-US" sz="1600" dirty="0" smtClean="0">
-                <a:solidFill>
-                  <a:srgbClr val="000000"/>
-                </a:solidFill>
-              </a:rPr>
-              <a:t>    "</a:t>
-            </a:r>
-            <a:r>
-              <a:rPr lang="en-US" sz="1600" dirty="0" err="1">
-                <a:solidFill>
-                  <a:srgbClr val="000000"/>
-                </a:solidFill>
-              </a:rPr>
-              <a:t>description":"bits</a:t>
-            </a:r>
-            <a:r>
-              <a:rPr lang="en-US" sz="1600" dirty="0">
-                <a:solidFill>
-                  <a:srgbClr val="000000"/>
-                </a:solidFill>
-              </a:rPr>
-              <a:t> per second received on this interface",</a:t>
-            </a:r>
-          </a:p>
-          <a:p>
-            <a:r>
-              <a:rPr lang="en-US" sz="1600" dirty="0">
-                <a:solidFill>
-                  <a:srgbClr val="000000"/>
-                </a:solidFill>
-              </a:rPr>
-              <a:t>    "</a:t>
-            </a:r>
-            <a:r>
-              <a:rPr lang="en-US" sz="1600" dirty="0" err="1">
-                <a:solidFill>
-                  <a:srgbClr val="000000"/>
-                </a:solidFill>
-              </a:rPr>
-              <a:t>units":"float</a:t>
-            </a:r>
-            <a:r>
-              <a:rPr lang="en-US" sz="1600" dirty="0">
-                <a:solidFill>
-                  <a:srgbClr val="000000"/>
-                </a:solidFill>
-              </a:rPr>
-              <a:t>",</a:t>
-            </a:r>
-          </a:p>
-          <a:p>
-            <a:r>
-              <a:rPr lang="en-US" sz="1600" dirty="0">
-                <a:solidFill>
-                  <a:srgbClr val="000000"/>
-                </a:solidFill>
-              </a:rPr>
-              <a:t>    "$schema"</a:t>
-            </a:r>
-            <a:r>
-              <a:rPr lang="en-US" sz="1600" dirty="0" smtClean="0">
-                <a:solidFill>
-                  <a:srgbClr val="000000"/>
-                </a:solidFill>
-              </a:rPr>
-              <a:t>: </a:t>
-            </a:r>
-            <a:r>
-              <a:rPr lang="en-US" sz="1600" dirty="0" smtClean="0">
-                <a:solidFill>
-                  <a:srgbClr val="000000"/>
-                </a:solidFill>
-                <a:hlinkClick r:id="rId3"/>
-              </a:rPr>
-              <a:t>“http:</a:t>
-            </a:r>
-            <a:r>
-              <a:rPr lang="en-US" sz="1600" dirty="0">
-                <a:solidFill>
-                  <a:srgbClr val="000000"/>
-                </a:solidFill>
-                <a:hlinkClick r:id="rId3"/>
-              </a:rPr>
-              <a:t>//www.gpolab.bbn.com/monitoring/schema/20140828/data</a:t>
-            </a:r>
-            <a:r>
-              <a:rPr lang="en-US" sz="1600" dirty="0" smtClean="0">
-                <a:solidFill>
-                  <a:srgbClr val="000000"/>
-                </a:solidFill>
-                <a:hlinkClick r:id="rId3"/>
-              </a:rPr>
-              <a:t>#</a:t>
-            </a:r>
-            <a:r>
-              <a:rPr lang="en-US" sz="1600" dirty="0" smtClean="0">
-                <a:solidFill>
-                  <a:srgbClr val="000000"/>
-                </a:solidFill>
-              </a:rPr>
-              <a:t>”</a:t>
-            </a:r>
-          </a:p>
-          <a:p>
-            <a:r>
-              <a:rPr lang="en-US" sz="1600" dirty="0" smtClean="0">
-                <a:solidFill>
-                  <a:srgbClr val="000000"/>
-                </a:solidFill>
-              </a:rPr>
-              <a:t>  },</a:t>
-            </a:r>
-          </a:p>
-          <a:p>
-            <a:r>
-              <a:rPr lang="en-US" sz="1600" dirty="0"/>
-              <a:t> </a:t>
-            </a:r>
-            <a:r>
-              <a:rPr lang="en-US" sz="1600" dirty="0" smtClean="0"/>
-              <a:t> {“</a:t>
-            </a:r>
-            <a:r>
-              <a:rPr lang="en-US" sz="1600" dirty="0" err="1" smtClean="0"/>
-              <a:t>tsdata</a:t>
-            </a:r>
-            <a:r>
-              <a:rPr lang="en-US" sz="1600" dirty="0" smtClean="0"/>
-              <a:t>”:[….] }</a:t>
-            </a:r>
-            <a:endParaRPr lang="en-US" sz="1600" dirty="0"/>
-          </a:p>
-          <a:p>
-            <a:r>
-              <a:rPr lang="en-US" sz="1600" dirty="0" smtClean="0"/>
-              <a:t>]</a:t>
-            </a:r>
-            <a:endParaRPr lang="en-US" sz="1600" dirty="0"/>
-          </a:p>
-        </p:txBody>
-      </p:sp>
-      <p:sp>
-        <p:nvSpPr>
-          <p:cNvPr id="4" name="TextBox 3"/>
-          <p:cNvSpPr txBox="1"/>
-          <p:nvPr/>
-        </p:nvSpPr>
-        <p:spPr>
-          <a:xfrm>
-            <a:off x="507434" y="5410200"/>
-            <a:ext cx="8255566" cy="646331"/>
-          </a:xfrm>
-          <a:prstGeom prst="rect">
-            <a:avLst/>
-          </a:prstGeom>
-          <a:noFill/>
-        </p:spPr>
-        <p:txBody>
-          <a:bodyPr wrap="square" rtlCol="0">
-            <a:spAutoFit/>
-          </a:bodyPr>
-          <a:lstStyle/>
-          <a:p>
-            <a:r>
-              <a:rPr lang="en-US" dirty="0" smtClean="0"/>
-              <a:t>For reference, this is what a typical response to a data query currently looks like.  We will look at some possible changes to this format in the next slides.</a:t>
-            </a:r>
-            <a:endParaRPr lang="en-US" dirty="0"/>
-          </a:p>
-        </p:txBody>
-      </p:sp>
-    </p:spTree>
-    <p:extLst>
-      <p:ext uri="{BB962C8B-B14F-4D97-AF65-F5344CB8AC3E}">
-        <p14:creationId xmlns:p14="http://schemas.microsoft.com/office/powerpoint/2010/main" val="2195550309"/>
-      </p:ext>
-    </p:extLst>
-  </p:cSld>
-  <p:clrMapOvr>
-    <a:masterClrMapping/>
-  </p:clrMapOvr>
-</p:sld>
-</file>
-
 <file path=ppt/slides/slide5.xml><?xml version="1.0" encoding="utf-8"?>
 <p:sld xmlns:a="http://schemas.openxmlformats.org/drawingml/2006/main" xmlns:r="http://schemas.openxmlformats.org/officeDocument/2006/relationships" xmlns:p="http://schemas.openxmlformats.org/presentationml/2006/main">
   <p:cSld>
@@ -7385,7 +7491,7 @@
           <a:p>
             <a:r>
               <a:rPr lang="en-US" dirty="0" smtClean="0"/>
-              <a:t>JSON data response: top-level list</a:t>
+              <a:t>Sample JSON response to data query</a:t>
             </a:r>
             <a:endParaRPr lang="en-US" dirty="0"/>
           </a:p>
@@ -7400,7 +7506,7 @@
         <p:spPr>
           <a:xfrm>
             <a:off x="445218" y="1219200"/>
-            <a:ext cx="7514497" cy="3262432"/>
+            <a:ext cx="8450851" cy="3600986"/>
           </a:xfrm>
           <a:prstGeom prst="rect">
             <a:avLst/>
@@ -7414,58 +7520,17 @@
           <a:lstStyle/>
           <a:p>
             <a:r>
-              <a:rPr lang="en-US" dirty="0" smtClean="0"/>
-              <a:t>[ </a:t>
-            </a:r>
-            <a:r>
-              <a:rPr lang="en-US" dirty="0" smtClean="0">
-                <a:solidFill>
-                  <a:srgbClr val="FF0000"/>
-                </a:solidFill>
-              </a:rPr>
-              <a:t>does </a:t>
-            </a:r>
-            <a:r>
-              <a:rPr lang="en-US" dirty="0">
-                <a:solidFill>
-                  <a:srgbClr val="FF0000"/>
-                </a:solidFill>
-              </a:rPr>
-              <a:t>not match data schema </a:t>
-            </a:r>
-            <a:r>
-              <a:rPr lang="en-US" dirty="0" smtClean="0">
-                <a:solidFill>
-                  <a:srgbClr val="FF0000"/>
-                </a:solidFill>
-              </a:rPr>
-              <a:t>(schema does </a:t>
-            </a:r>
-            <a:r>
-              <a:rPr lang="en-US" dirty="0">
-                <a:solidFill>
-                  <a:srgbClr val="FF0000"/>
-                </a:solidFill>
-              </a:rPr>
-              <a:t>not start with a list</a:t>
-            </a:r>
-            <a:r>
-              <a:rPr lang="en-US" dirty="0" smtClean="0">
-                <a:solidFill>
-                  <a:srgbClr val="FF0000"/>
-                </a:solidFill>
-              </a:rPr>
-              <a:t>)</a:t>
-            </a:r>
-            <a:endParaRPr lang="en-US" dirty="0" smtClean="0"/>
-          </a:p>
-          <a:p>
-            <a:r>
-              <a:rPr lang="en-US" dirty="0"/>
+              <a:rPr lang="en-US" sz="1600" dirty="0" smtClean="0"/>
+              <a:t>[</a:t>
+            </a:r>
+          </a:p>
+          <a:p>
+            <a:r>
+              <a:rPr lang="en-US" sz="1600" dirty="0"/>
               <a:t> </a:t>
             </a:r>
             <a:r>
-              <a:rPr lang="en-US" sz="1400" dirty="0" smtClean="0">
+              <a:rPr lang="en-US" sz="1600" dirty="0" smtClean="0">
                 <a:solidFill>
                   <a:srgbClr val="000000"/>
                 </a:solidFill>
@@ -7473,7 +7538,7 @@
               <a:t> {</a:t>
             </a:r>
             <a:r>
-              <a:rPr lang="en-US" sz="1400" dirty="0">
+              <a:rPr lang="en-US" sz="1600" dirty="0">
                 <a:solidFill>
                   <a:srgbClr val="000000"/>
                 </a:solidFill>
@@ -7481,7 +7546,7 @@
               <a:t>"</a:t>
             </a:r>
             <a:r>
-              <a:rPr lang="en-US" sz="1400" dirty="0" err="1">
+              <a:rPr lang="en-US" sz="1600" dirty="0" err="1">
                 <a:solidFill>
                   <a:srgbClr val="000000"/>
                 </a:solidFill>
@@ -7489,7 +7554,7 @@
               <a:t>tsdata</a:t>
             </a:r>
             <a:r>
-              <a:rPr lang="en-US" sz="1400" dirty="0">
+              <a:rPr lang="en-US" sz="1600" dirty="0">
                 <a:solidFill>
                   <a:srgbClr val="000000"/>
                 </a:solidFill>
@@ -7499,7 +7564,7 @@
           </a:p>
           <a:p>
             <a:r>
-              <a:rPr lang="en-US" sz="1400" dirty="0">
+              <a:rPr lang="en-US" sz="1600" dirty="0">
                 <a:solidFill>
                   <a:srgbClr val="000000"/>
                 </a:solidFill>
@@ -7507,14 +7572,14 @@
               <a:t>        {"ts":1412124480000000,"v":7917}</a:t>
             </a:r>
             <a:r>
-              <a:rPr lang="en-US" sz="1400" dirty="0" smtClean="0">
+              <a:rPr lang="en-US" sz="1600" dirty="0" smtClean="0">
                 <a:solidFill>
                   <a:srgbClr val="000000"/>
                 </a:solidFill>
               </a:rPr>
               <a:t>,</a:t>
             </a:r>
-            <a:endParaRPr lang="en-US" sz="1400" dirty="0">
+            <a:endParaRPr lang="en-US" sz="1600" dirty="0">
               <a:solidFill>
                 <a:srgbClr val="000000"/>
               </a:solidFill>
@@ -7522,7 +7587,7 @@
           </a:p>
           <a:p>
             <a:r>
-              <a:rPr lang="en-US" sz="1400" dirty="0">
+              <a:rPr lang="en-US" sz="1600" dirty="0">
                 <a:solidFill>
                   <a:srgbClr val="000000"/>
                 </a:solidFill>
@@ -7532,7 +7597,7 @@
           </a:p>
           <a:p>
             <a:r>
-              <a:rPr lang="en-US" sz="1400" dirty="0">
+              <a:rPr lang="en-US" sz="1600" dirty="0">
                 <a:solidFill>
                   <a:srgbClr val="000000"/>
                 </a:solidFill>
@@ -7542,7 +7607,7 @@
           </a:p>
           <a:p>
             <a:r>
-              <a:rPr lang="en-US" sz="1400" dirty="0">
+              <a:rPr lang="en-US" sz="1600" dirty="0">
                 <a:solidFill>
                   <a:srgbClr val="000000"/>
                 </a:solidFill>
@@ -7550,7 +7615,7 @@
               <a:t>    "</a:t>
             </a:r>
             <a:r>
-              <a:rPr lang="en-US" sz="1400" dirty="0" err="1">
+              <a:rPr lang="en-US" sz="1600" dirty="0" err="1">
                 <a:solidFill>
                   <a:srgbClr val="000000"/>
                 </a:solidFill>
@@ -7558,7 +7623,7 @@
               <a:t>eventType</a:t>
             </a:r>
             <a:r>
-              <a:rPr lang="en-US" sz="1400" dirty="0">
+              <a:rPr lang="en-US" sz="1600" dirty="0">
                 <a:solidFill>
                   <a:srgbClr val="000000"/>
                 </a:solidFill>
@@ -7566,7 +7631,7 @@
               <a:t>":"</a:t>
             </a:r>
             <a:r>
-              <a:rPr lang="en-US" sz="1400" dirty="0" err="1" smtClean="0">
+              <a:rPr lang="en-US" sz="1600" dirty="0" err="1" smtClean="0">
                 <a:solidFill>
                   <a:srgbClr val="000000"/>
                 </a:solidFill>
@@ -7574,14 +7639,14 @@
               <a:t>ops_monitoring:rx_bps</a:t>
             </a:r>
             <a:r>
-              <a:rPr lang="en-US" sz="1400" dirty="0" smtClean="0">
+              <a:rPr lang="en-US" sz="1600" dirty="0" smtClean="0">
                 <a:solidFill>
                   <a:srgbClr val="000000"/>
                 </a:solidFill>
               </a:rPr>
               <a:t>”,</a:t>
             </a:r>
-            <a:endParaRPr lang="en-US" sz="1400" dirty="0">
+            <a:endParaRPr lang="en-US" sz="1600" dirty="0">
               <a:solidFill>
                 <a:srgbClr val="000000"/>
               </a:solidFill>
@@ -7589,7 +7654,7 @@
           </a:p>
           <a:p>
             <a:r>
-              <a:rPr lang="en-US" sz="1400" dirty="0">
+              <a:rPr lang="en-US" sz="1600" dirty="0">
                 <a:solidFill>
                   <a:srgbClr val="000000"/>
                 </a:solidFill>
@@ -7597,7 +7662,7 @@
               <a:t>    "subject"</a:t>
             </a:r>
             <a:r>
-              <a:rPr lang="en-US" sz="1400" dirty="0" smtClean="0">
+              <a:rPr lang="en-US" sz="1600" dirty="0" smtClean="0">
                 <a:solidFill>
                   <a:srgbClr val="000000"/>
                 </a:solidFill>
@@ -7605,7 +7670,7 @@
               <a:t>: </a:t>
             </a:r>
             <a:r>
-              <a:rPr lang="en-US" sz="1400" dirty="0" smtClean="0">
+              <a:rPr lang="en-US" sz="1600" dirty="0" smtClean="0">
                 <a:solidFill>
                   <a:srgbClr val="000000"/>
                 </a:solidFill>
@@ -7614,7 +7679,7 @@
               <a:t>“https</a:t>
             </a:r>
             <a:r>
-              <a:rPr lang="en-US" sz="1400" dirty="0">
+              <a:rPr lang="en-US" sz="1600" dirty="0">
                 <a:solidFill>
                   <a:srgbClr val="000000"/>
                 </a:solidFill>
@@ -7623,13 +7688,13 @@
               <a:t>://gmoc-</a:t>
             </a:r>
             <a:r>
-              <a:rPr lang="en-US" sz="1400" dirty="0" smtClean="0">
+              <a:rPr lang="en-US" sz="1600" dirty="0" smtClean="0">
                 <a:hlinkClick r:id="rId2"/>
               </a:rPr>
               <a:t>db.grnoc.iu.edu</a:t>
             </a:r>
             <a:r>
-              <a:rPr lang="en-US" sz="1400" dirty="0" smtClean="0">
+              <a:rPr lang="en-US" sz="1600" dirty="0" smtClean="0">
                 <a:solidFill>
                   <a:srgbClr val="000000"/>
                 </a:solidFill>
@@ -7638,7 +7703,7 @@
               <a:t>/</a:t>
             </a:r>
             <a:r>
-              <a:rPr lang="en-US" sz="1400" dirty="0">
+              <a:rPr lang="en-US" sz="1600" dirty="0">
                 <a:solidFill>
                   <a:srgbClr val="000000"/>
                 </a:solidFill>
@@ -7647,52 +7712,34 @@
               <a:t>info/interface</a:t>
             </a:r>
             <a:r>
-              <a:rPr lang="en-US" sz="1400" dirty="0" smtClean="0">
+              <a:rPr lang="en-US" sz="1600" dirty="0" smtClean="0">
                 <a:solidFill>
                   <a:srgbClr val="000000"/>
                 </a:solidFill>
                 <a:hlinkClick r:id="rId2"/>
               </a:rPr>
-              <a:t>/</a:t>
-            </a:r>
-            <a:r>
-              <a:rPr lang="en-US" sz="1400" dirty="0">
+              <a:t>/rtr.wash.ion.internet2</a:t>
+            </a:r>
+            <a:r>
+              <a:rPr lang="en-US" sz="1600" dirty="0">
                 <a:solidFill>
                   <a:srgbClr val="000000"/>
                 </a:solidFill>
                 <a:hlinkClick r:id="rId2"/>
               </a:rPr>
-              <a:t>rtr.wash.</a:t>
-            </a:r>
-            <a:r>
-              <a:rPr lang="en-US" sz="1400" dirty="0" smtClean="0">
+              <a:t>.edu/xe-0/2/</a:t>
+            </a:r>
+            <a:r>
+              <a:rPr lang="en-US" sz="1600" dirty="0" smtClean="0">
                 <a:solidFill>
                   <a:srgbClr val="000000"/>
                 </a:solidFill>
                 <a:hlinkClick r:id="rId2"/>
               </a:rPr>
-              <a:t>ion.internet2</a:t>
-            </a:r>
-            <a:r>
-              <a:rPr lang="en-US" sz="1400" dirty="0">
-                <a:solidFill>
-                  <a:srgbClr val="000000"/>
-                </a:solidFill>
-                <a:hlinkClick r:id="rId2"/>
-              </a:rPr>
-              <a:t>.edu/xe-0/2/</a:t>
-            </a:r>
-            <a:r>
-              <a:rPr lang="en-US" sz="1400" dirty="0" smtClean="0">
-                <a:solidFill>
-                  <a:srgbClr val="000000"/>
-                </a:solidFill>
-                <a:hlinkClick r:id="rId2"/>
-              </a:rPr>
               <a:t>2</a:t>
             </a:r>
             <a:r>
-              <a:rPr lang="en-US" sz="1400" dirty="0" smtClean="0">
+              <a:rPr lang="en-US" sz="1600" dirty="0" smtClean="0">
                 <a:solidFill>
                   <a:srgbClr val="000000"/>
                 </a:solidFill>
@@ -7702,7 +7749,7 @@
           </a:p>
           <a:p>
             <a:r>
-              <a:rPr lang="en-US" sz="1400" dirty="0" smtClean="0">
+              <a:rPr lang="en-US" sz="1600" dirty="0" smtClean="0">
                 <a:solidFill>
                   <a:srgbClr val="000000"/>
                 </a:solidFill>
@@ -7710,7 +7757,7 @@
               <a:t>    "</a:t>
             </a:r>
             <a:r>
-              <a:rPr lang="en-US" sz="1400" dirty="0">
+              <a:rPr lang="en-US" sz="1600" dirty="0">
                 <a:solidFill>
                   <a:srgbClr val="000000"/>
                 </a:solidFill>
@@ -7718,7 +7765,7 @@
               <a:t>id":"</a:t>
             </a:r>
             <a:r>
-              <a:rPr lang="en-US" sz="1400" dirty="0" smtClean="0">
+              <a:rPr lang="en-US" sz="1600" dirty="0" smtClean="0">
                 <a:solidFill>
                   <a:srgbClr val="000000"/>
                 </a:solidFill>
@@ -7726,7 +7773,7 @@
               <a:t>rx_bps:rtr.wash.ion.internet2</a:t>
             </a:r>
             <a:r>
-              <a:rPr lang="en-US" sz="1400" dirty="0">
+              <a:rPr lang="en-US" sz="1600" dirty="0">
                 <a:solidFill>
                   <a:srgbClr val="000000"/>
                 </a:solidFill>
@@ -7734,7 +7781,7 @@
               <a:t>.edu:xe-0/2/2"</a:t>
             </a:r>
             <a:r>
-              <a:rPr lang="en-US" sz="1400" dirty="0" smtClean="0">
+              <a:rPr lang="en-US" sz="1600" dirty="0" smtClean="0">
                 <a:solidFill>
                   <a:srgbClr val="000000"/>
                 </a:solidFill>
@@ -7744,7 +7791,7 @@
           </a:p>
           <a:p>
             <a:r>
-              <a:rPr lang="en-US" sz="1400" dirty="0" smtClean="0">
+              <a:rPr lang="en-US" sz="1600" dirty="0" smtClean="0">
                 <a:solidFill>
                   <a:srgbClr val="000000"/>
                 </a:solidFill>
@@ -7752,7 +7799,7 @@
               <a:t>    "</a:t>
             </a:r>
             <a:r>
-              <a:rPr lang="en-US" sz="1400" dirty="0" err="1">
+              <a:rPr lang="en-US" sz="1600" dirty="0" err="1">
                 <a:solidFill>
                   <a:srgbClr val="000000"/>
                 </a:solidFill>
@@ -7760,7 +7807,7 @@
               <a:t>description":"bits</a:t>
             </a:r>
             <a:r>
-              <a:rPr lang="en-US" sz="1400" dirty="0">
+              <a:rPr lang="en-US" sz="1600" dirty="0">
                 <a:solidFill>
                   <a:srgbClr val="000000"/>
                 </a:solidFill>
@@ -7770,7 +7817,7 @@
           </a:p>
           <a:p>
             <a:r>
-              <a:rPr lang="en-US" sz="1400" dirty="0">
+              <a:rPr lang="en-US" sz="1600" dirty="0">
                 <a:solidFill>
                   <a:srgbClr val="000000"/>
                 </a:solidFill>
@@ -7778,7 +7825,7 @@
               <a:t>    "</a:t>
             </a:r>
             <a:r>
-              <a:rPr lang="en-US" sz="1400" dirty="0" err="1">
+              <a:rPr lang="en-US" sz="1600" dirty="0" err="1">
                 <a:solidFill>
                   <a:srgbClr val="000000"/>
                 </a:solidFill>
@@ -7786,7 +7833,7 @@
               <a:t>units":"float</a:t>
             </a:r>
             <a:r>
-              <a:rPr lang="en-US" sz="1400" dirty="0">
+              <a:rPr lang="en-US" sz="1600" dirty="0">
                 <a:solidFill>
                   <a:srgbClr val="000000"/>
                 </a:solidFill>
@@ -7796,7 +7843,7 @@
           </a:p>
           <a:p>
             <a:r>
-              <a:rPr lang="en-US" sz="1400" dirty="0">
+              <a:rPr lang="en-US" sz="1600" dirty="0">
                 <a:solidFill>
                   <a:srgbClr val="000000"/>
                 </a:solidFill>
@@ -7804,7 +7851,7 @@
               <a:t>    "$schema"</a:t>
             </a:r>
             <a:r>
-              <a:rPr lang="en-US" sz="1400" dirty="0" smtClean="0">
+              <a:rPr lang="en-US" sz="1600" dirty="0" smtClean="0">
                 <a:solidFill>
                   <a:srgbClr val="000000"/>
                 </a:solidFill>
@@ -7812,7 +7859,7 @@
               <a:t>: </a:t>
             </a:r>
             <a:r>
-              <a:rPr lang="en-US" sz="1400" dirty="0" smtClean="0">
+              <a:rPr lang="en-US" sz="1600" dirty="0" smtClean="0">
                 <a:solidFill>
                   <a:srgbClr val="000000"/>
                 </a:solidFill>
@@ -7821,7 +7868,7 @@
               <a:t>“http:</a:t>
             </a:r>
             <a:r>
-              <a:rPr lang="en-US" sz="1400" dirty="0">
+              <a:rPr lang="en-US" sz="1600" dirty="0">
                 <a:solidFill>
                   <a:srgbClr val="000000"/>
                 </a:solidFill>
@@ -7830,7 +7877,7 @@
               <a:t>//www.gpolab.bbn.com/monitoring/schema/20140828/data</a:t>
             </a:r>
             <a:r>
-              <a:rPr lang="en-US" sz="1400" dirty="0" smtClean="0">
+              <a:rPr lang="en-US" sz="1600" dirty="0" smtClean="0">
                 <a:solidFill>
                   <a:srgbClr val="000000"/>
                 </a:solidFill>
@@ -7839,7 +7886,7 @@
               <a:t>#</a:t>
             </a:r>
             <a:r>
-              <a:rPr lang="en-US" sz="1400" dirty="0" smtClean="0">
+              <a:rPr lang="en-US" sz="1600" dirty="0" smtClean="0">
                 <a:solidFill>
                   <a:srgbClr val="000000"/>
                 </a:solidFill>
@@ -7849,7 +7896,7 @@
           </a:p>
           <a:p>
             <a:r>
-              <a:rPr lang="en-US" sz="1400" dirty="0" smtClean="0">
+              <a:rPr lang="en-US" sz="1600" dirty="0" smtClean="0">
                 <a:solidFill>
                   <a:srgbClr val="000000"/>
                 </a:solidFill>
@@ -7859,29 +7906,29 @@
           </a:p>
           <a:p>
             <a:r>
-              <a:rPr lang="en-US" sz="1400" dirty="0"/>
+              <a:rPr lang="en-US" sz="1600" dirty="0"/>
               <a:t> </a:t>
             </a:r>
             <a:r>
-              <a:rPr lang="en-US" sz="1400" dirty="0" smtClean="0"/>
+              <a:rPr lang="en-US" sz="1600" dirty="0" smtClean="0"/>
               <a:t> {“</a:t>
             </a:r>
             <a:r>
-              <a:rPr lang="en-US" sz="1400" dirty="0" err="1" smtClean="0"/>
+              <a:rPr lang="en-US" sz="1600" dirty="0" err="1" smtClean="0"/>
               <a:t>tsdata</a:t>
             </a:r>
             <a:r>
-              <a:rPr lang="en-US" sz="1400" dirty="0" smtClean="0"/>
+              <a:rPr lang="en-US" sz="1600" dirty="0" smtClean="0"/>
               <a:t>”:[….] }</a:t>
             </a:r>
-            <a:endParaRPr lang="en-US" sz="1400" dirty="0"/>
-          </a:p>
-          <a:p>
-            <a:r>
-              <a:rPr lang="en-US" sz="1400" dirty="0" smtClean="0"/>
+            <a:endParaRPr lang="en-US" sz="1600" dirty="0"/>
+          </a:p>
+          <a:p>
+            <a:r>
+              <a:rPr lang="en-US" sz="1600" dirty="0" smtClean="0"/>
               <a:t>]</a:t>
             </a:r>
-            <a:endParaRPr lang="en-US" sz="1400" dirty="0"/>
+            <a:endParaRPr lang="en-US" sz="1600" dirty="0"/>
           </a:p>
         </p:txBody>
       </p:sp>
@@ -7893,8 +7940,8 @@
         </p:nvSpPr>
         <p:spPr>
           <a:xfrm>
-            <a:off x="495300" y="4514671"/>
-            <a:ext cx="8153400" cy="1200329"/>
+            <a:off x="507434" y="5410200"/>
+            <a:ext cx="8255566" cy="646331"/>
           </a:xfrm>
           <a:prstGeom prst="rect">
             <a:avLst/>
@@ -7909,7 +7956,7 @@
           <a:p>
             <a:r>
               <a:rPr lang="en-US" dirty="0" smtClean="0"/>
-              <a:t>Currently, the response is a list [ ] of JSON objects each of which conform to the data schema.  The response as a whole does NOT pass JSON validation.  Special-case validation code is needed for this one response.  Ideally, the entire response would pass JSON validation without special treatment.</a:t>
+              <a:t>For reference, this is what a typical response to a data query currently looks like.  We will look at some possible changes to this format in the next slides.</a:t>
             </a:r>
             <a:endParaRPr lang="en-US" dirty="0"/>
           </a:p>
@@ -7918,7 +7965,7 @@
     </p:spTree>
     <p:extLst>
       <p:ext uri="{BB962C8B-B14F-4D97-AF65-F5344CB8AC3E}">
-        <p14:creationId xmlns:p14="http://schemas.microsoft.com/office/powerpoint/2010/main" val="1342722182"/>
+        <p14:creationId xmlns:p14="http://schemas.microsoft.com/office/powerpoint/2010/main" val="2195550309"/>
       </p:ext>
     </p:extLst>
   </p:cSld>
@@ -7962,7 +8009,7 @@
           <a:p>
             <a:r>
               <a:rPr lang="en-US" dirty="0" smtClean="0"/>
-              <a:t>JSON data response: top-level list FIX</a:t>
+              <a:t>JSON data response: top-level list</a:t>
             </a:r>
             <a:endParaRPr lang="en-US" dirty="0"/>
           </a:p>
@@ -7977,7 +8024,7 @@
         <p:spPr>
           <a:xfrm>
             <a:off x="445218" y="1219200"/>
-            <a:ext cx="7614259" cy="3970318"/>
+            <a:ext cx="7514497" cy="3262432"/>
           </a:xfrm>
           <a:prstGeom prst="rect">
             <a:avLst/>
@@ -7991,18 +8038,63 @@
           <a:lstStyle/>
           <a:p>
             <a:r>
-              <a:rPr lang="en-US" sz="1400" dirty="0" smtClean="0"/>
-              <a:t>{</a:t>
-            </a:r>
-          </a:p>
-          <a:p>
-            <a:r>
-              <a:rPr lang="en-US" sz="1400" dirty="0"/>
+              <a:rPr lang="en-US" dirty="0" smtClean="0"/>
+              <a:t>[ </a:t>
+            </a:r>
+            <a:r>
+              <a:rPr lang="en-US" dirty="0" smtClean="0">
+                <a:solidFill>
+                  <a:srgbClr val="FF0000"/>
+                </a:solidFill>
+              </a:rPr>
+              <a:t>does </a:t>
+            </a:r>
+            <a:r>
+              <a:rPr lang="en-US" dirty="0">
+                <a:solidFill>
+                  <a:srgbClr val="FF0000"/>
+                </a:solidFill>
+              </a:rPr>
+              <a:t>not match data schema </a:t>
+            </a:r>
+            <a:r>
+              <a:rPr lang="en-US" dirty="0" smtClean="0">
+                <a:solidFill>
+                  <a:srgbClr val="FF0000"/>
+                </a:solidFill>
+              </a:rPr>
+              <a:t>(schema does </a:t>
+            </a:r>
+            <a:r>
+              <a:rPr lang="en-US" dirty="0">
+                <a:solidFill>
+                  <a:srgbClr val="FF0000"/>
+                </a:solidFill>
+              </a:rPr>
+              <a:t>not start with a list</a:t>
+            </a:r>
+            <a:r>
+              <a:rPr lang="en-US" dirty="0" smtClean="0">
+                <a:solidFill>
+                  <a:srgbClr val="FF0000"/>
+                </a:solidFill>
+              </a:rPr>
+              <a:t>)</a:t>
+            </a:r>
+            <a:endParaRPr lang="en-US" dirty="0" smtClean="0"/>
+          </a:p>
+          <a:p>
+            <a:r>
+              <a:rPr lang="en-US" dirty="0"/>
               <a:t> </a:t>
             </a:r>
             <a:r>
-              <a:rPr lang="en-US" sz="1400" dirty="0" smtClean="0"/>
-              <a:t> </a:t>
+              <a:rPr lang="en-US" sz="1400" dirty="0" smtClean="0">
+                <a:solidFill>
+                  <a:srgbClr val="000000"/>
+                </a:solidFill>
+              </a:rPr>
+              <a:t> {</a:t>
             </a:r>
             <a:r>
               <a:rPr lang="en-US" sz="1400" dirty="0">
@@ -8013,65 +8105,38 @@
               <a:t>"</a:t>
             </a:r>
             <a:r>
-              <a:rPr lang="en-US" sz="1400" dirty="0">
-                <a:solidFill>
-                  <a:srgbClr val="FF0000"/>
-                </a:solidFill>
-              </a:rPr>
-              <a:t>$schema</a:t>
-            </a:r>
-            <a:r>
-              <a:rPr lang="en-US" sz="1400" dirty="0">
-                <a:solidFill>
-                  <a:srgbClr val="000000"/>
-                </a:solidFill>
-              </a:rPr>
-              <a:t>": </a:t>
-            </a:r>
-            <a:r>
-              <a:rPr lang="en-US" sz="1400" dirty="0" smtClean="0">
-                <a:solidFill>
-                  <a:srgbClr val="000000"/>
-                </a:solidFill>
-                <a:hlinkClick r:id="rId2"/>
-              </a:rPr>
-              <a:t>http</a:t>
-            </a:r>
-            <a:r>
-              <a:rPr lang="en-US" sz="1400" dirty="0">
-                <a:solidFill>
-                  <a:srgbClr val="000000"/>
-                </a:solidFill>
-                <a:hlinkClick r:id="rId2"/>
-              </a:rPr>
-              <a:t>://www.gpolab.bbn.com/monitoring/schema/</a:t>
-            </a:r>
-            <a:r>
-              <a:rPr lang="en-US" sz="1400" dirty="0" smtClean="0">
-                <a:solidFill>
-                  <a:srgbClr val="000000"/>
-                </a:solidFill>
-                <a:hlinkClick r:id="rId2"/>
-              </a:rPr>
-              <a:t>20141205/</a:t>
-            </a:r>
-            <a:r>
-              <a:rPr lang="en-US" sz="1400" dirty="0">
-                <a:solidFill>
-                  <a:srgbClr val="000000"/>
-                </a:solidFill>
-                <a:hlinkClick r:id="rId2"/>
-              </a:rPr>
-              <a:t>data</a:t>
-            </a:r>
-            <a:r>
-              <a:rPr lang="en-US" sz="1400" dirty="0" smtClean="0">
-                <a:solidFill>
-                  <a:srgbClr val="000000"/>
-                </a:solidFill>
-                <a:hlinkClick r:id="rId2"/>
-              </a:rPr>
-              <a:t>#</a:t>
+              <a:rPr lang="en-US" sz="1400" dirty="0" err="1">
+                <a:solidFill>
+                  <a:srgbClr val="000000"/>
+                </a:solidFill>
+              </a:rPr>
+              <a:t>tsdata</a:t>
+            </a:r>
+            <a:r>
+              <a:rPr lang="en-US" sz="1400" dirty="0">
+                <a:solidFill>
+                  <a:srgbClr val="000000"/>
+                </a:solidFill>
+              </a:rPr>
+              <a:t>":[</a:t>
+            </a:r>
+          </a:p>
+          <a:p>
+            <a:r>
+              <a:rPr lang="en-US" sz="1400" dirty="0">
+                <a:solidFill>
+                  <a:srgbClr val="000000"/>
+                </a:solidFill>
+              </a:rPr>
+              <a:t>        {"ts":1412124480000000,"v":7917}</a:t>
+            </a:r>
+            <a:r>
+              <a:rPr lang="en-US" sz="1400" dirty="0" smtClean="0">
+                <a:solidFill>
+                  <a:srgbClr val="000000"/>
+                </a:solidFill>
+              </a:rPr>
+              <a:t>,</a:t>
             </a:r>
             <a:endParaRPr lang="en-US" sz="1400" dirty="0">
               <a:solidFill>
@@ -8081,56 +8146,32 @@
           </a:p>
           <a:p>
             <a:r>
-              <a:rPr lang="en-US" sz="1400" dirty="0" smtClean="0"/>
-              <a:t>  “</a:t>
-            </a:r>
-            <a:r>
-              <a:rPr lang="en-US" sz="1400" dirty="0" smtClean="0">
-                <a:solidFill>
-                  <a:srgbClr val="FF0000"/>
-                </a:solidFill>
-              </a:rPr>
-              <a:t>measurements</a:t>
-            </a:r>
-            <a:r>
-              <a:rPr lang="en-US" sz="1400" dirty="0" smtClean="0"/>
-              <a:t>”: [</a:t>
-            </a:r>
-          </a:p>
-          <a:p>
-            <a:r>
-              <a:rPr lang="en-US" sz="1400" dirty="0">
-                <a:solidFill>
-                  <a:srgbClr val="000000"/>
-                </a:solidFill>
-              </a:rPr>
-              <a:t> </a:t>
-            </a:r>
-            <a:r>
-              <a:rPr lang="en-US" sz="1400" dirty="0" smtClean="0">
-                <a:solidFill>
-                  <a:srgbClr val="000000"/>
-                </a:solidFill>
-              </a:rPr>
-              <a:t>   {</a:t>
-            </a:r>
-          </a:p>
-          <a:p>
-            <a:r>
-              <a:rPr lang="en-US" sz="1400" dirty="0">
-                <a:solidFill>
-                  <a:srgbClr val="000000"/>
-                </a:solidFill>
-              </a:rPr>
-              <a:t> </a:t>
-            </a:r>
-            <a:r>
-              <a:rPr lang="en-US" sz="1400" dirty="0" smtClean="0">
-                <a:solidFill>
-                  <a:srgbClr val="000000"/>
-                </a:solidFill>
-              </a:rPr>
-              <a:t>     "</a:t>
+              <a:rPr lang="en-US" sz="1400" dirty="0">
+                <a:solidFill>
+                  <a:srgbClr val="000000"/>
+                </a:solidFill>
+              </a:rPr>
+              <a:t>        {"ts":1412124600000000,"v":7026},</a:t>
+            </a:r>
+          </a:p>
+          <a:p>
+            <a:r>
+              <a:rPr lang="en-US" sz="1400" dirty="0">
+                <a:solidFill>
+                  <a:srgbClr val="000000"/>
+                </a:solidFill>
+              </a:rPr>
+              <a:t>        {"ts":1412125320000000,"v":8731}],</a:t>
+            </a:r>
+          </a:p>
+          <a:p>
+            <a:r>
+              <a:rPr lang="en-US" sz="1400" dirty="0">
+                <a:solidFill>
+                  <a:srgbClr val="000000"/>
+                </a:solidFill>
+              </a:rPr>
+              <a:t>    "</a:t>
             </a:r>
             <a:r>
               <a:rPr lang="en-US" sz="1400" dirty="0" err="1">
@@ -8138,33 +8179,31 @@
                   <a:srgbClr val="000000"/>
                 </a:solidFill>
               </a:rPr>
-              <a:t>tsdata</a:t>
-            </a:r>
-            <a:r>
-              <a:rPr lang="en-US" sz="1400" dirty="0">
-                <a:solidFill>
-                  <a:srgbClr val="000000"/>
-                </a:solidFill>
-              </a:rPr>
-              <a:t>":[</a:t>
-            </a:r>
-          </a:p>
-          <a:p>
-            <a:r>
-              <a:rPr lang="en-US" sz="1400" dirty="0">
-                <a:solidFill>
-                  <a:srgbClr val="000000"/>
-                </a:solidFill>
-              </a:rPr>
-              <a:t>        {"ts":1412124480000000,"v":7917}</a:t>
-            </a:r>
-            <a:r>
-              <a:rPr lang="en-US" sz="1400" dirty="0" smtClean="0">
-                <a:solidFill>
-                  <a:srgbClr val="000000"/>
-                </a:solidFill>
-              </a:rPr>
-              <a:t>,</a:t>
+              <a:t>eventType</a:t>
+            </a:r>
+            <a:r>
+              <a:rPr lang="en-US" sz="1400" dirty="0">
+                <a:solidFill>
+                  <a:srgbClr val="000000"/>
+                </a:solidFill>
+              </a:rPr>
+              <a:t>":"</a:t>
+            </a:r>
+            <a:r>
+              <a:rPr lang="en-US" sz="1400" dirty="0" err="1" smtClean="0">
+                <a:solidFill>
+                  <a:srgbClr val="000000"/>
+                </a:solidFill>
+              </a:rPr>
+              <a:t>ops_monitoring:rx_bps</a:t>
+            </a:r>
+            <a:r>
+              <a:rPr lang="en-US" sz="1400" dirty="0" smtClean="0">
+                <a:solidFill>
+                  <a:srgbClr val="000000"/>
+                </a:solidFill>
+              </a:rPr>
+              <a:t>”,</a:t>
             </a:r>
             <a:endParaRPr lang="en-US" sz="1400" dirty="0">
               <a:solidFill>
@@ -8179,35 +8218,162 @@
                   <a:srgbClr val="000000"/>
                 </a:solidFill>
               </a:rPr>
-              <a:t>        {"ts":1412124600000000,"v":7026},</a:t>
-            </a:r>
-          </a:p>
-          <a:p>
-            <a:r>
-              <a:rPr lang="en-US" sz="1400" dirty="0">
-                <a:solidFill>
-                  <a:srgbClr val="000000"/>
-                </a:solidFill>
-              </a:rPr>
-              <a:t>        {"ts":1412125320000000,"v":8731}],</a:t>
-            </a:r>
-          </a:p>
-          <a:p>
-            <a:r>
-              <a:rPr lang="en-US" sz="1400" dirty="0">
-                <a:solidFill>
-                  <a:srgbClr val="000000"/>
-                </a:solidFill>
-              </a:rPr>
-              <a:t>    </a:t>
-            </a:r>
-            <a:r>
-              <a:rPr lang="en-US" sz="1400" dirty="0" smtClean="0">
-                <a:solidFill>
-                  <a:srgbClr val="000000"/>
-                </a:solidFill>
-              </a:rPr>
-              <a:t>  "</a:t>
+              <a:t>    "subject"</a:t>
+            </a:r>
+            <a:r>
+              <a:rPr lang="en-US" sz="1400" dirty="0" smtClean="0">
+                <a:solidFill>
+                  <a:srgbClr val="000000"/>
+                </a:solidFill>
+              </a:rPr>
+              <a:t>: </a:t>
+            </a:r>
+            <a:r>
+              <a:rPr lang="en-US" sz="1400" dirty="0" smtClean="0">
+                <a:solidFill>
+                  <a:srgbClr val="000000"/>
+                </a:solidFill>
+                <a:hlinkClick r:id="rId2"/>
+              </a:rPr>
+              <a:t>“https</a:t>
+            </a:r>
+            <a:r>
+              <a:rPr lang="en-US" sz="1400" dirty="0">
+                <a:solidFill>
+                  <a:srgbClr val="000000"/>
+                </a:solidFill>
+                <a:hlinkClick r:id="rId2"/>
+              </a:rPr>
+              <a:t>://gmoc-</a:t>
+            </a:r>
+            <a:r>
+              <a:rPr lang="en-US" sz="1400" dirty="0" smtClean="0">
+                <a:hlinkClick r:id="rId2"/>
+              </a:rPr>
+              <a:t>db.grnoc.iu.edu</a:t>
+            </a:r>
+            <a:r>
+              <a:rPr lang="en-US" sz="1400" dirty="0" smtClean="0">
+                <a:solidFill>
+                  <a:srgbClr val="000000"/>
+                </a:solidFill>
+                <a:hlinkClick r:id="rId2"/>
+              </a:rPr>
+              <a:t>/</a:t>
+            </a:r>
+            <a:r>
+              <a:rPr lang="en-US" sz="1400" dirty="0">
+                <a:solidFill>
+                  <a:srgbClr val="000000"/>
+                </a:solidFill>
+                <a:hlinkClick r:id="rId2"/>
+              </a:rPr>
+              <a:t>info/interface</a:t>
+            </a:r>
+            <a:r>
+              <a:rPr lang="en-US" sz="1400" dirty="0" smtClean="0">
+                <a:solidFill>
+                  <a:srgbClr val="000000"/>
+                </a:solidFill>
+                <a:hlinkClick r:id="rId2"/>
+              </a:rPr>
+              <a:t>/</a:t>
+            </a:r>
+            <a:r>
+              <a:rPr lang="en-US" sz="1400" dirty="0">
+                <a:solidFill>
+                  <a:srgbClr val="000000"/>
+                </a:solidFill>
+                <a:hlinkClick r:id="rId2"/>
+              </a:rPr>
+              <a:t>rtr.wash.</a:t>
+            </a:r>
+            <a:r>
+              <a:rPr lang="en-US" sz="1400" dirty="0" smtClean="0">
+                <a:solidFill>
+                  <a:srgbClr val="000000"/>
+                </a:solidFill>
+                <a:hlinkClick r:id="rId2"/>
+              </a:rPr>
+              <a:t>ion.internet2</a:t>
+            </a:r>
+            <a:r>
+              <a:rPr lang="en-US" sz="1400" dirty="0">
+                <a:solidFill>
+                  <a:srgbClr val="000000"/>
+                </a:solidFill>
+                <a:hlinkClick r:id="rId2"/>
+              </a:rPr>
+              <a:t>.edu/xe-0/2/</a:t>
+            </a:r>
+            <a:r>
+              <a:rPr lang="en-US" sz="1400" dirty="0" smtClean="0">
+                <a:solidFill>
+                  <a:srgbClr val="000000"/>
+                </a:solidFill>
+                <a:hlinkClick r:id="rId2"/>
+              </a:rPr>
+              <a:t>2</a:t>
+            </a:r>
+            <a:r>
+              <a:rPr lang="en-US" sz="1400" dirty="0" smtClean="0">
+                <a:solidFill>
+                  <a:srgbClr val="000000"/>
+                </a:solidFill>
+              </a:rPr>
+              <a:t>”</a:t>
+            </a:r>
+          </a:p>
+          <a:p>
+            <a:r>
+              <a:rPr lang="en-US" sz="1400" dirty="0" smtClean="0">
+                <a:solidFill>
+                  <a:srgbClr val="000000"/>
+                </a:solidFill>
+              </a:rPr>
+              <a:t>    "</a:t>
+            </a:r>
+            <a:r>
+              <a:rPr lang="en-US" sz="1400" dirty="0">
+                <a:solidFill>
+                  <a:srgbClr val="000000"/>
+                </a:solidFill>
+              </a:rPr>
+              <a:t>id":"</a:t>
+            </a:r>
+            <a:r>
+              <a:rPr lang="en-US" sz="1400" dirty="0" smtClean="0">
+                <a:solidFill>
+                  <a:srgbClr val="000000"/>
+                </a:solidFill>
+              </a:rPr>
+              <a:t>rx_bps:rtr.wash.ion.internet2</a:t>
+            </a:r>
+            <a:r>
+              <a:rPr lang="en-US" sz="1400" dirty="0">
+                <a:solidFill>
+                  <a:srgbClr val="000000"/>
+                </a:solidFill>
+              </a:rPr>
+              <a:t>.edu:xe-0/2/2"</a:t>
+            </a:r>
+            <a:r>
+              <a:rPr lang="en-US" sz="1400" dirty="0" smtClean="0">
+                <a:solidFill>
+                  <a:srgbClr val="000000"/>
+                </a:solidFill>
+              </a:rPr>
+              <a:t>,</a:t>
+            </a:r>
+          </a:p>
+          <a:p>
+            <a:r>
+              <a:rPr lang="en-US" sz="1400" dirty="0" smtClean="0">
+                <a:solidFill>
+                  <a:srgbClr val="000000"/>
+                </a:solidFill>
+              </a:rPr>
+              <a:t>    "</a:t>
             </a:r>
             <a:r>
               <a:rPr lang="en-US" sz="1400" dirty="0" err="1">
@@ -8215,62 +8381,51 @@
                   <a:srgbClr val="000000"/>
                 </a:solidFill>
               </a:rPr>
-              <a:t>eventType</a:t>
-            </a:r>
-            <a:r>
-              <a:rPr lang="en-US" sz="1400" dirty="0">
-                <a:solidFill>
-                  <a:srgbClr val="000000"/>
-                </a:solidFill>
-              </a:rPr>
-              <a:t>":"</a:t>
-            </a:r>
-            <a:r>
-              <a:rPr lang="en-US" sz="1400" dirty="0" err="1" smtClean="0">
-                <a:solidFill>
-                  <a:srgbClr val="000000"/>
-                </a:solidFill>
-              </a:rPr>
-              <a:t>ops_monitoring:rx_bps</a:t>
-            </a:r>
-            <a:r>
-              <a:rPr lang="en-US" sz="1400" dirty="0" smtClean="0">
-                <a:solidFill>
-                  <a:srgbClr val="000000"/>
-                </a:solidFill>
-              </a:rPr>
-              <a:t>”,</a:t>
-            </a:r>
-            <a:endParaRPr lang="en-US" sz="1400" dirty="0">
-              <a:solidFill>
-                <a:srgbClr val="000000"/>
-              </a:solidFill>
-            </a:endParaRPr>
-          </a:p>
-          <a:p>
-            <a:r>
-              <a:rPr lang="en-US" sz="1400" dirty="0">
-                <a:solidFill>
-                  <a:srgbClr val="000000"/>
-                </a:solidFill>
-              </a:rPr>
-              <a:t>    </a:t>
-            </a:r>
-            <a:r>
-              <a:rPr lang="en-US" sz="1400" dirty="0" smtClean="0">
-                <a:solidFill>
-                  <a:srgbClr val="000000"/>
-                </a:solidFill>
-              </a:rPr>
-              <a:t>  "</a:t>
-            </a:r>
-            <a:r>
-              <a:rPr lang="en-US" sz="1400" dirty="0">
-                <a:solidFill>
-                  <a:srgbClr val="000000"/>
-                </a:solidFill>
-              </a:rPr>
-              <a:t>subject"</a:t>
+              <a:t>description":"bits</a:t>
+            </a:r>
+            <a:r>
+              <a:rPr lang="en-US" sz="1400" dirty="0">
+                <a:solidFill>
+                  <a:srgbClr val="000000"/>
+                </a:solidFill>
+              </a:rPr>
+              <a:t> per second received on this interface",</a:t>
+            </a:r>
+          </a:p>
+          <a:p>
+            <a:r>
+              <a:rPr lang="en-US" sz="1400" dirty="0">
+                <a:solidFill>
+                  <a:srgbClr val="000000"/>
+                </a:solidFill>
+              </a:rPr>
+              <a:t>    "</a:t>
+            </a:r>
+            <a:r>
+              <a:rPr lang="en-US" sz="1400" dirty="0" err="1">
+                <a:solidFill>
+                  <a:srgbClr val="000000"/>
+                </a:solidFill>
+              </a:rPr>
+              <a:t>units":"float</a:t>
+            </a:r>
+            <a:r>
+              <a:rPr lang="en-US" sz="1400" dirty="0">
+                <a:solidFill>
+                  <a:srgbClr val="000000"/>
+                </a:solidFill>
+              </a:rPr>
+              <a:t>",</a:t>
+            </a:r>
+          </a:p>
+          <a:p>
+            <a:r>
+              <a:rPr lang="en-US" sz="1400" dirty="0">
+                <a:solidFill>
+                  <a:srgbClr val="000000"/>
+                </a:solidFill>
+              </a:rPr>
+              <a:t>    "$schema"</a:t>
             </a:r>
             <a:r>
               <a:rPr lang="en-US" sz="1400" dirty="0" smtClean="0">
@@ -8287,7 +8442,7 @@
                 </a:solidFill>
                 <a:hlinkClick r:id="rId3"/>
               </a:rPr>
-              <a:t>“https</a:t>
+              <a:t>“http:</a:t>
             </a:r>
             <a:r>
               <a:rPr lang="en-US" sz="1400" dirty="0">
@@ -8296,76 +8451,16 @@
                 </a:solidFill>
                 <a:hlinkClick r:id="rId3"/>
               </a:rPr>
-              <a:t>://gmoc-</a:t>
-            </a:r>
-            <a:r>
-              <a:rPr lang="en-US" sz="1400" dirty="0" smtClean="0">
+              <a:t>//www.gpolab.bbn.com/monitoring/schema/20140828/data</a:t>
+            </a:r>
+            <a:r>
+              <a:rPr lang="en-US" sz="1400" dirty="0" smtClean="0">
+                <a:solidFill>
+                  <a:srgbClr val="000000"/>
+                </a:solidFill>
                 <a:hlinkClick r:id="rId3"/>
               </a:rPr>
-              <a:t>db.grnoc.iu.edu</a:t>
-            </a:r>
-            <a:r>
-              <a:rPr lang="en-US" sz="1400" dirty="0" smtClean="0">
-                <a:solidFill>
-                  <a:srgbClr val="000000"/>
-                </a:solidFill>
-                <a:hlinkClick r:id="rId3"/>
-              </a:rPr>
-              <a:t>/</a:t>
-            </a:r>
-            <a:r>
-              <a:rPr lang="en-US" sz="1400" dirty="0">
-                <a:solidFill>
-                  <a:srgbClr val="000000"/>
-                </a:solidFill>
-                <a:hlinkClick r:id="rId3"/>
-              </a:rPr>
-              <a:t>info/interface</a:t>
-            </a:r>
-            <a:r>
-              <a:rPr lang="en-US" sz="1400" dirty="0" smtClean="0">
-                <a:solidFill>
-                  <a:srgbClr val="000000"/>
-                </a:solidFill>
-                <a:hlinkClick r:id="rId3"/>
-              </a:rPr>
-              <a:t>/</a:t>
-            </a:r>
-            <a:r>
-              <a:rPr lang="en-US" sz="1400" dirty="0">
-                <a:solidFill>
-                  <a:srgbClr val="000000"/>
-                </a:solidFill>
-                <a:hlinkClick r:id="rId3"/>
-              </a:rPr>
-              <a:t>rtr.wash.</a:t>
-            </a:r>
-            <a:r>
-              <a:rPr lang="en-US" sz="1400" dirty="0" smtClean="0">
-                <a:solidFill>
-                  <a:srgbClr val="000000"/>
-                </a:solidFill>
-                <a:hlinkClick r:id="rId3"/>
-              </a:rPr>
-              <a:t>ion.internet2</a:t>
-            </a:r>
-            <a:r>
-              <a:rPr lang="en-US" sz="1400" dirty="0">
-                <a:solidFill>
-                  <a:srgbClr val="000000"/>
-                </a:solidFill>
-                <a:hlinkClick r:id="rId3"/>
-              </a:rPr>
-              <a:t>.edu/xe-0/2/</a:t>
-            </a:r>
-            <a:r>
-              <a:rPr lang="en-US" sz="1400" dirty="0" smtClean="0">
-                <a:solidFill>
-                  <a:srgbClr val="000000"/>
-                </a:solidFill>
-                <a:hlinkClick r:id="rId3"/>
-              </a:rPr>
-              <a:t>2</a:t>
+              <a:t>#</a:t>
             </a:r>
             <a:r>
               <a:rPr lang="en-US" sz="1400" dirty="0" smtClean="0">
@@ -8383,125 +8478,7 @@
                   <a:srgbClr val="000000"/>
                 </a:solidFill>
               </a:rPr>
-              <a:t>      "</a:t>
-            </a:r>
-            <a:r>
-              <a:rPr lang="en-US" sz="1400" dirty="0">
-                <a:solidFill>
-                  <a:srgbClr val="000000"/>
-                </a:solidFill>
-              </a:rPr>
-              <a:t>id":"</a:t>
-            </a:r>
-            <a:r>
-              <a:rPr lang="en-US" sz="1400" dirty="0" smtClean="0">
-                <a:solidFill>
-                  <a:srgbClr val="000000"/>
-                </a:solidFill>
-              </a:rPr>
-              <a:t>rx_bps:rtr.wash.ion.internet2</a:t>
-            </a:r>
-            <a:r>
-              <a:rPr lang="en-US" sz="1400" dirty="0">
-                <a:solidFill>
-                  <a:srgbClr val="000000"/>
-                </a:solidFill>
-              </a:rPr>
-              <a:t>.edu:xe-0/2/2"</a:t>
-            </a:r>
-            <a:r>
-              <a:rPr lang="en-US" sz="1400" dirty="0" smtClean="0">
-                <a:solidFill>
-                  <a:srgbClr val="000000"/>
-                </a:solidFill>
-              </a:rPr>
-              <a:t>,</a:t>
-            </a:r>
-          </a:p>
-          <a:p>
-            <a:r>
-              <a:rPr lang="en-US" sz="1400" dirty="0" smtClean="0">
-                <a:solidFill>
-                  <a:srgbClr val="000000"/>
-                </a:solidFill>
-              </a:rPr>
-              <a:t>      "</a:t>
-            </a:r>
-            <a:r>
-              <a:rPr lang="en-US" sz="1400" dirty="0" err="1">
-                <a:solidFill>
-                  <a:srgbClr val="000000"/>
-                </a:solidFill>
-              </a:rPr>
-              <a:t>description":"bits</a:t>
-            </a:r>
-            <a:r>
-              <a:rPr lang="en-US" sz="1400" dirty="0">
-                <a:solidFill>
-                  <a:srgbClr val="000000"/>
-                </a:solidFill>
-              </a:rPr>
-              <a:t> per second received on this interface",</a:t>
-            </a:r>
-          </a:p>
-          <a:p>
-            <a:r>
-              <a:rPr lang="en-US" sz="1400" dirty="0">
-                <a:solidFill>
-                  <a:srgbClr val="000000"/>
-                </a:solidFill>
-              </a:rPr>
-              <a:t>    </a:t>
-            </a:r>
-            <a:r>
-              <a:rPr lang="en-US" sz="1400" dirty="0" smtClean="0">
-                <a:solidFill>
-                  <a:srgbClr val="000000"/>
-                </a:solidFill>
-              </a:rPr>
-              <a:t>  "</a:t>
-            </a:r>
-            <a:r>
-              <a:rPr lang="en-US" sz="1400" dirty="0" err="1">
-                <a:solidFill>
-                  <a:srgbClr val="000000"/>
-                </a:solidFill>
-              </a:rPr>
-              <a:t>units":"</a:t>
-            </a:r>
-            <a:r>
-              <a:rPr lang="en-US" sz="1400" dirty="0" err="1" smtClean="0">
-                <a:solidFill>
-                  <a:srgbClr val="000000"/>
-                </a:solidFill>
-              </a:rPr>
-              <a:t>float</a:t>
-            </a:r>
-            <a:r>
-              <a:rPr lang="en-US" sz="1400" dirty="0" smtClean="0">
-                <a:solidFill>
-                  <a:srgbClr val="000000"/>
-                </a:solidFill>
-              </a:rPr>
-              <a:t>”,</a:t>
-            </a:r>
-          </a:p>
-          <a:p>
-            <a:r>
-              <a:rPr lang="en-US" sz="1400" dirty="0">
-                <a:solidFill>
-                  <a:srgbClr val="000000"/>
-                </a:solidFill>
-              </a:rPr>
-              <a:t> </a:t>
-            </a:r>
-            <a:r>
-              <a:rPr lang="en-US" sz="1400" dirty="0" smtClean="0">
-                <a:solidFill>
-                  <a:srgbClr val="000000"/>
-                </a:solidFill>
-              </a:rPr>
-              <a:t>   },</a:t>
+              <a:t>  },</a:t>
             </a:r>
           </a:p>
           <a:p>
@@ -8511,7 +8488,7 @@
             </a:r>
             <a:r>
               <a:rPr lang="en-US" sz="1400" dirty="0" smtClean="0"/>
-              <a:t>   {“</a:t>
+              <a:t> {“</a:t>
             </a:r>
             <a:r>
               <a:rPr lang="en-US" sz="1400" dirty="0" err="1" smtClean="0"/>
@@ -8526,17 +8503,9 @@
           <a:p>
             <a:r>
               <a:rPr lang="en-US" sz="1400" dirty="0" smtClean="0"/>
-              <a:t>  ]</a:t>
-            </a:r>
-          </a:p>
-          <a:p>
-            <a:r>
-              <a:rPr lang="en-US" sz="1400" dirty="0" smtClean="0"/>
-              <a:t>}</a:t>
-            </a:r>
-          </a:p>
-          <a:p>
-            <a:endParaRPr lang="en-US" sz="1200" dirty="0"/>
+              <a:t>]</a:t>
+            </a:r>
+            <a:endParaRPr lang="en-US" sz="1400" dirty="0"/>
           </a:p>
         </p:txBody>
       </p:sp>
@@ -8548,8 +8517,8 @@
         </p:nvSpPr>
         <p:spPr>
           <a:xfrm>
-            <a:off x="457200" y="5105400"/>
-            <a:ext cx="8153400" cy="923330"/>
+            <a:off x="495300" y="4514671"/>
+            <a:ext cx="8153400" cy="1200329"/>
           </a:xfrm>
           <a:prstGeom prst="rect">
             <a:avLst/>
@@ -8562,33 +8531,9 @@
           </a:bodyPr>
           <a:lstStyle/>
           <a:p>
-            <a:pPr marL="285750" indent="-285750">
-              <a:buFont typeface="Arial"/>
-              <a:buChar char="•"/>
-            </a:pPr>
             <a:r>
               <a:rPr lang="en-US" dirty="0" smtClean="0"/>
-              <a:t>$schema only appears once in the entire response</a:t>
-            </a:r>
-          </a:p>
-          <a:p>
-            <a:pPr marL="285750" indent="-285750">
-              <a:buFont typeface="Arial"/>
-              <a:buChar char="•"/>
-            </a:pPr>
-            <a:r>
-              <a:rPr lang="en-US" dirty="0" smtClean="0"/>
-              <a:t>No impact on database table population</a:t>
-            </a:r>
-          </a:p>
-          <a:p>
-            <a:pPr marL="285750" indent="-285750">
-              <a:buFont typeface="Arial"/>
-              <a:buChar char="•"/>
-            </a:pPr>
-            <a:r>
-              <a:rPr lang="en-US" dirty="0" smtClean="0"/>
-              <a:t>Collectors must parse new format</a:t>
+              <a:t>Currently, the response is a list [ ] of JSON objects each of which conform to the data schema.  The response as a whole does NOT pass JSON validation.  Special-case validation code is needed for this one response.  Ideally, the entire response would pass JSON validation without special treatment.</a:t>
             </a:r>
             <a:endParaRPr lang="en-US" dirty="0"/>
           </a:p>
@@ -8597,7 +8542,7 @@
     </p:spTree>
     <p:extLst>
       <p:ext uri="{BB962C8B-B14F-4D97-AF65-F5344CB8AC3E}">
-        <p14:creationId xmlns:p14="http://schemas.microsoft.com/office/powerpoint/2010/main" val="4045835690"/>
+        <p14:creationId xmlns:p14="http://schemas.microsoft.com/office/powerpoint/2010/main" val="1342722182"/>
       </p:ext>
     </p:extLst>
   </p:cSld>
@@ -8641,7 +8586,7 @@
           <a:p>
             <a:r>
               <a:rPr lang="en-US" dirty="0" smtClean="0"/>
-              <a:t>JSON data response: timestamps</a:t>
+              <a:t>JSON data response: top-level list FIX</a:t>
             </a:r>
             <a:endParaRPr lang="en-US" dirty="0"/>
           </a:p>
@@ -8656,7 +8601,7 @@
         <p:spPr>
           <a:xfrm>
             <a:off x="445218" y="1219200"/>
-            <a:ext cx="7514497" cy="3139321"/>
+            <a:ext cx="7614259" cy="3970318"/>
           </a:xfrm>
           <a:prstGeom prst="rect">
             <a:avLst/>
@@ -8671,7 +8616,7 @@
           <a:p>
             <a:r>
               <a:rPr lang="en-US" sz="1400" dirty="0" smtClean="0"/>
-              <a:t>[</a:t>
+              <a:t>{</a:t>
             </a:r>
           </a:p>
           <a:p>
@@ -8680,12 +8625,8 @@
               <a:t> </a:t>
             </a:r>
             <a:r>
-              <a:rPr lang="en-US" sz="1400" dirty="0" smtClean="0">
-                <a:solidFill>
-                  <a:srgbClr val="000000"/>
-                </a:solidFill>
-              </a:rPr>
-              <a:t> {</a:t>
+              <a:rPr lang="en-US" sz="1400" dirty="0" smtClean="0"/>
+              <a:t> </a:t>
             </a:r>
             <a:r>
               <a:rPr lang="en-US" sz="1400" dirty="0">
@@ -8696,54 +8637,65 @@
               <a:t>"</a:t>
             </a:r>
             <a:r>
-              <a:rPr lang="en-US" sz="1400" dirty="0" err="1">
-                <a:solidFill>
-                  <a:srgbClr val="000000"/>
-                </a:solidFill>
-              </a:rPr>
-              <a:t>tsdata</a:t>
-            </a:r>
-            <a:r>
-              <a:rPr lang="en-US" sz="1400" dirty="0">
-                <a:solidFill>
-                  <a:srgbClr val="000000"/>
-                </a:solidFill>
-              </a:rPr>
-              <a:t>":[</a:t>
-            </a:r>
-          </a:p>
-          <a:p>
-            <a:r>
-              <a:rPr lang="en-US" sz="1400" dirty="0">
-                <a:solidFill>
-                  <a:srgbClr val="000000"/>
-                </a:solidFill>
-              </a:rPr>
-              <a:t>        {"ts":1412124480000</a:t>
-            </a:r>
-            <a:r>
               <a:rPr lang="en-US" sz="1400" dirty="0">
                 <a:solidFill>
                   <a:srgbClr val="FF0000"/>
                 </a:solidFill>
               </a:rPr>
-              <a:t>000</a:t>
-            </a:r>
-            <a:r>
-              <a:rPr lang="en-US" sz="1400" dirty="0">
-                <a:solidFill>
-                  <a:srgbClr val="000000"/>
-                </a:solidFill>
-              </a:rPr>
-              <a:t>,"v":7917}</a:t>
-            </a:r>
-            <a:r>
-              <a:rPr lang="en-US" sz="1400" dirty="0" smtClean="0">
-                <a:solidFill>
-                  <a:srgbClr val="000000"/>
-                </a:solidFill>
-              </a:rPr>
-              <a:t>,</a:t>
+              <a:t>$schema</a:t>
+            </a:r>
+            <a:r>
+              <a:rPr lang="en-US" sz="1400" dirty="0">
+                <a:solidFill>
+                  <a:srgbClr val="000000"/>
+                </a:solidFill>
+              </a:rPr>
+              <a:t>": </a:t>
+            </a:r>
+            <a:r>
+              <a:rPr lang="en-US" sz="1400" dirty="0" smtClean="0">
+                <a:solidFill>
+                  <a:srgbClr val="000000"/>
+                </a:solidFill>
+                <a:hlinkClick r:id="rId2"/>
+              </a:rPr>
+              <a:t>http</a:t>
+            </a:r>
+            <a:r>
+              <a:rPr lang="en-US" sz="1400" dirty="0">
+                <a:solidFill>
+                  <a:srgbClr val="000000"/>
+                </a:solidFill>
+                <a:hlinkClick r:id="rId2"/>
+              </a:rPr>
+              <a:t>://www.gpolab.bbn.com/monitoring/schema/</a:t>
+            </a:r>
+            <a:r>
+              <a:rPr lang="en-US" sz="1400" dirty="0" smtClean="0">
+                <a:solidFill>
+                  <a:srgbClr val="000000"/>
+                </a:solidFill>
+                <a:hlinkClick r:id="rId2"/>
+              </a:rPr>
+              <a:t>20141205/</a:t>
+            </a:r>
+            <a:r>
+              <a:rPr lang="en-US" sz="1400" dirty="0">
+                <a:solidFill>
+                  <a:srgbClr val="000000"/>
+                </a:solidFill>
+                <a:hlinkClick r:id="rId2"/>
+              </a:rPr>
+              <a:t>data</a:t>
+            </a:r>
+            <a:r>
+              <a:rPr lang="en-US" sz="1400" dirty="0" smtClean="0">
+                <a:solidFill>
+                  <a:srgbClr val="000000"/>
+                </a:solidFill>
+                <a:hlinkClick r:id="rId2"/>
+              </a:rPr>
+              <a:t>#</a:t>
             </a:r>
             <a:endParaRPr lang="en-US" sz="1400" dirty="0">
               <a:solidFill>
@@ -8753,64 +8705,56 @@
           </a:p>
           <a:p>
             <a:r>
-              <a:rPr lang="en-US" sz="1400" dirty="0">
-                <a:solidFill>
-                  <a:srgbClr val="000000"/>
-                </a:solidFill>
-              </a:rPr>
-              <a:t>        {"ts":1412124600000</a:t>
-            </a:r>
-            <a:r>
-              <a:rPr lang="en-US" sz="1400" dirty="0">
+              <a:rPr lang="en-US" sz="1400" dirty="0" smtClean="0"/>
+              <a:t>  “</a:t>
+            </a:r>
+            <a:r>
+              <a:rPr lang="en-US" sz="1400" dirty="0" smtClean="0">
                 <a:solidFill>
                   <a:srgbClr val="FF0000"/>
                 </a:solidFill>
               </a:rPr>
-              <a:t>000</a:t>
-            </a:r>
-            <a:r>
-              <a:rPr lang="en-US" sz="1400" dirty="0">
-                <a:solidFill>
-                  <a:srgbClr val="000000"/>
-                </a:solidFill>
-              </a:rPr>
-              <a:t>,"v":7026},</a:t>
-            </a:r>
-          </a:p>
-          <a:p>
-            <a:r>
-              <a:rPr lang="en-US" sz="1400" dirty="0">
-                <a:solidFill>
-                  <a:srgbClr val="000000"/>
-                </a:solidFill>
-              </a:rPr>
-              <a:t>        {"ts":1412125320000</a:t>
-            </a:r>
-            <a:r>
-              <a:rPr lang="en-US" sz="1400" dirty="0">
-                <a:solidFill>
-                  <a:srgbClr val="FF0000"/>
-                </a:solidFill>
-              </a:rPr>
-              <a:t>000</a:t>
-            </a:r>
-            <a:r>
-              <a:rPr lang="en-US" sz="1400" dirty="0">
-                <a:solidFill>
-                  <a:srgbClr val="000000"/>
-                </a:solidFill>
-              </a:rPr>
-              <a:t>,"v":8731}],</a:t>
-            </a:r>
-          </a:p>
-          <a:p>
-            <a:r>
-              <a:rPr lang="en-US" sz="1400" dirty="0">
-                <a:solidFill>
-                  <a:srgbClr val="000000"/>
-                </a:solidFill>
-              </a:rPr>
-              <a:t>    "</a:t>
+              <a:t>measurements</a:t>
+            </a:r>
+            <a:r>
+              <a:rPr lang="en-US" sz="1400" dirty="0" smtClean="0"/>
+              <a:t>”: [</a:t>
+            </a:r>
+          </a:p>
+          <a:p>
+            <a:r>
+              <a:rPr lang="en-US" sz="1400" dirty="0">
+                <a:solidFill>
+                  <a:srgbClr val="000000"/>
+                </a:solidFill>
+              </a:rPr>
+              <a:t> </a:t>
+            </a:r>
+            <a:r>
+              <a:rPr lang="en-US" sz="1400" dirty="0" smtClean="0">
+                <a:solidFill>
+                  <a:srgbClr val="000000"/>
+                </a:solidFill>
+              </a:rPr>
+              <a:t>   {</a:t>
+            </a:r>
+          </a:p>
+          <a:p>
+            <a:r>
+              <a:rPr lang="en-US" sz="1400" dirty="0">
+                <a:solidFill>
+                  <a:srgbClr val="000000"/>
+                </a:solidFill>
+              </a:rPr>
+              <a:t> </a:t>
+            </a:r>
+            <a:r>
+              <a:rPr lang="en-US" sz="1400" dirty="0" smtClean="0">
+                <a:solidFill>
+                  <a:srgbClr val="000000"/>
+                </a:solidFill>
+              </a:rPr>
+              <a:t>     "</a:t>
             </a:r>
             <a:r>
               <a:rPr lang="en-US" sz="1400" dirty="0" err="1">
@@ -8818,31 +8762,33 @@
                   <a:srgbClr val="000000"/>
                 </a:solidFill>
               </a:rPr>
-              <a:t>eventType</a:t>
-            </a:r>
-            <a:r>
-              <a:rPr lang="en-US" sz="1400" dirty="0">
-                <a:solidFill>
-                  <a:srgbClr val="000000"/>
-                </a:solidFill>
-              </a:rPr>
-              <a:t>":"</a:t>
-            </a:r>
-            <a:r>
-              <a:rPr lang="en-US" sz="1400" dirty="0" err="1" smtClean="0">
-                <a:solidFill>
-                  <a:srgbClr val="000000"/>
-                </a:solidFill>
-              </a:rPr>
-              <a:t>ops_monitoring:rx_bps</a:t>
-            </a:r>
-            <a:r>
-              <a:rPr lang="en-US" sz="1400" dirty="0" smtClean="0">
-                <a:solidFill>
-                  <a:srgbClr val="000000"/>
-                </a:solidFill>
-              </a:rPr>
-              <a:t>”,</a:t>
+              <a:t>tsdata</a:t>
+            </a:r>
+            <a:r>
+              <a:rPr lang="en-US" sz="1400" dirty="0">
+                <a:solidFill>
+                  <a:srgbClr val="000000"/>
+                </a:solidFill>
+              </a:rPr>
+              <a:t>":[</a:t>
+            </a:r>
+          </a:p>
+          <a:p>
+            <a:r>
+              <a:rPr lang="en-US" sz="1400" dirty="0">
+                <a:solidFill>
+                  <a:srgbClr val="000000"/>
+                </a:solidFill>
+              </a:rPr>
+              <a:t>        {"ts":1412124480000000,"v":7917}</a:t>
+            </a:r>
+            <a:r>
+              <a:rPr lang="en-US" sz="1400" dirty="0" smtClean="0">
+                <a:solidFill>
+                  <a:srgbClr val="000000"/>
+                </a:solidFill>
+              </a:rPr>
+              <a:t>,</a:t>
             </a:r>
             <a:endParaRPr lang="en-US" sz="1400" dirty="0">
               <a:solidFill>
@@ -8857,7 +8803,98 @@
                   <a:srgbClr val="000000"/>
                 </a:solidFill>
               </a:rPr>
-              <a:t>    "subject"</a:t>
+              <a:t>        {"ts":1412124600000000,"v":7026},</a:t>
+            </a:r>
+          </a:p>
+          <a:p>
+            <a:r>
+              <a:rPr lang="en-US" sz="1400" dirty="0">
+                <a:solidFill>
+                  <a:srgbClr val="000000"/>
+                </a:solidFill>
+              </a:rPr>
+              <a:t>        {"ts":1412125320000000,"v":8731}],</a:t>
+            </a:r>
+          </a:p>
+          <a:p>
+            <a:r>
+              <a:rPr lang="en-US" sz="1400" dirty="0">
+                <a:solidFill>
+                  <a:srgbClr val="000000"/>
+                </a:solidFill>
+              </a:rPr>
+              <a:t>    </a:t>
+            </a:r>
+            <a:r>
+              <a:rPr lang="en-US" sz="1400" dirty="0" smtClean="0">
+                <a:solidFill>
+                  <a:srgbClr val="000000"/>
+                </a:solidFill>
+              </a:rPr>
+              <a:t>  "</a:t>
+            </a:r>
+            <a:r>
+              <a:rPr lang="en-US" sz="1400" dirty="0" err="1">
+                <a:solidFill>
+                  <a:srgbClr val="000000"/>
+                </a:solidFill>
+              </a:rPr>
+              <a:t>eventType</a:t>
+            </a:r>
+            <a:r>
+              <a:rPr lang="en-US" sz="1400" dirty="0">
+                <a:solidFill>
+                  <a:srgbClr val="000000"/>
+                </a:solidFill>
+              </a:rPr>
+              <a:t>":"</a:t>
+            </a:r>
+            <a:r>
+              <a:rPr lang="en-US" sz="1400" dirty="0" err="1" smtClean="0">
+                <a:solidFill>
+                  <a:srgbClr val="000000"/>
+                </a:solidFill>
+              </a:rPr>
+              <a:t>ops_monitoring:rx_bps</a:t>
+            </a:r>
+            <a:r>
+              <a:rPr lang="en-US" sz="1400" dirty="0" smtClean="0">
+                <a:solidFill>
+                  <a:srgbClr val="000000"/>
+                </a:solidFill>
+              </a:rPr>
+              <a:t>”,</a:t>
+            </a:r>
+            <a:endParaRPr lang="en-US" sz="1400" dirty="0">
+              <a:solidFill>
+                <a:srgbClr val="000000"/>
+              </a:solidFill>
+            </a:endParaRPr>
+          </a:p>
+          <a:p>
+            <a:r>
+              <a:rPr lang="en-US" sz="1400" dirty="0">
+                <a:solidFill>
+                  <a:srgbClr val="000000"/>
+                </a:solidFill>
+              </a:rPr>
+              <a:t>    </a:t>
+            </a:r>
+            <a:r>
+              <a:rPr lang="en-US" sz="1400" dirty="0" smtClean="0">
+                <a:solidFill>
+                  <a:srgbClr val="000000"/>
+                </a:solidFill>
+              </a:rPr>
+              <a:t>  "</a:t>
+            </a:r>
+            <a:r>
+              <a:rPr lang="en-US" sz="1400" dirty="0">
+                <a:solidFill>
+                  <a:srgbClr val="000000"/>
+                </a:solidFill>
+              </a:rPr>
+              <a:t>subject"</a:t>
             </a:r>
             <a:r>
               <a:rPr lang="en-US" sz="1400" dirty="0" smtClean="0">
@@ -8872,7 +8909,7 @@
                 <a:solidFill>
                   <a:srgbClr val="000000"/>
                 </a:solidFill>
-                <a:hlinkClick r:id="rId2"/>
+                <a:hlinkClick r:id="rId3"/>
               </a:rPr>
               <a:t>“https</a:t>
             </a:r>
@@ -8881,13 +8918,13 @@
                 <a:solidFill>
                   <a:srgbClr val="000000"/>
                 </a:solidFill>
-                <a:hlinkClick r:id="rId2"/>
+                <a:hlinkClick r:id="rId3"/>
               </a:rPr>
               <a:t>://gmoc-</a:t>
             </a:r>
             <a:r>
               <a:rPr lang="en-US" sz="1400" dirty="0" smtClean="0">
-                <a:hlinkClick r:id="rId2"/>
+                <a:hlinkClick r:id="rId3"/>
               </a:rPr>
               <a:t>db.grnoc.iu.edu</a:t>
             </a:r>
@@ -8896,7 +8933,7 @@
                 <a:solidFill>
                   <a:srgbClr val="000000"/>
                 </a:solidFill>
-                <a:hlinkClick r:id="rId2"/>
+                <a:hlinkClick r:id="rId3"/>
               </a:rPr>
               <a:t>/</a:t>
             </a:r>
@@ -8905,7 +8942,7 @@
                 <a:solidFill>
                   <a:srgbClr val="000000"/>
                 </a:solidFill>
-                <a:hlinkClick r:id="rId2"/>
+                <a:hlinkClick r:id="rId3"/>
               </a:rPr>
               <a:t>info/interface</a:t>
             </a:r>
@@ -8914,7 +8951,7 @@
                 <a:solidFill>
                   <a:srgbClr val="000000"/>
                 </a:solidFill>
-                <a:hlinkClick r:id="rId2"/>
+                <a:hlinkClick r:id="rId3"/>
               </a:rPr>
               <a:t>/</a:t>
             </a:r>
@@ -8923,7 +8960,7 @@
                 <a:solidFill>
                   <a:srgbClr val="000000"/>
                 </a:solidFill>
-                <a:hlinkClick r:id="rId2"/>
+                <a:hlinkClick r:id="rId3"/>
               </a:rPr>
               <a:t>rtr.wash.</a:t>
             </a:r>
@@ -8932,7 +8969,7 @@
                 <a:solidFill>
                   <a:srgbClr val="000000"/>
                 </a:solidFill>
-                <a:hlinkClick r:id="rId2"/>
+                <a:hlinkClick r:id="rId3"/>
               </a:rPr>
               <a:t>ion.internet2</a:t>
             </a:r>
@@ -8941,7 +8978,7 @@
                 <a:solidFill>
                   <a:srgbClr val="000000"/>
                 </a:solidFill>
-                <a:hlinkClick r:id="rId2"/>
+                <a:hlinkClick r:id="rId3"/>
               </a:rPr>
               <a:t>.edu/xe-0/2/</a:t>
             </a:r>
@@ -8950,7 +8987,7 @@
                 <a:solidFill>
                   <a:srgbClr val="000000"/>
                 </a:solidFill>
-                <a:hlinkClick r:id="rId2"/>
+                <a:hlinkClick r:id="rId3"/>
               </a:rPr>
               <a:t>2</a:t>
             </a:r>
@@ -8970,7 +9007,7 @@
                   <a:srgbClr val="000000"/>
                 </a:solidFill>
               </a:rPr>
-              <a:t>    "</a:t>
+              <a:t>      "</a:t>
             </a:r>
             <a:r>
               <a:rPr lang="en-US" sz="1400" dirty="0">
@@ -9012,7 +9049,7 @@
                   <a:srgbClr val="000000"/>
                 </a:solidFill>
               </a:rPr>
-              <a:t>    "</a:t>
+              <a:t>      "</a:t>
             </a:r>
             <a:r>
               <a:rPr lang="en-US" sz="1400" dirty="0" err="1">
@@ -9038,7 +9075,15 @@
                   <a:srgbClr val="000000"/>
                 </a:solidFill>
               </a:rPr>
-              <a:t>    "</a:t>
+              <a:t>    </a:t>
+            </a:r>
+            <a:r>
+              <a:rPr lang="en-US" sz="1400" dirty="0" smtClean="0">
+                <a:solidFill>
+                  <a:srgbClr val="000000"/>
+                </a:solidFill>
+              </a:rPr>
+              <a:t>  "</a:t>
             </a:r>
             <a:r>
               <a:rPr lang="en-US" sz="1400" dirty="0" err="1">
@@ -9046,78 +9091,41 @@
                   <a:srgbClr val="000000"/>
                 </a:solidFill>
               </a:rPr>
-              <a:t>units":"float</a:t>
-            </a:r>
-            <a:r>
-              <a:rPr lang="en-US" sz="1400" dirty="0">
-                <a:solidFill>
-                  <a:srgbClr val="000000"/>
-                </a:solidFill>
-              </a:rPr>
-              <a:t>",</a:t>
-            </a:r>
-          </a:p>
-          <a:p>
-            <a:r>
-              <a:rPr lang="en-US" sz="1400" dirty="0">
-                <a:solidFill>
-                  <a:srgbClr val="000000"/>
-                </a:solidFill>
-              </a:rPr>
-              <a:t>    "$schema"</a:t>
-            </a:r>
-            <a:r>
-              <a:rPr lang="en-US" sz="1400" dirty="0" smtClean="0">
-                <a:solidFill>
-                  <a:srgbClr val="000000"/>
-                </a:solidFill>
-              </a:rPr>
-              <a:t>: </a:t>
-            </a:r>
-            <a:r>
-              <a:rPr lang="en-US" sz="1400" dirty="0" smtClean="0">
-                <a:solidFill>
-                  <a:srgbClr val="000000"/>
-                </a:solidFill>
-                <a:hlinkClick r:id="rId3"/>
-              </a:rPr>
-              <a:t>“http:</a:t>
-            </a:r>
-            <a:r>
-              <a:rPr lang="en-US" sz="1400" dirty="0">
-                <a:solidFill>
-                  <a:srgbClr val="000000"/>
-                </a:solidFill>
-                <a:hlinkClick r:id="rId3"/>
-              </a:rPr>
-              <a:t>//www.gpolab.bbn.com/monitoring/schema/20140828/data</a:t>
-            </a:r>
-            <a:r>
-              <a:rPr lang="en-US" sz="1400" dirty="0" smtClean="0">
-                <a:solidFill>
-                  <a:srgbClr val="000000"/>
-                </a:solidFill>
-                <a:hlinkClick r:id="rId3"/>
-              </a:rPr>
-              <a:t>#</a:t>
-            </a:r>
-            <a:r>
-              <a:rPr lang="en-US" sz="1400" dirty="0" smtClean="0">
-                <a:solidFill>
-                  <a:srgbClr val="000000"/>
-                </a:solidFill>
-              </a:rPr>
-              <a:t>”</a:t>
-            </a:r>
-          </a:p>
-          <a:p>
-            <a:r>
-              <a:rPr lang="en-US" sz="1400" dirty="0" smtClean="0">
-                <a:solidFill>
-                  <a:srgbClr val="000000"/>
-                </a:solidFill>
-              </a:rPr>
-              <a:t>  },</a:t>
+              <a:t>units":"</a:t>
+            </a:r>
+            <a:r>
+              <a:rPr lang="en-US" sz="1400" dirty="0" err="1" smtClean="0">
+                <a:solidFill>
+                  <a:srgbClr val="000000"/>
+                </a:solidFill>
+              </a:rPr>
+              <a:t>float</a:t>
+            </a:r>
+            <a:r>
+              <a:rPr lang="en-US" sz="1400" dirty="0" smtClean="0">
+                <a:solidFill>
+                  <a:srgbClr val="000000"/>
+                </a:solidFill>
+              </a:rPr>
+              <a:t>”,</a:t>
+            </a:r>
+          </a:p>
+          <a:p>
+            <a:r>
+              <a:rPr lang="en-US" sz="1400" dirty="0">
+                <a:solidFill>
+                  <a:srgbClr val="000000"/>
+                </a:solidFill>
+              </a:rPr>
+              <a:t> </a:t>
+            </a:r>
+            <a:r>
+              <a:rPr lang="en-US" sz="1400" dirty="0" smtClean="0">
+                <a:solidFill>
+                  <a:srgbClr val="000000"/>
+                </a:solidFill>
+              </a:rPr>
+              <a:t>   },</a:t>
             </a:r>
           </a:p>
           <a:p>
@@ -9127,7 +9135,7 @@
             </a:r>
             <a:r>
               <a:rPr lang="en-US" sz="1400" dirty="0" smtClean="0"/>
-              <a:t> {“</a:t>
+              <a:t>   {“</a:t>
             </a:r>
             <a:r>
               <a:rPr lang="en-US" sz="1400" dirty="0" err="1" smtClean="0"/>
@@ -9142,9 +9150,17 @@
           <a:p>
             <a:r>
               <a:rPr lang="en-US" sz="1400" dirty="0" smtClean="0"/>
-              <a:t>]</a:t>
-            </a:r>
-            <a:endParaRPr lang="en-US" sz="1400" dirty="0"/>
+              <a:t>  ]</a:t>
+            </a:r>
+          </a:p>
+          <a:p>
+            <a:r>
+              <a:rPr lang="en-US" sz="1400" dirty="0" smtClean="0"/>
+              <a:t>}</a:t>
+            </a:r>
+          </a:p>
+          <a:p>
+            <a:endParaRPr lang="en-US" sz="1200" dirty="0"/>
           </a:p>
         </p:txBody>
       </p:sp>
@@ -9156,8 +9172,8 @@
         </p:nvSpPr>
         <p:spPr>
           <a:xfrm>
-            <a:off x="533400" y="4495800"/>
-            <a:ext cx="8382000" cy="1754327"/>
+            <a:off x="457200" y="5105400"/>
+            <a:ext cx="8153400" cy="923330"/>
           </a:xfrm>
           <a:prstGeom prst="rect">
             <a:avLst/>
@@ -9176,7 +9192,7 @@
             </a:pPr>
             <a:r>
               <a:rPr lang="en-US" dirty="0" smtClean="0"/>
-              <a:t>Timestamps could probably be milliseconds instead of microseconds</a:t>
+              <a:t>$schema only appears once in the entire response</a:t>
             </a:r>
           </a:p>
           <a:p>
@@ -9185,12 +9201,8 @@
               <a:buChar char="•"/>
             </a:pPr>
             <a:r>
-              <a:rPr lang="en-US" dirty="0"/>
-              <a:t>C</a:t>
-            </a:r>
-            <a:r>
               <a:rPr lang="en-US" dirty="0" smtClean="0"/>
-              <a:t>ould reduce the response size significantly</a:t>
+              <a:t>No impact on database table population</a:t>
             </a:r>
           </a:p>
           <a:p>
@@ -9200,35 +9212,7 @@
             </a:pPr>
             <a:r>
               <a:rPr lang="en-US" dirty="0" smtClean="0"/>
-              <a:t>We would want to make this change across the entire schema for consistency</a:t>
-            </a:r>
-          </a:p>
-          <a:p>
-            <a:pPr marL="285750" indent="-285750">
-              <a:buFont typeface="Arial"/>
-              <a:buChar char="•"/>
-            </a:pPr>
-            <a:r>
-              <a:rPr lang="en-US" dirty="0" smtClean="0"/>
-              <a:t>Database </a:t>
-            </a:r>
-            <a:r>
-              <a:rPr lang="en-US" dirty="0" err="1" smtClean="0"/>
-              <a:t>populators</a:t>
-            </a:r>
-            <a:r>
-              <a:rPr lang="en-US" dirty="0" smtClean="0"/>
-              <a:t> would need to change to store milliseconds</a:t>
-            </a:r>
-          </a:p>
-          <a:p>
-            <a:pPr marL="285750" indent="-285750">
-              <a:buFont typeface="Arial"/>
-              <a:buChar char="•"/>
-            </a:pPr>
-            <a:r>
-              <a:rPr lang="en-US" dirty="0" smtClean="0"/>
-              <a:t>Collectors would have to deal with both time granularities for a while, facilitated by schema versioning</a:t>
+              <a:t>Collectors must parse new format</a:t>
             </a:r>
             <a:endParaRPr lang="en-US" dirty="0"/>
           </a:p>
@@ -9237,7 +9221,7 @@
     </p:spTree>
     <p:extLst>
       <p:ext uri="{BB962C8B-B14F-4D97-AF65-F5344CB8AC3E}">
-        <p14:creationId xmlns:p14="http://schemas.microsoft.com/office/powerpoint/2010/main" val="1064112895"/>
+        <p14:creationId xmlns:p14="http://schemas.microsoft.com/office/powerpoint/2010/main" val="4045835690"/>
       </p:ext>
     </p:extLst>
   </p:cSld>
@@ -9280,18 +9264,10 @@
           <a:lstStyle/>
           <a:p>
             <a:r>
-              <a:rPr lang="en-US" sz="2800" dirty="0" smtClean="0"/>
-              <a:t>JSON data response:  </a:t>
-            </a:r>
-            <a:r>
-              <a:rPr lang="en-US" sz="2800" dirty="0" err="1" smtClean="0"/>
-              <a:t>ops_monitoring</a:t>
-            </a:r>
-            <a:r>
-              <a:rPr lang="en-US" sz="2800" dirty="0" smtClean="0"/>
-              <a:t> prefix</a:t>
-            </a:r>
-            <a:endParaRPr lang="en-US" sz="2800" dirty="0"/>
+              <a:rPr lang="en-US" dirty="0" smtClean="0"/>
+              <a:t>JSON data response: timestamps</a:t>
+            </a:r>
+            <a:endParaRPr lang="en-US" dirty="0"/>
           </a:p>
         </p:txBody>
       </p:sp>
@@ -9367,36 +9343,88 @@
                   <a:srgbClr val="000000"/>
                 </a:solidFill>
               </a:rPr>
-              <a:t>        {"ts":</a:t>
-            </a:r>
-            <a:r>
-              <a:rPr lang="en-US" sz="1400" dirty="0"/>
-              <a:t>1412124480000000,"v":7917}</a:t>
-            </a:r>
-            <a:r>
-              <a:rPr lang="en-US" sz="1400" dirty="0" smtClean="0"/>
+              <a:t>        {"ts":1412124480000</a:t>
+            </a:r>
+            <a:r>
+              <a:rPr lang="en-US" sz="1400" dirty="0">
+                <a:solidFill>
+                  <a:srgbClr val="FF0000"/>
+                </a:solidFill>
+              </a:rPr>
+              <a:t>000</a:t>
+            </a:r>
+            <a:r>
+              <a:rPr lang="en-US" sz="1400" dirty="0">
+                <a:solidFill>
+                  <a:srgbClr val="000000"/>
+                </a:solidFill>
+              </a:rPr>
+              <a:t>,"v":7917}</a:t>
+            </a:r>
+            <a:r>
+              <a:rPr lang="en-US" sz="1400" dirty="0" smtClean="0">
+                <a:solidFill>
+                  <a:srgbClr val="000000"/>
+                </a:solidFill>
+              </a:rPr>
               <a:t>,</a:t>
             </a:r>
-            <a:endParaRPr lang="en-US" sz="1400" dirty="0"/>
-          </a:p>
-          <a:p>
-            <a:r>
-              <a:rPr lang="en-US" sz="1400" dirty="0"/>
-              <a:t>        {"ts":1412124600000000,"v":7026},</a:t>
-            </a:r>
-          </a:p>
-          <a:p>
-            <a:r>
-              <a:rPr lang="en-US" sz="1400" dirty="0"/>
-              <a:t>        {"ts":1412125320000000,"</a:t>
-            </a:r>
-            <a:r>
-              <a:rPr lang="en-US" sz="1400" dirty="0">
-                <a:solidFill>
-                  <a:srgbClr val="000000"/>
-                </a:solidFill>
-              </a:rPr>
-              <a:t>v":8731}],</a:t>
+            <a:endParaRPr lang="en-US" sz="1400" dirty="0">
+              <a:solidFill>
+                <a:srgbClr val="000000"/>
+              </a:solidFill>
+            </a:endParaRPr>
+          </a:p>
+          <a:p>
+            <a:r>
+              <a:rPr lang="en-US" sz="1400" dirty="0">
+                <a:solidFill>
+                  <a:srgbClr val="000000"/>
+                </a:solidFill>
+              </a:rPr>
+              <a:t>        {"ts":1412124600000</a:t>
+            </a:r>
+            <a:r>
+              <a:rPr lang="en-US" sz="1400" dirty="0">
+                <a:solidFill>
+                  <a:srgbClr val="FF0000"/>
+                </a:solidFill>
+              </a:rPr>
+              <a:t>000</a:t>
+            </a:r>
+            <a:r>
+              <a:rPr lang="en-US" sz="1400" dirty="0">
+                <a:solidFill>
+                  <a:srgbClr val="000000"/>
+                </a:solidFill>
+              </a:rPr>
+              <a:t>,"v":7026},</a:t>
+            </a:r>
+          </a:p>
+          <a:p>
+            <a:r>
+              <a:rPr lang="en-US" sz="1400" dirty="0">
+                <a:solidFill>
+                  <a:srgbClr val="000000"/>
+                </a:solidFill>
+              </a:rPr>
+              <a:t>        {"ts":1412125320000</a:t>
+            </a:r>
+            <a:r>
+              <a:rPr lang="en-US" sz="1400" dirty="0">
+                <a:solidFill>
+                  <a:srgbClr val="FF0000"/>
+                </a:solidFill>
+              </a:rPr>
+              <a:t>000</a:t>
+            </a:r>
+            <a:r>
+              <a:rPr lang="en-US" sz="1400" dirty="0">
+                <a:solidFill>
+                  <a:srgbClr val="000000"/>
+                </a:solidFill>
+              </a:rPr>
+              <a:t>,"v":8731}],</a:t>
             </a:r>
           </a:p>
           <a:p>
@@ -9427,18 +9455,10 @@
             <a:r>
               <a:rPr lang="en-US" sz="1400" dirty="0" err="1" smtClean="0">
                 <a:solidFill>
-                  <a:srgbClr val="FF0000"/>
-                </a:solidFill>
-              </a:rPr>
-              <a:t>ops_monitoring:</a:t>
-            </a:r>
-            <a:r>
-              <a:rPr lang="en-US" sz="1400" dirty="0" err="1" smtClean="0">
-                <a:solidFill>
-                  <a:srgbClr val="000000"/>
-                </a:solidFill>
-              </a:rPr>
-              <a:t>rx_bps</a:t>
+                  <a:srgbClr val="000000"/>
+                </a:solidFill>
+              </a:rPr>
+              <a:t>ops_monitoring:rx_bps</a:t>
             </a:r>
             <a:r>
               <a:rPr lang="en-US" sz="1400" dirty="0" smtClean="0">
@@ -9761,7 +9781,7 @@
         <p:spPr>
           <a:xfrm>
             <a:off x="533400" y="4495800"/>
-            <a:ext cx="8382000" cy="1200329"/>
+            <a:ext cx="8382000" cy="1754327"/>
           </a:xfrm>
           <a:prstGeom prst="rect">
             <a:avLst/>
@@ -9779,16 +9799,8 @@
               <a:buChar char="•"/>
             </a:pPr>
             <a:r>
-              <a:rPr lang="en-US" dirty="0" err="1"/>
-              <a:t>o</a:t>
-            </a:r>
-            <a:r>
-              <a:rPr lang="en-US" dirty="0" err="1" smtClean="0"/>
-              <a:t>ps_monitoring</a:t>
-            </a:r>
-            <a:r>
               <a:rPr lang="en-US" dirty="0" smtClean="0"/>
-              <a:t> prefix seems unnecessary.  Remove it.</a:t>
+              <a:t>Timestamps could probably be milliseconds instead of microseconds</a:t>
             </a:r>
           </a:p>
           <a:p>
@@ -9797,8 +9809,12 @@
               <a:buChar char="•"/>
             </a:pPr>
             <a:r>
+              <a:rPr lang="en-US" dirty="0"/>
+              <a:t>C</a:t>
+            </a:r>
+            <a:r>
               <a:rPr lang="en-US" dirty="0" smtClean="0"/>
-              <a:t>Also remove it in the REST call that queries for this data</a:t>
+              <a:t>ould reduce the response size significantly</a:t>
             </a:r>
           </a:p>
           <a:p>
@@ -9808,7 +9824,7 @@
             </a:pPr>
             <a:r>
               <a:rPr lang="en-US" dirty="0" smtClean="0"/>
-              <a:t>No impact on database population</a:t>
+              <a:t>We would want to make this change across the entire schema for consistency</a:t>
             </a:r>
           </a:p>
           <a:p>
@@ -9818,15 +9834,25 @@
             </a:pPr>
             <a:r>
               <a:rPr lang="en-US" dirty="0" smtClean="0"/>
-              <a:t>Collectors would see different </a:t>
+              <a:t>Database </a:t>
             </a:r>
             <a:r>
               <a:rPr lang="en-US" dirty="0" err="1" smtClean="0"/>
-              <a:t>eventType</a:t>
+              <a:t>populators</a:t>
             </a:r>
             <a:r>
               <a:rPr lang="en-US" dirty="0" smtClean="0"/>
-              <a:t> strings, but it shouldn’t matter?</a:t>
+              <a:t> would need to change to store milliseconds</a:t>
+            </a:r>
+          </a:p>
+          <a:p>
+            <a:pPr marL="285750" indent="-285750">
+              <a:buFont typeface="Arial"/>
+              <a:buChar char="•"/>
+            </a:pPr>
+            <a:r>
+              <a:rPr lang="en-US" dirty="0" smtClean="0"/>
+              <a:t>Collectors would have to deal with both time granularities for a while, facilitated by schema versioning</a:t>
             </a:r>
             <a:endParaRPr lang="en-US" dirty="0"/>
           </a:p>
@@ -9835,7 +9861,7 @@
     </p:spTree>
     <p:extLst>
       <p:ext uri="{BB962C8B-B14F-4D97-AF65-F5344CB8AC3E}">
-        <p14:creationId xmlns:p14="http://schemas.microsoft.com/office/powerpoint/2010/main" val="357151695"/>
+        <p14:creationId xmlns:p14="http://schemas.microsoft.com/office/powerpoint/2010/main" val="1064112895"/>
       </p:ext>
     </p:extLst>
   </p:cSld>
@@ -9879,7 +9905,15 @@
           <a:p>
             <a:r>
               <a:rPr lang="en-US" sz="2800" dirty="0" smtClean="0"/>
-              <a:t>JSON data response: subject field</a:t>
+              <a:t>JSON data response:  </a:t>
+            </a:r>
+            <a:r>
+              <a:rPr lang="en-US" sz="2800" dirty="0" err="1" smtClean="0"/>
+              <a:t>ops_monitoring</a:t>
+            </a:r>
+            <a:r>
+              <a:rPr lang="en-US" sz="2800" dirty="0" smtClean="0"/>
+              <a:t> prefix</a:t>
             </a:r>
             <a:endParaRPr lang="en-US" sz="2800" dirty="0"/>
           </a:p>
@@ -10012,23 +10046,23 @@
                   <a:srgbClr val="000000"/>
                 </a:solidFill>
               </a:rPr>
-              <a:t>":</a:t>
-            </a:r>
-            <a:r>
-              <a:rPr lang="en-US" sz="1400" dirty="0"/>
-              <a:t>"</a:t>
-            </a:r>
-            <a:r>
-              <a:rPr lang="en-US" sz="1400" dirty="0" err="1" smtClean="0"/>
-              <a:t>ops_monitori</a:t>
+              <a:t>":"</a:t>
             </a:r>
             <a:r>
               <a:rPr lang="en-US" sz="1400" dirty="0" err="1" smtClean="0">
                 <a:solidFill>
-                  <a:srgbClr val="000000"/>
-                </a:solidFill>
-              </a:rPr>
-              <a:t>ng:rx_bps</a:t>
+                  <a:srgbClr val="FF0000"/>
+                </a:solidFill>
+              </a:rPr>
+              <a:t>ops_monitoring:</a:t>
+            </a:r>
+            <a:r>
+              <a:rPr lang="en-US" sz="1400" dirty="0" err="1" smtClean="0">
+                <a:solidFill>
+                  <a:srgbClr val="000000"/>
+                </a:solidFill>
+              </a:rPr>
+              <a:t>rx_bps</a:t>
             </a:r>
             <a:r>
               <a:rPr lang="en-US" sz="1400" dirty="0" smtClean="0">
@@ -10051,23 +10085,7 @@
                   <a:srgbClr val="000000"/>
                 </a:solidFill>
               </a:rPr>
-              <a:t>    "</a:t>
-            </a:r>
-            <a:r>
-              <a:rPr lang="en-US" sz="1400" dirty="0">
-                <a:solidFill>
-                  <a:srgbClr val="FF0000"/>
-                </a:solidFill>
-              </a:rPr>
-              <a:t>subject</a:t>
-            </a:r>
-            <a:r>
-              <a:rPr lang="en-US" sz="1400" dirty="0">
-                <a:solidFill>
-                  <a:srgbClr val="000000"/>
-                </a:solidFill>
-              </a:rPr>
-              <a:t>"</a:t>
+              <a:t>    "subject"</a:t>
             </a:r>
             <a:r>
               <a:rPr lang="en-US" sz="1400" dirty="0" smtClean="0">
@@ -10367,7 +10385,7 @@
         <p:spPr>
           <a:xfrm>
             <a:off x="533400" y="4495800"/>
-            <a:ext cx="8382000" cy="1477328"/>
+            <a:ext cx="8382000" cy="1200329"/>
           </a:xfrm>
           <a:prstGeom prst="rect">
             <a:avLst/>
@@ -10385,16 +10403,16 @@
               <a:buChar char="•"/>
             </a:pPr>
             <a:r>
+              <a:rPr lang="en-US" dirty="0" err="1"/>
+              <a:t>o</a:t>
+            </a:r>
+            <a:r>
+              <a:rPr lang="en-US" dirty="0" err="1" smtClean="0"/>
+              <a:t>ps_monitoring</a:t>
+            </a:r>
+            <a:r>
               <a:rPr lang="en-US" dirty="0" smtClean="0"/>
-              <a:t>Our schema convention is to use the _</a:t>
-            </a:r>
-            <a:r>
-              <a:rPr lang="en-US" dirty="0" err="1" smtClean="0"/>
-              <a:t>href</a:t>
-            </a:r>
-            <a:r>
-              <a:rPr lang="en-US" dirty="0" smtClean="0"/>
-              <a:t> suffix for fields that contain URLs, so add that here</a:t>
+              <a:t> prefix seems unnecessary.  Remove it.</a:t>
             </a:r>
           </a:p>
           <a:p>
@@ -10404,7 +10422,7 @@
             </a:pPr>
             <a:r>
               <a:rPr lang="en-US" dirty="0" smtClean="0"/>
-              <a:t>Diverges from UNIS schema, but we have been moving away from UNIS</a:t>
+              <a:t>Also remove it in the REST call that queries for this data</a:t>
             </a:r>
           </a:p>
           <a:p>
@@ -10424,7 +10442,15 @@
             </a:pPr>
             <a:r>
               <a:rPr lang="en-US" dirty="0" smtClean="0"/>
-              <a:t>Collectors must parse new format</a:t>
+              <a:t>Collectors would see different </a:t>
+            </a:r>
+            <a:r>
+              <a:rPr lang="en-US" dirty="0" err="1" smtClean="0"/>
+              <a:t>eventType</a:t>
+            </a:r>
+            <a:r>
+              <a:rPr lang="en-US" dirty="0" smtClean="0"/>
+              <a:t> strings, but it shouldn’t matter?</a:t>
             </a:r>
             <a:endParaRPr lang="en-US" dirty="0"/>
           </a:p>
@@ -10433,7 +10459,7 @@
     </p:spTree>
     <p:extLst>
       <p:ext uri="{BB962C8B-B14F-4D97-AF65-F5344CB8AC3E}">
-        <p14:creationId xmlns:p14="http://schemas.microsoft.com/office/powerpoint/2010/main" val="1925145888"/>
+        <p14:creationId xmlns:p14="http://schemas.microsoft.com/office/powerpoint/2010/main" val="357151695"/>
       </p:ext>
     </p:extLst>
   </p:cSld>
